--- a/ppt/02_程式語言簡介.pptx
+++ b/ppt/02_程式語言簡介.pptx
@@ -216,7 +216,7 @@
           <a:p>
             <a:fld id="{FF294DDF-BAE6-4F99-A8CC-1D49EAABBEEB}" type="datetimeFigureOut">
               <a:rPr lang="zh-TW" altLang="en-US" smtClean="0"/>
-              <a:t>2024/8/28</a:t>
+              <a:t>2024/9/7</a:t>
             </a:fld>
             <a:endParaRPr lang="zh-TW" altLang="en-US"/>
           </a:p>
@@ -6099,40 +6099,6 @@
           </a:p>
         </p:txBody>
       </p:sp>
-      <p:sp>
-        <p:nvSpPr>
-          <p:cNvPr id="5" name="投影片編號版面配置區 4">
-            <a:extLst>
-              <a:ext uri="{FF2B5EF4-FFF2-40B4-BE49-F238E27FC236}">
-                <a16:creationId xmlns:a16="http://schemas.microsoft.com/office/drawing/2014/main" id="{8449CB7D-71B4-408A-A45C-E2A505D5CE2A}"/>
-              </a:ext>
-            </a:extLst>
-          </p:cNvPr>
-          <p:cNvSpPr>
-            <a:spLocks noGrp="1"/>
-          </p:cNvSpPr>
-          <p:nvPr>
-            <p:ph type="sldNum" sz="quarter" idx="4294967295"/>
-          </p:nvPr>
-        </p:nvSpPr>
-        <p:spPr>
-          <a:xfrm>
-            <a:off x="9448800" y="6356350"/>
-            <a:ext cx="2743200" cy="365125"/>
-          </a:xfrm>
-        </p:spPr>
-        <p:txBody>
-          <a:bodyPr/>
-          <a:lstStyle/>
-          <a:p>
-            <a:fld id="{D17B00DA-BF3E-4106-8498-BD82A9E0744A}" type="slidenum">
-              <a:rPr lang="zh-TW" altLang="en-US" smtClean="0"/>
-              <a:t>2</a:t>
-            </a:fld>
-            <a:endParaRPr lang="zh-TW" altLang="en-US"/>
-          </a:p>
-        </p:txBody>
-      </p:sp>
       <p:grpSp>
         <p:nvGrpSpPr>
           <p:cNvPr id="38" name="群組 37">
@@ -10020,40 +9986,6 @@
               <a:rPr lang="zh-TW" altLang="en-US"/>
               <a:t>程式語言</a:t>
             </a:r>
-          </a:p>
-        </p:txBody>
-      </p:sp>
-      <p:sp>
-        <p:nvSpPr>
-          <p:cNvPr id="4" name="投影片編號版面配置區 3">
-            <a:extLst>
-              <a:ext uri="{FF2B5EF4-FFF2-40B4-BE49-F238E27FC236}">
-                <a16:creationId xmlns:a16="http://schemas.microsoft.com/office/drawing/2014/main" id="{AC20EAEA-C711-4FA7-91E7-12961AFB022B}"/>
-              </a:ext>
-            </a:extLst>
-          </p:cNvPr>
-          <p:cNvSpPr>
-            <a:spLocks noGrp="1"/>
-          </p:cNvSpPr>
-          <p:nvPr>
-            <p:ph type="sldNum" sz="quarter" idx="4294967295"/>
-          </p:nvPr>
-        </p:nvSpPr>
-        <p:spPr>
-          <a:xfrm>
-            <a:off x="9448800" y="6356350"/>
-            <a:ext cx="2743200" cy="365125"/>
-          </a:xfrm>
-        </p:spPr>
-        <p:txBody>
-          <a:bodyPr/>
-          <a:lstStyle/>
-          <a:p>
-            <a:fld id="{D17B00DA-BF3E-4106-8498-BD82A9E0744A}" type="slidenum">
-              <a:rPr lang="zh-TW" altLang="en-US" smtClean="0"/>
-              <a:t>3</a:t>
-            </a:fld>
-            <a:endParaRPr lang="zh-TW" altLang="en-US"/>
           </a:p>
         </p:txBody>
       </p:sp>
@@ -15506,40 +15438,6 @@
       </p:sp>
       <p:sp>
         <p:nvSpPr>
-          <p:cNvPr id="9" name="投影片編號版面配置區 8">
-            <a:extLst>
-              <a:ext uri="{FF2B5EF4-FFF2-40B4-BE49-F238E27FC236}">
-                <a16:creationId xmlns:a16="http://schemas.microsoft.com/office/drawing/2014/main" id="{D098C3F5-3C0D-4B27-B53A-A7AACD99CE1D}"/>
-              </a:ext>
-            </a:extLst>
-          </p:cNvPr>
-          <p:cNvSpPr>
-            <a:spLocks noGrp="1"/>
-          </p:cNvSpPr>
-          <p:nvPr>
-            <p:ph type="sldNum" sz="quarter" idx="4294967295"/>
-          </p:nvPr>
-        </p:nvSpPr>
-        <p:spPr>
-          <a:xfrm>
-            <a:off x="9448800" y="6356350"/>
-            <a:ext cx="2743200" cy="365125"/>
-          </a:xfrm>
-        </p:spPr>
-        <p:txBody>
-          <a:bodyPr/>
-          <a:lstStyle/>
-          <a:p>
-            <a:fld id="{D17B00DA-BF3E-4106-8498-BD82A9E0744A}" type="slidenum">
-              <a:rPr lang="zh-TW" altLang="en-US" smtClean="0"/>
-              <a:t>4</a:t>
-            </a:fld>
-            <a:endParaRPr lang="zh-TW" altLang="en-US"/>
-          </a:p>
-        </p:txBody>
-      </p:sp>
-      <p:sp>
-        <p:nvSpPr>
           <p:cNvPr id="6" name="矩形: 圓角 5">
             <a:extLst>
               <a:ext uri="{FF2B5EF4-FFF2-40B4-BE49-F238E27FC236}">
@@ -15991,40 +15889,6 @@
               <a:rPr lang="zh-TW" altLang="en-US"/>
               <a:t>只要符合同一個標準的就是同一個程式語言，舉例：</a:t>
             </a:r>
-          </a:p>
-        </p:txBody>
-      </p:sp>
-      <p:sp>
-        <p:nvSpPr>
-          <p:cNvPr id="4" name="投影片編號版面配置區 3">
-            <a:extLst>
-              <a:ext uri="{FF2B5EF4-FFF2-40B4-BE49-F238E27FC236}">
-                <a16:creationId xmlns:a16="http://schemas.microsoft.com/office/drawing/2014/main" id="{BAF89670-F1E5-4AF6-8A66-48FF7E7F6C47}"/>
-              </a:ext>
-            </a:extLst>
-          </p:cNvPr>
-          <p:cNvSpPr>
-            <a:spLocks noGrp="1"/>
-          </p:cNvSpPr>
-          <p:nvPr>
-            <p:ph type="sldNum" sz="quarter" idx="4294967295"/>
-          </p:nvPr>
-        </p:nvSpPr>
-        <p:spPr>
-          <a:xfrm>
-            <a:off x="9448800" y="6356350"/>
-            <a:ext cx="2743200" cy="365125"/>
-          </a:xfrm>
-        </p:spPr>
-        <p:txBody>
-          <a:bodyPr/>
-          <a:lstStyle/>
-          <a:p>
-            <a:fld id="{D17B00DA-BF3E-4106-8498-BD82A9E0744A}" type="slidenum">
-              <a:rPr lang="zh-TW" altLang="en-US" smtClean="0"/>
-              <a:t>5</a:t>
-            </a:fld>
-            <a:endParaRPr lang="zh-TW" altLang="en-US"/>
           </a:p>
         </p:txBody>
       </p:sp>
@@ -17163,9 +17027,6 @@
               </a:rPr>
               <a:t>！</a:t>
             </a:r>
-          </a:p>
-          <a:p>
-            <a:endParaRPr lang="en-US" altLang="zh-TW" sz="3200"/>
           </a:p>
         </p:txBody>
       </p:sp>

--- a/ppt/02_程式語言簡介.pptx
+++ b/ppt/02_程式語言簡介.pptx
@@ -5,14 +5,13 @@
     <p:sldMasterId id="2147483684" r:id="rId1"/>
   </p:sldMasterIdLst>
   <p:notesMasterIdLst>
-    <p:notesMasterId r:id="rId7"/>
+    <p:notesMasterId r:id="rId6"/>
   </p:notesMasterIdLst>
   <p:sldIdLst>
     <p:sldId id="273" r:id="rId2"/>
     <p:sldId id="274" r:id="rId3"/>
     <p:sldId id="277" r:id="rId4"/>
     <p:sldId id="275" r:id="rId5"/>
-    <p:sldId id="276" r:id="rId6"/>
   </p:sldIdLst>
   <p:sldSz cx="12192000" cy="6858000"/>
   <p:notesSz cx="6858000" cy="9144000"/>
@@ -216,7 +215,7 @@
           <a:p>
             <a:fld id="{FF294DDF-BAE6-4F99-A8CC-1D49EAABBEEB}" type="datetimeFigureOut">
               <a:rPr lang="zh-TW" altLang="en-US" smtClean="0"/>
-              <a:t>2024/9/7</a:t>
+              <a:t>2024/9/8</a:t>
             </a:fld>
             <a:endParaRPr lang="zh-TW" altLang="en-US"/>
           </a:p>
@@ -8921,7 +8920,7 @@
         </p:nvGrpSpPr>
         <p:grpSpPr>
           <a:xfrm>
-            <a:off x="800455" y="1384229"/>
+            <a:off x="4211641" y="1384229"/>
             <a:ext cx="3768718" cy="5068593"/>
             <a:chOff x="8081818" y="1424282"/>
             <a:chExt cx="3768718" cy="5068593"/>
@@ -9587,7 +9586,7 @@
         </p:nvGrpSpPr>
         <p:grpSpPr>
           <a:xfrm>
-            <a:off x="5351180" y="3352690"/>
+            <a:off x="631428" y="3352690"/>
             <a:ext cx="3236558" cy="3141432"/>
             <a:chOff x="5351180" y="3352690"/>
             <a:chExt cx="3236558" cy="3141432"/>
@@ -10003,7 +10002,7 @@
         </p:nvSpPr>
         <p:spPr>
           <a:xfrm>
-            <a:off x="1812825" y="5548040"/>
+            <a:off x="5224011" y="5548040"/>
             <a:ext cx="2371244" cy="286603"/>
           </a:xfrm>
           <a:prstGeom prst="roundRect">
@@ -10055,7 +10054,7 @@
         </p:nvSpPr>
         <p:spPr>
           <a:xfrm>
-            <a:off x="1933453" y="5173368"/>
+            <a:off x="5344639" y="5173368"/>
             <a:ext cx="2149016" cy="273077"/>
           </a:xfrm>
           <a:prstGeom prst="roundRect">
@@ -10107,7 +10106,7 @@
         </p:nvSpPr>
         <p:spPr>
           <a:xfrm>
-            <a:off x="2660072" y="4206051"/>
+            <a:off x="6071258" y="4206051"/>
             <a:ext cx="711200" cy="721225"/>
           </a:xfrm>
           <a:prstGeom prst="roundRect">
@@ -10156,15 +10155,15 @@
           </p:cNvPr>
           <p:cNvCxnSpPr>
             <a:cxnSpLocks/>
-            <a:stCxn id="28" idx="3"/>
-            <a:endCxn id="31" idx="1"/>
+            <a:stCxn id="28" idx="1"/>
+            <a:endCxn id="31" idx="3"/>
           </p:cNvCxnSpPr>
           <p:nvPr/>
         </p:nvCxnSpPr>
         <p:spPr>
-          <a:xfrm flipV="1">
-            <a:off x="4184069" y="4922351"/>
-            <a:ext cx="1183159" cy="768991"/>
+          <a:xfrm flipH="1" flipV="1">
+            <a:off x="3867986" y="4922351"/>
+            <a:ext cx="1356025" cy="768991"/>
           </a:xfrm>
           <a:prstGeom prst="straightConnector1">
             <a:avLst/>
@@ -10209,8 +10208,8 @@
         </p:nvCxnSpPr>
         <p:spPr>
           <a:xfrm flipV="1">
-            <a:off x="4082469" y="3917934"/>
-            <a:ext cx="4610525" cy="1391973"/>
+            <a:off x="7493655" y="3917934"/>
+            <a:ext cx="1006466" cy="1391973"/>
           </a:xfrm>
           <a:prstGeom prst="straightConnector1">
             <a:avLst/>
@@ -10248,15 +10247,15 @@
           </p:cNvPr>
           <p:cNvCxnSpPr>
             <a:cxnSpLocks/>
-            <a:stCxn id="52" idx="3"/>
-            <a:endCxn id="45" idx="1"/>
+            <a:stCxn id="52" idx="1"/>
+            <a:endCxn id="45" idx="3"/>
           </p:cNvCxnSpPr>
           <p:nvPr/>
         </p:nvCxnSpPr>
         <p:spPr>
-          <a:xfrm flipV="1">
-            <a:off x="3371272" y="2205199"/>
-            <a:ext cx="1995956" cy="2361465"/>
+          <a:xfrm flipH="1" flipV="1">
+            <a:off x="3835184" y="2205199"/>
+            <a:ext cx="2236074" cy="2361465"/>
           </a:xfrm>
           <a:prstGeom prst="straightConnector1">
             <a:avLst/>
@@ -10297,7 +10296,7 @@
         </p:nvGrpSpPr>
         <p:grpSpPr>
           <a:xfrm>
-            <a:off x="8692994" y="1347898"/>
+            <a:off x="8500121" y="1347898"/>
             <a:ext cx="2889885" cy="5140071"/>
             <a:chOff x="8692994" y="1347898"/>
             <a:chExt cx="2889885" cy="5140071"/>
@@ -12687,7 +12686,7 @@
         </p:nvGrpSpPr>
         <p:grpSpPr>
           <a:xfrm>
-            <a:off x="5367228" y="1390226"/>
+            <a:off x="647476" y="1390226"/>
             <a:ext cx="3187708" cy="1629945"/>
             <a:chOff x="5367228" y="1390226"/>
             <a:chExt cx="3187708" cy="1629945"/>
@@ -13117,7 +13116,7 @@
                             </p:stCondLst>
                             <p:childTnLst>
                               <p:par>
-                                <p:cTn id="9" presetID="22" presetClass="entr" presetSubtype="8" fill="hold" nodeType="afterEffect">
+                                <p:cTn id="9" presetID="22" presetClass="entr" presetSubtype="2" fill="hold" nodeType="afterEffect">
                                   <p:stCondLst>
                                     <p:cond delay="0"/>
                                   </p:stCondLst>
@@ -13140,7 +13139,7 @@
                                         <p:strVal val="visible"/>
                                       </p:to>
                                     </p:set>
-                                    <p:animEffect transition="in" filter="wipe(left)">
+                                    <p:animEffect transition="in" filter="wipe(right)">
                                       <p:cBhvr>
                                         <p:cTn id="11" dur="500"/>
                                         <p:tgtEl>
@@ -13399,7 +13398,7 @@
                             </p:stCondLst>
                             <p:childTnLst>
                               <p:par>
-                                <p:cTn id="35" presetID="22" presetClass="entr" presetSubtype="8" fill="hold" nodeType="afterEffect">
+                                <p:cTn id="35" presetID="22" presetClass="entr" presetSubtype="2" fill="hold" nodeType="afterEffect">
                                   <p:stCondLst>
                                     <p:cond delay="0"/>
                                   </p:stCondLst>
@@ -13422,7 +13421,7 @@
                                         <p:strVal val="visible"/>
                                       </p:to>
                                     </p:set>
-                                    <p:animEffect transition="in" filter="wipe(left)">
+                                    <p:animEffect transition="in" filter="wipe(right)">
                                       <p:cBhvr>
                                         <p:cTn id="37" dur="500"/>
                                         <p:tgtEl>
@@ -15800,1652 +15799,6 @@
       <p:bldP spid="6" grpId="0" animBg="1"/>
       <p:bldP spid="8" grpId="0" animBg="1"/>
       <p:bldP spid="10" grpId="0" animBg="1"/>
-    </p:bldLst>
-  </p:timing>
-</p:sld>
-</file>
-
-<file path=ppt/slides/slide5.xml><?xml version="1.0" encoding="utf-8"?>
-<p:sld xmlns:a="http://schemas.openxmlformats.org/drawingml/2006/main" xmlns:r="http://schemas.openxmlformats.org/officeDocument/2006/relationships" xmlns:p="http://schemas.openxmlformats.org/presentationml/2006/main">
-  <p:cSld>
-    <p:spTree>
-      <p:nvGrpSpPr>
-        <p:cNvPr id="1" name=""/>
-        <p:cNvGrpSpPr/>
-        <p:nvPr/>
-      </p:nvGrpSpPr>
-      <p:grpSpPr>
-        <a:xfrm>
-          <a:off x="0" y="0"/>
-          <a:ext cx="0" cy="0"/>
-          <a:chOff x="0" y="0"/>
-          <a:chExt cx="0" cy="0"/>
-        </a:xfrm>
-      </p:grpSpPr>
-      <p:sp>
-        <p:nvSpPr>
-          <p:cNvPr id="2" name="標題 1">
-            <a:extLst>
-              <a:ext uri="{FF2B5EF4-FFF2-40B4-BE49-F238E27FC236}">
-                <a16:creationId xmlns:a16="http://schemas.microsoft.com/office/drawing/2014/main" id="{DC98EA55-913E-400B-84EA-B47A12297A90}"/>
-              </a:ext>
-            </a:extLst>
-          </p:cNvPr>
-          <p:cNvSpPr>
-            <a:spLocks noGrp="1"/>
-          </p:cNvSpPr>
-          <p:nvPr>
-            <p:ph type="title"/>
-          </p:nvPr>
-        </p:nvSpPr>
-        <p:spPr/>
-        <p:txBody>
-          <a:bodyPr/>
-          <a:lstStyle/>
-          <a:p>
-            <a:r>
-              <a:rPr lang="zh-TW" altLang="en-US"/>
-              <a:t>補充：程式語言標準</a:t>
-            </a:r>
-          </a:p>
-        </p:txBody>
-      </p:sp>
-      <p:sp>
-        <p:nvSpPr>
-          <p:cNvPr id="11" name="內容版面配置區 10">
-            <a:extLst>
-              <a:ext uri="{FF2B5EF4-FFF2-40B4-BE49-F238E27FC236}">
-                <a16:creationId xmlns:a16="http://schemas.microsoft.com/office/drawing/2014/main" id="{E596348F-A6CC-4D6B-B4E4-758A086BEA90}"/>
-              </a:ext>
-            </a:extLst>
-          </p:cNvPr>
-          <p:cNvSpPr>
-            <a:spLocks noGrp="1"/>
-          </p:cNvSpPr>
-          <p:nvPr>
-            <p:ph idx="1"/>
-          </p:nvPr>
-        </p:nvSpPr>
-        <p:spPr>
-          <a:xfrm>
-            <a:off x="838200" y="1613190"/>
-            <a:ext cx="10515600" cy="1009939"/>
-          </a:xfrm>
-        </p:spPr>
-        <p:txBody>
-          <a:bodyPr>
-            <a:normAutofit/>
-          </a:bodyPr>
-          <a:lstStyle/>
-          <a:p>
-            <a:r>
-              <a:rPr lang="zh-TW" altLang="en-US"/>
-              <a:t>程式語言通常只是個標準，和實際實作或執行通常無關</a:t>
-            </a:r>
-            <a:endParaRPr lang="en-US" altLang="zh-TW"/>
-          </a:p>
-          <a:p>
-            <a:r>
-              <a:rPr lang="zh-TW" altLang="en-US"/>
-              <a:t>只要符合同一個標準的就是同一個程式語言，舉例：</a:t>
-            </a:r>
-          </a:p>
-        </p:txBody>
-      </p:sp>
-      <p:grpSp>
-        <p:nvGrpSpPr>
-          <p:cNvPr id="15" name="群組 14">
-            <a:extLst>
-              <a:ext uri="{FF2B5EF4-FFF2-40B4-BE49-F238E27FC236}">
-                <a16:creationId xmlns:a16="http://schemas.microsoft.com/office/drawing/2014/main" id="{E33D9331-1902-470B-AA77-43B4A5F34418}"/>
-              </a:ext>
-            </a:extLst>
-          </p:cNvPr>
-          <p:cNvGrpSpPr/>
-          <p:nvPr/>
-        </p:nvGrpSpPr>
-        <p:grpSpPr>
-          <a:xfrm>
-            <a:off x="838200" y="2650269"/>
-            <a:ext cx="10515600" cy="400110"/>
-            <a:chOff x="838200" y="3342993"/>
-            <a:chExt cx="10515600" cy="400110"/>
-          </a:xfrm>
-        </p:grpSpPr>
-        <p:sp>
-          <p:nvSpPr>
-            <p:cNvPr id="13" name="Rectangle 2">
-              <a:extLst>
-                <a:ext uri="{FF2B5EF4-FFF2-40B4-BE49-F238E27FC236}">
-                  <a16:creationId xmlns:a16="http://schemas.microsoft.com/office/drawing/2014/main" id="{97D610AD-01E7-4EC3-86CF-7CD8E2448C49}"/>
-                </a:ext>
-              </a:extLst>
-            </p:cNvPr>
-            <p:cNvSpPr>
-              <a:spLocks noChangeArrowheads="1"/>
-            </p:cNvSpPr>
-            <p:nvPr/>
-          </p:nvSpPr>
-          <p:spPr bwMode="auto">
-            <a:xfrm>
-              <a:off x="838200" y="3342993"/>
-              <a:ext cx="10515600" cy="400110"/>
-            </a:xfrm>
-            <a:prstGeom prst="rect">
-              <a:avLst/>
-            </a:prstGeom>
-            <a:solidFill>
-              <a:srgbClr val="1E1F22"/>
-            </a:solidFill>
-            <a:ln>
-              <a:noFill/>
-            </a:ln>
-            <a:effectLst/>
-            <a:extLst>
-              <a:ext uri="{91240B29-F687-4F45-9708-019B960494DF}">
-                <a14:hiddenLine xmlns:a14="http://schemas.microsoft.com/office/drawing/2010/main" w="9525">
-                  <a:solidFill>
-                    <a:schemeClr val="tx1"/>
-                  </a:solidFill>
-                  <a:miter lim="800000"/>
-                  <a:headEnd/>
-                  <a:tailEnd/>
-                </a14:hiddenLine>
-              </a:ext>
-              <a:ext uri="{AF507438-7753-43E0-B8FC-AC1667EBCBE1}">
-                <a14:hiddenEffects xmlns:a14="http://schemas.microsoft.com/office/drawing/2010/main">
-                  <a:effectLst>
-                    <a:outerShdw dist="35921" dir="2700000" algn="ctr" rotWithShape="0">
-                      <a:schemeClr val="bg2"/>
-                    </a:outerShdw>
-                  </a:effectLst>
-                </a14:hiddenEffects>
-              </a:ext>
-            </a:extLst>
-          </p:spPr>
-          <p:txBody>
-            <a:bodyPr vert="horz" wrap="square" lIns="91440" tIns="45720" rIns="91440" bIns="45720" numCol="1" anchor="ctr" anchorCtr="0" compatLnSpc="1">
-              <a:prstTxWarp prst="textNoShape">
-                <a:avLst/>
-              </a:prstTxWarp>
-              <a:spAutoFit/>
-            </a:bodyPr>
-            <a:lstStyle/>
-            <a:p>
-              <a:pPr marL="0" marR="0" lvl="0" indent="0" algn="l" defTabSz="914400" rtl="0" eaLnBrk="0" fontAlgn="base" latinLnBrk="0" hangingPunct="0">
-                <a:lnSpc>
-                  <a:spcPct val="100000"/>
-                </a:lnSpc>
-                <a:spcBef>
-                  <a:spcPct val="0"/>
-                </a:spcBef>
-                <a:spcAft>
-                  <a:spcPct val="0"/>
-                </a:spcAft>
-                <a:buClrTx/>
-                <a:buSzTx/>
-                <a:buFontTx/>
-                <a:buNone/>
-                <a:tabLst/>
-              </a:pPr>
-              <a:r>
-                <a:rPr kumimoji="0" lang="zh-TW" altLang="zh-TW" sz="2000" b="0" i="0" u="none" strike="noStrike" cap="none" normalizeH="0" baseline="0">
-                  <a:ln>
-                    <a:noFill/>
-                  </a:ln>
-                  <a:solidFill>
-                    <a:srgbClr val="8888C6"/>
-                  </a:solidFill>
-                  <a:effectLst/>
-                  <a:latin typeface="+mj-lt"/>
-                  <a:cs typeface="JetBrains Mono" panose="02000009000000000000" pitchFamily="49" charset="0"/>
-                </a:rPr>
-                <a:t>print</a:t>
-              </a:r>
-              <a:r>
-                <a:rPr kumimoji="0" lang="zh-TW" altLang="zh-TW" sz="2000" b="0" i="0" u="none" strike="noStrike" cap="none" normalizeH="0" baseline="0">
-                  <a:ln>
-                    <a:noFill/>
-                  </a:ln>
-                  <a:solidFill>
-                    <a:srgbClr val="BCBEC4"/>
-                  </a:solidFill>
-                  <a:effectLst/>
-                  <a:latin typeface="+mj-lt"/>
-                  <a:cs typeface="JetBrains Mono" panose="02000009000000000000" pitchFamily="49" charset="0"/>
-                </a:rPr>
-                <a:t>(</a:t>
-              </a:r>
-              <a:r>
-                <a:rPr kumimoji="0" lang="zh-TW" altLang="zh-TW" sz="2000" b="0" i="0" u="none" strike="noStrike" cap="none" normalizeH="0" baseline="0">
-                  <a:ln>
-                    <a:noFill/>
-                  </a:ln>
-                  <a:solidFill>
-                    <a:srgbClr val="6AAB73"/>
-                  </a:solidFill>
-                  <a:effectLst/>
-                  <a:latin typeface="+mj-lt"/>
-                  <a:cs typeface="JetBrains Mono" panose="02000009000000000000" pitchFamily="49" charset="0"/>
-                </a:rPr>
-                <a:t>"Hello, World!"</a:t>
-              </a:r>
-              <a:r>
-                <a:rPr kumimoji="0" lang="zh-TW" altLang="zh-TW" sz="2000" b="0" i="0" u="none" strike="noStrike" cap="none" normalizeH="0" baseline="0">
-                  <a:ln>
-                    <a:noFill/>
-                  </a:ln>
-                  <a:solidFill>
-                    <a:srgbClr val="BCBEC4"/>
-                  </a:solidFill>
-                  <a:effectLst/>
-                  <a:latin typeface="+mj-lt"/>
-                  <a:cs typeface="JetBrains Mono" panose="02000009000000000000" pitchFamily="49" charset="0"/>
-                </a:rPr>
-                <a:t>)</a:t>
-              </a:r>
-              <a:endParaRPr kumimoji="0" lang="zh-TW" altLang="zh-TW" sz="2000" b="0" i="0" u="none" strike="noStrike" cap="none" normalizeH="0" baseline="0">
-                <a:ln>
-                  <a:noFill/>
-                </a:ln>
-                <a:solidFill>
-                  <a:schemeClr val="tx1"/>
-                </a:solidFill>
-                <a:effectLst/>
-                <a:latin typeface="+mj-lt"/>
-              </a:endParaRPr>
-            </a:p>
-          </p:txBody>
-        </p:sp>
-        <p:sp>
-          <p:nvSpPr>
-            <p:cNvPr id="55" name="文字方塊 54">
-              <a:extLst>
-                <a:ext uri="{FF2B5EF4-FFF2-40B4-BE49-F238E27FC236}">
-                  <a16:creationId xmlns:a16="http://schemas.microsoft.com/office/drawing/2014/main" id="{97760F4A-0F6A-4A1A-A9E1-2E923942A4F1}"/>
-                </a:ext>
-              </a:extLst>
-            </p:cNvPr>
-            <p:cNvSpPr txBox="1"/>
-            <p:nvPr/>
-          </p:nvSpPr>
-          <p:spPr>
-            <a:xfrm>
-              <a:off x="10572817" y="3423313"/>
-              <a:ext cx="780983" cy="307777"/>
-            </a:xfrm>
-            <a:prstGeom prst="rect">
-              <a:avLst/>
-            </a:prstGeom>
-            <a:noFill/>
-          </p:spPr>
-          <p:txBody>
-            <a:bodyPr wrap="none" rtlCol="0">
-              <a:spAutoFit/>
-            </a:bodyPr>
-            <a:lstStyle/>
-            <a:p>
-              <a:pPr marL="0" marR="0" lvl="0" indent="0" defTabSz="914400" rtl="0" eaLnBrk="1" fontAlgn="auto" latinLnBrk="0" hangingPunct="1">
-                <a:lnSpc>
-                  <a:spcPct val="100000"/>
-                </a:lnSpc>
-                <a:spcBef>
-                  <a:spcPts val="0"/>
-                </a:spcBef>
-                <a:spcAft>
-                  <a:spcPts val="0"/>
-                </a:spcAft>
-                <a:buClrTx/>
-                <a:buSzTx/>
-                <a:buFontTx/>
-                <a:buNone/>
-                <a:tabLst/>
-                <a:defRPr/>
-              </a:pPr>
-              <a:r>
-                <a:rPr kumimoji="0" lang="en-US" altLang="zh-TW" sz="1400" b="0" i="0" u="none" strike="noStrike" kern="1200" cap="none" spc="0" normalizeH="0" baseline="0" noProof="0">
-                  <a:ln>
-                    <a:noFill/>
-                  </a:ln>
-                  <a:solidFill>
-                    <a:srgbClr val="808080"/>
-                  </a:solidFill>
-                  <a:effectLst/>
-                  <a:uLnTx/>
-                  <a:uFillTx/>
-                  <a:latin typeface="+mj-lt"/>
-                  <a:ea typeface="微軟正黑體 Light"/>
-                  <a:cs typeface="+mn-cs"/>
-                </a:rPr>
-                <a:t>python</a:t>
-              </a:r>
-              <a:endParaRPr kumimoji="0" lang="zh-TW" altLang="en-US" sz="1400" b="0" i="0" u="none" strike="noStrike" kern="1200" cap="none" spc="0" normalizeH="0" baseline="0" noProof="0">
-                <a:ln>
-                  <a:noFill/>
-                </a:ln>
-                <a:solidFill>
-                  <a:srgbClr val="808080"/>
-                </a:solidFill>
-                <a:effectLst/>
-                <a:uLnTx/>
-                <a:uFillTx/>
-                <a:latin typeface="+mj-lt"/>
-                <a:ea typeface="微軟正黑體 Light"/>
-                <a:cs typeface="+mn-cs"/>
-              </a:endParaRPr>
-            </a:p>
-          </p:txBody>
-        </p:sp>
-      </p:grpSp>
-      <p:sp>
-        <p:nvSpPr>
-          <p:cNvPr id="57" name="內容版面配置區 10">
-            <a:extLst>
-              <a:ext uri="{FF2B5EF4-FFF2-40B4-BE49-F238E27FC236}">
-                <a16:creationId xmlns:a16="http://schemas.microsoft.com/office/drawing/2014/main" id="{9662FB29-5B44-4515-9639-33FA64DDF623}"/>
-              </a:ext>
-            </a:extLst>
-          </p:cNvPr>
-          <p:cNvSpPr txBox="1">
-            <a:spLocks/>
-          </p:cNvSpPr>
-          <p:nvPr/>
-        </p:nvSpPr>
-        <p:spPr>
-          <a:xfrm>
-            <a:off x="838200" y="4643143"/>
-            <a:ext cx="7797800" cy="1009513"/>
-          </a:xfrm>
-          <a:prstGeom prst="rect">
-            <a:avLst/>
-          </a:prstGeom>
-        </p:spPr>
-        <p:txBody>
-          <a:bodyPr vert="horz" lIns="91440" tIns="45720" rIns="91440" bIns="45720" rtlCol="0">
-            <a:normAutofit/>
-          </a:bodyPr>
-          <a:lstStyle>
-            <a:lvl1pPr marL="0" indent="0" algn="l" defTabSz="914400" rtl="0" eaLnBrk="1" latinLnBrk="0" hangingPunct="1">
-              <a:lnSpc>
-                <a:spcPct val="90000"/>
-              </a:lnSpc>
-              <a:spcBef>
-                <a:spcPts val="1000"/>
-              </a:spcBef>
-              <a:buFont typeface="Arial" panose="020B0604020202020204" pitchFamily="34" charset="0"/>
-              <a:buNone/>
-              <a:defRPr sz="2800" kern="1200">
-                <a:solidFill>
-                  <a:schemeClr val="tx1"/>
-                </a:solidFill>
-                <a:latin typeface="+mn-lt"/>
-                <a:ea typeface="+mn-ea"/>
-                <a:cs typeface="+mn-cs"/>
-              </a:defRPr>
-            </a:lvl1pPr>
-            <a:lvl2pPr marL="457200" indent="0" algn="l" defTabSz="914400" rtl="0" eaLnBrk="1" latinLnBrk="0" hangingPunct="1">
-              <a:lnSpc>
-                <a:spcPct val="90000"/>
-              </a:lnSpc>
-              <a:spcBef>
-                <a:spcPts val="500"/>
-              </a:spcBef>
-              <a:buFont typeface="Arial" panose="020B0604020202020204" pitchFamily="34" charset="0"/>
-              <a:buNone/>
-              <a:defRPr sz="2400" kern="1200">
-                <a:solidFill>
-                  <a:schemeClr val="tx1"/>
-                </a:solidFill>
-                <a:latin typeface="+mn-lt"/>
-                <a:ea typeface="+mn-ea"/>
-                <a:cs typeface="+mn-cs"/>
-              </a:defRPr>
-            </a:lvl2pPr>
-            <a:lvl3pPr marL="914400" indent="0" algn="l" defTabSz="914400" rtl="0" eaLnBrk="1" latinLnBrk="0" hangingPunct="1">
-              <a:lnSpc>
-                <a:spcPct val="90000"/>
-              </a:lnSpc>
-              <a:spcBef>
-                <a:spcPts val="500"/>
-              </a:spcBef>
-              <a:buFont typeface="Arial" panose="020B0604020202020204" pitchFamily="34" charset="0"/>
-              <a:buNone/>
-              <a:defRPr sz="2000" kern="1200">
-                <a:solidFill>
-                  <a:schemeClr val="tx1"/>
-                </a:solidFill>
-                <a:latin typeface="+mn-lt"/>
-                <a:ea typeface="+mn-ea"/>
-                <a:cs typeface="+mn-cs"/>
-              </a:defRPr>
-            </a:lvl3pPr>
-            <a:lvl4pPr marL="1371600" indent="0" algn="l" defTabSz="914400" rtl="0" eaLnBrk="1" latinLnBrk="0" hangingPunct="1">
-              <a:lnSpc>
-                <a:spcPct val="90000"/>
-              </a:lnSpc>
-              <a:spcBef>
-                <a:spcPts val="500"/>
-              </a:spcBef>
-              <a:buFont typeface="Arial" panose="020B0604020202020204" pitchFamily="34" charset="0"/>
-              <a:buNone/>
-              <a:defRPr sz="1800" kern="1200">
-                <a:solidFill>
-                  <a:schemeClr val="tx1"/>
-                </a:solidFill>
-                <a:latin typeface="+mn-lt"/>
-                <a:ea typeface="+mn-ea"/>
-                <a:cs typeface="+mn-cs"/>
-              </a:defRPr>
-            </a:lvl4pPr>
-            <a:lvl5pPr marL="1828800" indent="0" algn="l" defTabSz="914400" rtl="0" eaLnBrk="1" latinLnBrk="0" hangingPunct="1">
-              <a:lnSpc>
-                <a:spcPct val="90000"/>
-              </a:lnSpc>
-              <a:spcBef>
-                <a:spcPts val="500"/>
-              </a:spcBef>
-              <a:buFont typeface="Arial" panose="020B0604020202020204" pitchFamily="34" charset="0"/>
-              <a:buNone/>
-              <a:defRPr sz="1800" kern="1200">
-                <a:solidFill>
-                  <a:schemeClr val="tx1"/>
-                </a:solidFill>
-                <a:latin typeface="+mn-lt"/>
-                <a:ea typeface="+mn-ea"/>
-                <a:cs typeface="+mn-cs"/>
-              </a:defRPr>
-            </a:lvl5pPr>
-            <a:lvl6pPr marL="2514600" indent="-228600" algn="l" defTabSz="914400" rtl="0" eaLnBrk="1" latinLnBrk="0" hangingPunct="1">
-              <a:lnSpc>
-                <a:spcPct val="90000"/>
-              </a:lnSpc>
-              <a:spcBef>
-                <a:spcPts val="500"/>
-              </a:spcBef>
-              <a:buFont typeface="Arial" panose="020B0604020202020204" pitchFamily="34" charset="0"/>
-              <a:buChar char="•"/>
-              <a:defRPr sz="1800" kern="1200">
-                <a:solidFill>
-                  <a:schemeClr val="tx1"/>
-                </a:solidFill>
-                <a:latin typeface="+mn-lt"/>
-                <a:ea typeface="+mn-ea"/>
-                <a:cs typeface="+mn-cs"/>
-              </a:defRPr>
-            </a:lvl6pPr>
-            <a:lvl7pPr marL="2971800" indent="-228600" algn="l" defTabSz="914400" rtl="0" eaLnBrk="1" latinLnBrk="0" hangingPunct="1">
-              <a:lnSpc>
-                <a:spcPct val="90000"/>
-              </a:lnSpc>
-              <a:spcBef>
-                <a:spcPts val="500"/>
-              </a:spcBef>
-              <a:buFont typeface="Arial" panose="020B0604020202020204" pitchFamily="34" charset="0"/>
-              <a:buChar char="•"/>
-              <a:defRPr sz="1800" kern="1200">
-                <a:solidFill>
-                  <a:schemeClr val="tx1"/>
-                </a:solidFill>
-                <a:latin typeface="+mn-lt"/>
-                <a:ea typeface="+mn-ea"/>
-                <a:cs typeface="+mn-cs"/>
-              </a:defRPr>
-            </a:lvl7pPr>
-            <a:lvl8pPr marL="3429000" indent="-228600" algn="l" defTabSz="914400" rtl="0" eaLnBrk="1" latinLnBrk="0" hangingPunct="1">
-              <a:lnSpc>
-                <a:spcPct val="90000"/>
-              </a:lnSpc>
-              <a:spcBef>
-                <a:spcPts val="500"/>
-              </a:spcBef>
-              <a:buFont typeface="Arial" panose="020B0604020202020204" pitchFamily="34" charset="0"/>
-              <a:buChar char="•"/>
-              <a:defRPr sz="1800" kern="1200">
-                <a:solidFill>
-                  <a:schemeClr val="tx1"/>
-                </a:solidFill>
-                <a:latin typeface="+mn-lt"/>
-                <a:ea typeface="+mn-ea"/>
-                <a:cs typeface="+mn-cs"/>
-              </a:defRPr>
-            </a:lvl8pPr>
-            <a:lvl9pPr marL="3886200" indent="-228600" algn="l" defTabSz="914400" rtl="0" eaLnBrk="1" latinLnBrk="0" hangingPunct="1">
-              <a:lnSpc>
-                <a:spcPct val="90000"/>
-              </a:lnSpc>
-              <a:spcBef>
-                <a:spcPts val="500"/>
-              </a:spcBef>
-              <a:buFont typeface="Arial" panose="020B0604020202020204" pitchFamily="34" charset="0"/>
-              <a:buChar char="•"/>
-              <a:defRPr sz="1800" kern="1200">
-                <a:solidFill>
-                  <a:schemeClr val="tx1"/>
-                </a:solidFill>
-                <a:latin typeface="+mn-lt"/>
-                <a:ea typeface="+mn-ea"/>
-                <a:cs typeface="+mn-cs"/>
-              </a:defRPr>
-            </a:lvl9pPr>
-          </a:lstStyle>
-          <a:p>
-            <a:pPr marL="514350" indent="-514350">
-              <a:buAutoNum type="arabicPeriod"/>
-            </a:pPr>
-            <a:r>
-              <a:rPr lang="zh-TW" altLang="en-US"/>
-              <a:t>符合 </a:t>
-            </a:r>
-            <a:r>
-              <a:rPr lang="en-US" altLang="zh-TW"/>
-              <a:t>Python </a:t>
-            </a:r>
-            <a:r>
-              <a:rPr lang="zh-TW" altLang="en-US"/>
-              <a:t>語法</a:t>
-            </a:r>
-            <a:endParaRPr lang="en-US" altLang="zh-TW"/>
-          </a:p>
-          <a:p>
-            <a:pPr marL="514350" indent="-514350">
-              <a:buAutoNum type="arabicPeriod"/>
-            </a:pPr>
-            <a:r>
-              <a:rPr lang="zh-TW" altLang="en-US"/>
-              <a:t>執行後可以輸出 </a:t>
-            </a:r>
-            <a:r>
-              <a:rPr lang="en-US" altLang="zh-TW"/>
-              <a:t>"Hello, World!"</a:t>
-            </a:r>
-          </a:p>
-        </p:txBody>
-      </p:sp>
-      <p:grpSp>
-        <p:nvGrpSpPr>
-          <p:cNvPr id="36" name="群組 35">
-            <a:extLst>
-              <a:ext uri="{FF2B5EF4-FFF2-40B4-BE49-F238E27FC236}">
-                <a16:creationId xmlns:a16="http://schemas.microsoft.com/office/drawing/2014/main" id="{2B050A73-9B0D-4B86-9050-07622E02F568}"/>
-              </a:ext>
-            </a:extLst>
-          </p:cNvPr>
-          <p:cNvGrpSpPr/>
-          <p:nvPr/>
-        </p:nvGrpSpPr>
-        <p:grpSpPr>
-          <a:xfrm>
-            <a:off x="838200" y="3281222"/>
-            <a:ext cx="2709482" cy="1198930"/>
-            <a:chOff x="838200" y="3558309"/>
-            <a:chExt cx="2709482" cy="1198930"/>
-          </a:xfrm>
-        </p:grpSpPr>
-        <p:pic>
-          <p:nvPicPr>
-            <p:cNvPr id="1028" name="Picture 4">
-              <a:extLst>
-                <a:ext uri="{FF2B5EF4-FFF2-40B4-BE49-F238E27FC236}">
-                  <a16:creationId xmlns:a16="http://schemas.microsoft.com/office/drawing/2014/main" id="{F0463617-46DC-49C1-ACB1-133081C981D7}"/>
-                </a:ext>
-              </a:extLst>
-            </p:cNvPr>
-            <p:cNvPicPr>
-              <a:picLocks noChangeAspect="1" noChangeArrowheads="1"/>
-            </p:cNvPicPr>
-            <p:nvPr/>
-          </p:nvPicPr>
-          <p:blipFill>
-            <a:blip r:embed="rId2">
-              <a:extLst>
-                <a:ext uri="{28A0092B-C50C-407E-A947-70E740481C1C}">
-                  <a14:useLocalDpi xmlns:a14="http://schemas.microsoft.com/office/drawing/2010/main" val="0"/>
-                </a:ext>
-              </a:extLst>
-            </a:blip>
-            <a:srcRect/>
-            <a:stretch>
-              <a:fillRect/>
-            </a:stretch>
-          </p:blipFill>
-          <p:spPr bwMode="auto">
-            <a:xfrm>
-              <a:off x="838200" y="3558309"/>
-              <a:ext cx="989301" cy="1198930"/>
-            </a:xfrm>
-            <a:prstGeom prst="rect">
-              <a:avLst/>
-            </a:prstGeom>
-            <a:noFill/>
-            <a:extLst>
-              <a:ext uri="{909E8E84-426E-40DD-AFC4-6F175D3DCCD1}">
-                <a14:hiddenFill xmlns:a14="http://schemas.microsoft.com/office/drawing/2010/main">
-                  <a:solidFill>
-                    <a:srgbClr val="FFFFFF"/>
-                  </a:solidFill>
-                </a14:hiddenFill>
-              </a:ext>
-            </a:extLst>
-          </p:spPr>
-        </p:pic>
-        <p:sp>
-          <p:nvSpPr>
-            <p:cNvPr id="30" name="文字方塊 29">
-              <a:extLst>
-                <a:ext uri="{FF2B5EF4-FFF2-40B4-BE49-F238E27FC236}">
-                  <a16:creationId xmlns:a16="http://schemas.microsoft.com/office/drawing/2014/main" id="{77F924FD-8672-48BB-ACF4-DD6D65C5536E}"/>
-                </a:ext>
-              </a:extLst>
-            </p:cNvPr>
-            <p:cNvSpPr txBox="1"/>
-            <p:nvPr/>
-          </p:nvSpPr>
-          <p:spPr>
-            <a:xfrm>
-              <a:off x="1828942" y="3834608"/>
-              <a:ext cx="1718740" cy="646331"/>
-            </a:xfrm>
-            <a:prstGeom prst="rect">
-              <a:avLst/>
-            </a:prstGeom>
-            <a:noFill/>
-          </p:spPr>
-          <p:txBody>
-            <a:bodyPr wrap="none" rtlCol="0">
-              <a:spAutoFit/>
-            </a:bodyPr>
-            <a:lstStyle/>
-            <a:p>
-              <a:r>
-                <a:rPr lang="en-US" altLang="zh-TW"/>
-                <a:t>CPython</a:t>
-              </a:r>
-            </a:p>
-            <a:p>
-              <a:r>
-                <a:rPr lang="zh-TW" altLang="en-US"/>
-                <a:t>使用</a:t>
-              </a:r>
-              <a:r>
-                <a:rPr lang="en-US" altLang="zh-TW"/>
-                <a:t>C</a:t>
-              </a:r>
-              <a:r>
-                <a:rPr lang="zh-TW" altLang="en-US"/>
-                <a:t>語言實作</a:t>
-              </a:r>
-              <a:endParaRPr lang="en-US" altLang="zh-TW"/>
-            </a:p>
-          </p:txBody>
-        </p:sp>
-      </p:grpSp>
-      <p:grpSp>
-        <p:nvGrpSpPr>
-          <p:cNvPr id="35" name="群組 34">
-            <a:extLst>
-              <a:ext uri="{FF2B5EF4-FFF2-40B4-BE49-F238E27FC236}">
-                <a16:creationId xmlns:a16="http://schemas.microsoft.com/office/drawing/2014/main" id="{CEDBF75B-DA9D-48B3-AB34-258BFD002B77}"/>
-              </a:ext>
-            </a:extLst>
-          </p:cNvPr>
-          <p:cNvGrpSpPr/>
-          <p:nvPr/>
-        </p:nvGrpSpPr>
-        <p:grpSpPr>
-          <a:xfrm>
-            <a:off x="3446963" y="3281222"/>
-            <a:ext cx="2624618" cy="1124527"/>
-            <a:chOff x="3446963" y="3558309"/>
-            <a:chExt cx="2624618" cy="1124527"/>
-          </a:xfrm>
-        </p:grpSpPr>
-        <p:pic>
-          <p:nvPicPr>
-            <p:cNvPr id="23" name="圖片 22">
-              <a:extLst>
-                <a:ext uri="{FF2B5EF4-FFF2-40B4-BE49-F238E27FC236}">
-                  <a16:creationId xmlns:a16="http://schemas.microsoft.com/office/drawing/2014/main" id="{CDCEEA36-E52B-4B45-8EA2-4D95C9460A74}"/>
-                </a:ext>
-              </a:extLst>
-            </p:cNvPr>
-            <p:cNvPicPr>
-              <a:picLocks noChangeAspect="1"/>
-            </p:cNvPicPr>
-            <p:nvPr/>
-          </p:nvPicPr>
-          <p:blipFill>
-            <a:blip r:embed="rId3">
-              <a:extLst>
-                <a:ext uri="{28A0092B-C50C-407E-A947-70E740481C1C}">
-                  <a14:useLocalDpi xmlns:a14="http://schemas.microsoft.com/office/drawing/2010/main" val="0"/>
-                </a:ext>
-              </a:extLst>
-            </a:blip>
-            <a:stretch>
-              <a:fillRect/>
-            </a:stretch>
-          </p:blipFill>
-          <p:spPr>
-            <a:xfrm>
-              <a:off x="3446963" y="3558309"/>
-              <a:ext cx="1124527" cy="1124527"/>
-            </a:xfrm>
-            <a:prstGeom prst="rect">
-              <a:avLst/>
-            </a:prstGeom>
-          </p:spPr>
-        </p:pic>
-        <p:sp>
-          <p:nvSpPr>
-            <p:cNvPr id="73" name="文字方塊 72">
-              <a:extLst>
-                <a:ext uri="{FF2B5EF4-FFF2-40B4-BE49-F238E27FC236}">
-                  <a16:creationId xmlns:a16="http://schemas.microsoft.com/office/drawing/2014/main" id="{696D6314-929F-4D13-B51E-CE931C2E0F30}"/>
-                </a:ext>
-              </a:extLst>
-            </p:cNvPr>
-            <p:cNvSpPr txBox="1"/>
-            <p:nvPr/>
-          </p:nvSpPr>
-          <p:spPr>
-            <a:xfrm>
-              <a:off x="4457036" y="3834608"/>
-              <a:ext cx="1614545" cy="646331"/>
-            </a:xfrm>
-            <a:prstGeom prst="rect">
-              <a:avLst/>
-            </a:prstGeom>
-            <a:noFill/>
-          </p:spPr>
-          <p:txBody>
-            <a:bodyPr wrap="none" rtlCol="0">
-              <a:spAutoFit/>
-            </a:bodyPr>
-            <a:lstStyle/>
-            <a:p>
-              <a:r>
-                <a:rPr lang="en-US" altLang="zh-TW"/>
-                <a:t>RustPython</a:t>
-              </a:r>
-            </a:p>
-            <a:p>
-              <a:r>
-                <a:rPr lang="zh-TW" altLang="en-US"/>
-                <a:t>使用</a:t>
-              </a:r>
-              <a:r>
-                <a:rPr lang="en-US" altLang="zh-TW"/>
-                <a:t>Rust</a:t>
-              </a:r>
-              <a:r>
-                <a:rPr lang="zh-TW" altLang="en-US"/>
-                <a:t>實作</a:t>
-              </a:r>
-              <a:endParaRPr lang="en-US" altLang="zh-TW"/>
-            </a:p>
-          </p:txBody>
-        </p:sp>
-      </p:grpSp>
-      <p:grpSp>
-        <p:nvGrpSpPr>
-          <p:cNvPr id="34" name="群組 33">
-            <a:extLst>
-              <a:ext uri="{FF2B5EF4-FFF2-40B4-BE49-F238E27FC236}">
-                <a16:creationId xmlns:a16="http://schemas.microsoft.com/office/drawing/2014/main" id="{2FA0FFBF-D91E-4B92-B15A-2A58B3090295}"/>
-              </a:ext>
-            </a:extLst>
-          </p:cNvPr>
-          <p:cNvGrpSpPr/>
-          <p:nvPr/>
-        </p:nvGrpSpPr>
-        <p:grpSpPr>
-          <a:xfrm>
-            <a:off x="6068229" y="3301837"/>
-            <a:ext cx="2234342" cy="1201600"/>
-            <a:chOff x="6068229" y="3578924"/>
-            <a:chExt cx="2234342" cy="1201600"/>
-          </a:xfrm>
-        </p:grpSpPr>
-        <p:pic>
-          <p:nvPicPr>
-            <p:cNvPr id="1036" name="Picture 12">
-              <a:extLst>
-                <a:ext uri="{FF2B5EF4-FFF2-40B4-BE49-F238E27FC236}">
-                  <a16:creationId xmlns:a16="http://schemas.microsoft.com/office/drawing/2014/main" id="{B488A72F-3C87-4C1B-804E-0B0593A455C1}"/>
-                </a:ext>
-              </a:extLst>
-            </p:cNvPr>
-            <p:cNvPicPr>
-              <a:picLocks noChangeAspect="1" noChangeArrowheads="1"/>
-            </p:cNvPicPr>
-            <p:nvPr/>
-          </p:nvPicPr>
-          <p:blipFill rotWithShape="1">
-            <a:blip r:embed="rId4">
-              <a:extLst>
-                <a:ext uri="{28A0092B-C50C-407E-A947-70E740481C1C}">
-                  <a14:useLocalDpi xmlns:a14="http://schemas.microsoft.com/office/drawing/2010/main" val="0"/>
-                </a:ext>
-              </a:extLst>
-            </a:blip>
-            <a:srcRect r="65702"/>
-            <a:stretch/>
-          </p:blipFill>
-          <p:spPr bwMode="auto">
-            <a:xfrm>
-              <a:off x="6068229" y="3578924"/>
-              <a:ext cx="675213" cy="1201600"/>
-            </a:xfrm>
-            <a:prstGeom prst="rect">
-              <a:avLst/>
-            </a:prstGeom>
-            <a:noFill/>
-            <a:extLst>
-              <a:ext uri="{909E8E84-426E-40DD-AFC4-6F175D3DCCD1}">
-                <a14:hiddenFill xmlns:a14="http://schemas.microsoft.com/office/drawing/2010/main">
-                  <a:solidFill>
-                    <a:srgbClr val="FFFFFF"/>
-                  </a:solidFill>
-                </a14:hiddenFill>
-              </a:ext>
-            </a:extLst>
-          </p:spPr>
-        </p:pic>
-        <p:sp>
-          <p:nvSpPr>
-            <p:cNvPr id="74" name="文字方塊 73">
-              <a:extLst>
-                <a:ext uri="{FF2B5EF4-FFF2-40B4-BE49-F238E27FC236}">
-                  <a16:creationId xmlns:a16="http://schemas.microsoft.com/office/drawing/2014/main" id="{DE9A9CCC-13BE-48B8-96D2-AECCD5CD16A4}"/>
-                </a:ext>
-              </a:extLst>
-            </p:cNvPr>
-            <p:cNvSpPr txBox="1"/>
-            <p:nvPr/>
-          </p:nvSpPr>
-          <p:spPr>
-            <a:xfrm>
-              <a:off x="6688026" y="3834608"/>
-              <a:ext cx="1614545" cy="646331"/>
-            </a:xfrm>
-            <a:prstGeom prst="rect">
-              <a:avLst/>
-            </a:prstGeom>
-            <a:noFill/>
-          </p:spPr>
-          <p:txBody>
-            <a:bodyPr wrap="none" rtlCol="0">
-              <a:spAutoFit/>
-            </a:bodyPr>
-            <a:lstStyle/>
-            <a:p>
-              <a:r>
-                <a:rPr lang="en-US" altLang="zh-TW"/>
-                <a:t>Jython</a:t>
-              </a:r>
-            </a:p>
-            <a:p>
-              <a:r>
-                <a:rPr lang="zh-TW" altLang="en-US"/>
-                <a:t>使用</a:t>
-              </a:r>
-              <a:r>
-                <a:rPr lang="en-US" altLang="zh-TW"/>
-                <a:t>Java</a:t>
-              </a:r>
-              <a:r>
-                <a:rPr lang="zh-TW" altLang="en-US"/>
-                <a:t>實作</a:t>
-              </a:r>
-              <a:endParaRPr lang="en-US" altLang="zh-TW"/>
-            </a:p>
-          </p:txBody>
-        </p:sp>
-      </p:grpSp>
-      <p:grpSp>
-        <p:nvGrpSpPr>
-          <p:cNvPr id="33" name="群組 32">
-            <a:extLst>
-              <a:ext uri="{FF2B5EF4-FFF2-40B4-BE49-F238E27FC236}">
-                <a16:creationId xmlns:a16="http://schemas.microsoft.com/office/drawing/2014/main" id="{5DCB48FD-066C-49A5-B087-62CCFD672219}"/>
-              </a:ext>
-            </a:extLst>
-          </p:cNvPr>
-          <p:cNvGrpSpPr/>
-          <p:nvPr/>
-        </p:nvGrpSpPr>
-        <p:grpSpPr>
-          <a:xfrm>
-            <a:off x="8271956" y="3320129"/>
-            <a:ext cx="3123830" cy="1183308"/>
-            <a:chOff x="8271956" y="3597216"/>
-            <a:chExt cx="3123830" cy="1183308"/>
-          </a:xfrm>
-        </p:grpSpPr>
-        <p:pic>
-          <p:nvPicPr>
-            <p:cNvPr id="26" name="圖形 25">
-              <a:extLst>
-                <a:ext uri="{FF2B5EF4-FFF2-40B4-BE49-F238E27FC236}">
-                  <a16:creationId xmlns:a16="http://schemas.microsoft.com/office/drawing/2014/main" id="{7B98A665-07C8-44DD-AFFA-F6F3DA01DE2F}"/>
-                </a:ext>
-              </a:extLst>
-            </p:cNvPr>
-            <p:cNvPicPr>
-              <a:picLocks noChangeAspect="1"/>
-            </p:cNvPicPr>
-            <p:nvPr/>
-          </p:nvPicPr>
-          <p:blipFill rotWithShape="1">
-            <a:blip r:embed="rId5">
-              <a:extLst>
-                <a:ext uri="{28A0092B-C50C-407E-A947-70E740481C1C}">
-                  <a14:useLocalDpi xmlns:a14="http://schemas.microsoft.com/office/drawing/2010/main" val="0"/>
-                </a:ext>
-                <a:ext uri="{96DAC541-7B7A-43D3-8B79-37D633B846F1}">
-                  <asvg:svgBlip xmlns:asvg="http://schemas.microsoft.com/office/drawing/2016/SVG/main" r:embed="rId6"/>
-                </a:ext>
-              </a:extLst>
-            </a:blip>
-            <a:srcRect r="52006"/>
-            <a:stretch/>
-          </p:blipFill>
-          <p:spPr>
-            <a:xfrm>
-              <a:off x="8271956" y="3597216"/>
-              <a:ext cx="1198930" cy="1183308"/>
-            </a:xfrm>
-            <a:prstGeom prst="rect">
-              <a:avLst/>
-            </a:prstGeom>
-          </p:spPr>
-        </p:pic>
-        <p:sp>
-          <p:nvSpPr>
-            <p:cNvPr id="75" name="文字方塊 74">
-              <a:extLst>
-                <a:ext uri="{FF2B5EF4-FFF2-40B4-BE49-F238E27FC236}">
-                  <a16:creationId xmlns:a16="http://schemas.microsoft.com/office/drawing/2014/main" id="{F2DA6E63-A81F-440A-B6D5-BC99A3CEEC39}"/>
-                </a:ext>
-              </a:extLst>
-            </p:cNvPr>
-            <p:cNvSpPr txBox="1"/>
-            <p:nvPr/>
-          </p:nvSpPr>
-          <p:spPr>
-            <a:xfrm>
-              <a:off x="9527967" y="3834608"/>
-              <a:ext cx="1867819" cy="646331"/>
-            </a:xfrm>
-            <a:prstGeom prst="rect">
-              <a:avLst/>
-            </a:prstGeom>
-            <a:noFill/>
-          </p:spPr>
-          <p:txBody>
-            <a:bodyPr wrap="none" rtlCol="0">
-              <a:spAutoFit/>
-            </a:bodyPr>
-            <a:lstStyle/>
-            <a:p>
-              <a:r>
-                <a:rPr lang="en-US" altLang="zh-TW"/>
-                <a:t>PyPy</a:t>
-              </a:r>
-            </a:p>
-            <a:p>
-              <a:r>
-                <a:rPr lang="zh-TW" altLang="en-US"/>
-                <a:t>使用</a:t>
-              </a:r>
-              <a:r>
-                <a:rPr lang="en-US" altLang="zh-TW"/>
-                <a:t>Python</a:t>
-              </a:r>
-              <a:r>
-                <a:rPr lang="zh-TW" altLang="en-US"/>
-                <a:t>實作</a:t>
-              </a:r>
-              <a:endParaRPr lang="en-US" altLang="zh-TW"/>
-            </a:p>
-          </p:txBody>
-        </p:sp>
-      </p:grpSp>
-      <p:sp>
-        <p:nvSpPr>
-          <p:cNvPr id="81" name="內容版面配置區 10">
-            <a:extLst>
-              <a:ext uri="{FF2B5EF4-FFF2-40B4-BE49-F238E27FC236}">
-                <a16:creationId xmlns:a16="http://schemas.microsoft.com/office/drawing/2014/main" id="{B29651C2-ABAA-4504-A0F3-87122A81E542}"/>
-              </a:ext>
-            </a:extLst>
-          </p:cNvPr>
-          <p:cNvSpPr txBox="1">
-            <a:spLocks/>
-          </p:cNvSpPr>
-          <p:nvPr/>
-        </p:nvSpPr>
-        <p:spPr>
-          <a:xfrm>
-            <a:off x="838200" y="5652656"/>
-            <a:ext cx="3816927" cy="627783"/>
-          </a:xfrm>
-          <a:prstGeom prst="rect">
-            <a:avLst/>
-          </a:prstGeom>
-        </p:spPr>
-        <p:txBody>
-          <a:bodyPr vert="horz" lIns="91440" tIns="45720" rIns="91440" bIns="45720" rtlCol="0">
-            <a:noAutofit/>
-          </a:bodyPr>
-          <a:lstStyle>
-            <a:lvl1pPr marL="0" indent="0" algn="l" defTabSz="914400" rtl="0" eaLnBrk="1" latinLnBrk="0" hangingPunct="1">
-              <a:lnSpc>
-                <a:spcPct val="90000"/>
-              </a:lnSpc>
-              <a:spcBef>
-                <a:spcPts val="1000"/>
-              </a:spcBef>
-              <a:buFont typeface="Arial" panose="020B0604020202020204" pitchFamily="34" charset="0"/>
-              <a:buNone/>
-              <a:defRPr sz="2800" kern="1200">
-                <a:solidFill>
-                  <a:schemeClr val="tx1"/>
-                </a:solidFill>
-                <a:latin typeface="+mn-lt"/>
-                <a:ea typeface="+mn-ea"/>
-                <a:cs typeface="+mn-cs"/>
-              </a:defRPr>
-            </a:lvl1pPr>
-            <a:lvl2pPr marL="457200" indent="0" algn="l" defTabSz="914400" rtl="0" eaLnBrk="1" latinLnBrk="0" hangingPunct="1">
-              <a:lnSpc>
-                <a:spcPct val="90000"/>
-              </a:lnSpc>
-              <a:spcBef>
-                <a:spcPts val="500"/>
-              </a:spcBef>
-              <a:buFont typeface="Arial" panose="020B0604020202020204" pitchFamily="34" charset="0"/>
-              <a:buNone/>
-              <a:defRPr sz="2400" kern="1200">
-                <a:solidFill>
-                  <a:schemeClr val="tx1"/>
-                </a:solidFill>
-                <a:latin typeface="+mn-lt"/>
-                <a:ea typeface="+mn-ea"/>
-                <a:cs typeface="+mn-cs"/>
-              </a:defRPr>
-            </a:lvl2pPr>
-            <a:lvl3pPr marL="914400" indent="0" algn="l" defTabSz="914400" rtl="0" eaLnBrk="1" latinLnBrk="0" hangingPunct="1">
-              <a:lnSpc>
-                <a:spcPct val="90000"/>
-              </a:lnSpc>
-              <a:spcBef>
-                <a:spcPts val="500"/>
-              </a:spcBef>
-              <a:buFont typeface="Arial" panose="020B0604020202020204" pitchFamily="34" charset="0"/>
-              <a:buNone/>
-              <a:defRPr sz="2000" kern="1200">
-                <a:solidFill>
-                  <a:schemeClr val="tx1"/>
-                </a:solidFill>
-                <a:latin typeface="+mn-lt"/>
-                <a:ea typeface="+mn-ea"/>
-                <a:cs typeface="+mn-cs"/>
-              </a:defRPr>
-            </a:lvl3pPr>
-            <a:lvl4pPr marL="1371600" indent="0" algn="l" defTabSz="914400" rtl="0" eaLnBrk="1" latinLnBrk="0" hangingPunct="1">
-              <a:lnSpc>
-                <a:spcPct val="90000"/>
-              </a:lnSpc>
-              <a:spcBef>
-                <a:spcPts val="500"/>
-              </a:spcBef>
-              <a:buFont typeface="Arial" panose="020B0604020202020204" pitchFamily="34" charset="0"/>
-              <a:buNone/>
-              <a:defRPr sz="1800" kern="1200">
-                <a:solidFill>
-                  <a:schemeClr val="tx1"/>
-                </a:solidFill>
-                <a:latin typeface="+mn-lt"/>
-                <a:ea typeface="+mn-ea"/>
-                <a:cs typeface="+mn-cs"/>
-              </a:defRPr>
-            </a:lvl4pPr>
-            <a:lvl5pPr marL="1828800" indent="0" algn="l" defTabSz="914400" rtl="0" eaLnBrk="1" latinLnBrk="0" hangingPunct="1">
-              <a:lnSpc>
-                <a:spcPct val="90000"/>
-              </a:lnSpc>
-              <a:spcBef>
-                <a:spcPts val="500"/>
-              </a:spcBef>
-              <a:buFont typeface="Arial" panose="020B0604020202020204" pitchFamily="34" charset="0"/>
-              <a:buNone/>
-              <a:defRPr sz="1800" kern="1200">
-                <a:solidFill>
-                  <a:schemeClr val="tx1"/>
-                </a:solidFill>
-                <a:latin typeface="+mn-lt"/>
-                <a:ea typeface="+mn-ea"/>
-                <a:cs typeface="+mn-cs"/>
-              </a:defRPr>
-            </a:lvl5pPr>
-            <a:lvl6pPr marL="2514600" indent="-228600" algn="l" defTabSz="914400" rtl="0" eaLnBrk="1" latinLnBrk="0" hangingPunct="1">
-              <a:lnSpc>
-                <a:spcPct val="90000"/>
-              </a:lnSpc>
-              <a:spcBef>
-                <a:spcPts val="500"/>
-              </a:spcBef>
-              <a:buFont typeface="Arial" panose="020B0604020202020204" pitchFamily="34" charset="0"/>
-              <a:buChar char="•"/>
-              <a:defRPr sz="1800" kern="1200">
-                <a:solidFill>
-                  <a:schemeClr val="tx1"/>
-                </a:solidFill>
-                <a:latin typeface="+mn-lt"/>
-                <a:ea typeface="+mn-ea"/>
-                <a:cs typeface="+mn-cs"/>
-              </a:defRPr>
-            </a:lvl6pPr>
-            <a:lvl7pPr marL="2971800" indent="-228600" algn="l" defTabSz="914400" rtl="0" eaLnBrk="1" latinLnBrk="0" hangingPunct="1">
-              <a:lnSpc>
-                <a:spcPct val="90000"/>
-              </a:lnSpc>
-              <a:spcBef>
-                <a:spcPts val="500"/>
-              </a:spcBef>
-              <a:buFont typeface="Arial" panose="020B0604020202020204" pitchFamily="34" charset="0"/>
-              <a:buChar char="•"/>
-              <a:defRPr sz="1800" kern="1200">
-                <a:solidFill>
-                  <a:schemeClr val="tx1"/>
-                </a:solidFill>
-                <a:latin typeface="+mn-lt"/>
-                <a:ea typeface="+mn-ea"/>
-                <a:cs typeface="+mn-cs"/>
-              </a:defRPr>
-            </a:lvl7pPr>
-            <a:lvl8pPr marL="3429000" indent="-228600" algn="l" defTabSz="914400" rtl="0" eaLnBrk="1" latinLnBrk="0" hangingPunct="1">
-              <a:lnSpc>
-                <a:spcPct val="90000"/>
-              </a:lnSpc>
-              <a:spcBef>
-                <a:spcPts val="500"/>
-              </a:spcBef>
-              <a:buFont typeface="Arial" panose="020B0604020202020204" pitchFamily="34" charset="0"/>
-              <a:buChar char="•"/>
-              <a:defRPr sz="1800" kern="1200">
-                <a:solidFill>
-                  <a:schemeClr val="tx1"/>
-                </a:solidFill>
-                <a:latin typeface="+mn-lt"/>
-                <a:ea typeface="+mn-ea"/>
-                <a:cs typeface="+mn-cs"/>
-              </a:defRPr>
-            </a:lvl8pPr>
-            <a:lvl9pPr marL="3886200" indent="-228600" algn="l" defTabSz="914400" rtl="0" eaLnBrk="1" latinLnBrk="0" hangingPunct="1">
-              <a:lnSpc>
-                <a:spcPct val="90000"/>
-              </a:lnSpc>
-              <a:spcBef>
-                <a:spcPts val="500"/>
-              </a:spcBef>
-              <a:buFont typeface="Arial" panose="020B0604020202020204" pitchFamily="34" charset="0"/>
-              <a:buChar char="•"/>
-              <a:defRPr sz="1800" kern="1200">
-                <a:solidFill>
-                  <a:schemeClr val="tx1"/>
-                </a:solidFill>
-                <a:latin typeface="+mn-lt"/>
-                <a:ea typeface="+mn-ea"/>
-                <a:cs typeface="+mn-cs"/>
-              </a:defRPr>
-            </a:lvl9pPr>
-          </a:lstStyle>
-          <a:p>
-            <a:r>
-              <a:rPr lang="zh-TW" altLang="en-US" sz="3200">
-                <a:solidFill>
-                  <a:srgbClr val="FFFF00"/>
-                </a:solidFill>
-              </a:rPr>
-              <a:t>那這就是 </a:t>
-            </a:r>
-            <a:r>
-              <a:rPr lang="en-US" altLang="zh-TW" sz="3200">
-                <a:solidFill>
-                  <a:srgbClr val="FFFF00"/>
-                </a:solidFill>
-              </a:rPr>
-              <a:t>Python</a:t>
-            </a:r>
-            <a:r>
-              <a:rPr lang="zh-TW" altLang="en-US" sz="3200">
-                <a:solidFill>
-                  <a:srgbClr val="FFFF00"/>
-                </a:solidFill>
-              </a:rPr>
-              <a:t>！</a:t>
-            </a:r>
-          </a:p>
-        </p:txBody>
-      </p:sp>
-    </p:spTree>
-    <p:extLst>
-      <p:ext uri="{BB962C8B-B14F-4D97-AF65-F5344CB8AC3E}">
-        <p14:creationId xmlns:p14="http://schemas.microsoft.com/office/powerpoint/2010/main" val="223578154"/>
-      </p:ext>
-    </p:extLst>
-  </p:cSld>
-  <p:clrMapOvr>
-    <a:masterClrMapping/>
-  </p:clrMapOvr>
-  <p:transition spd="slow">
-    <p:push dir="u"/>
-  </p:transition>
-  <p:timing>
-    <p:tnLst>
-      <p:par>
-        <p:cTn id="1" dur="indefinite" restart="never" nodeType="tmRoot">
-          <p:childTnLst>
-            <p:seq concurrent="1" nextAc="seek">
-              <p:cTn id="2" dur="indefinite" nodeType="mainSeq">
-                <p:childTnLst>
-                  <p:par>
-                    <p:cTn id="3" fill="hold">
-                      <p:stCondLst>
-                        <p:cond delay="indefinite"/>
-                      </p:stCondLst>
-                      <p:childTnLst>
-                        <p:par>
-                          <p:cTn id="4" fill="hold">
-                            <p:stCondLst>
-                              <p:cond delay="0"/>
-                            </p:stCondLst>
-                            <p:childTnLst>
-                              <p:par>
-                                <p:cTn id="5" presetID="10" presetClass="entr" presetSubtype="0" fill="hold" nodeType="clickEffect">
-                                  <p:stCondLst>
-                                    <p:cond delay="0"/>
-                                  </p:stCondLst>
-                                  <p:childTnLst>
-                                    <p:set>
-                                      <p:cBhvr>
-                                        <p:cTn id="6" dur="1" fill="hold">
-                                          <p:stCondLst>
-                                            <p:cond delay="0"/>
-                                          </p:stCondLst>
-                                        </p:cTn>
-                                        <p:tgtEl>
-                                          <p:spTgt spid="15"/>
-                                        </p:tgtEl>
-                                        <p:attrNameLst>
-                                          <p:attrName>style.visibility</p:attrName>
-                                        </p:attrNameLst>
-                                      </p:cBhvr>
-                                      <p:to>
-                                        <p:strVal val="visible"/>
-                                      </p:to>
-                                    </p:set>
-                                    <p:animEffect transition="in" filter="fade">
-                                      <p:cBhvr>
-                                        <p:cTn id="7" dur="500"/>
-                                        <p:tgtEl>
-                                          <p:spTgt spid="15"/>
-                                        </p:tgtEl>
-                                      </p:cBhvr>
-                                    </p:animEffect>
-                                  </p:childTnLst>
-                                </p:cTn>
-                              </p:par>
-                            </p:childTnLst>
-                          </p:cTn>
-                        </p:par>
-                      </p:childTnLst>
-                    </p:cTn>
-                  </p:par>
-                  <p:par>
-                    <p:cTn id="8" fill="hold">
-                      <p:stCondLst>
-                        <p:cond delay="indefinite"/>
-                      </p:stCondLst>
-                      <p:childTnLst>
-                        <p:par>
-                          <p:cTn id="9" fill="hold">
-                            <p:stCondLst>
-                              <p:cond delay="0"/>
-                            </p:stCondLst>
-                            <p:childTnLst>
-                              <p:par>
-                                <p:cTn id="10" presetID="10" presetClass="entr" presetSubtype="0" fill="hold" nodeType="clickEffect">
-                                  <p:stCondLst>
-                                    <p:cond delay="0"/>
-                                  </p:stCondLst>
-                                  <p:childTnLst>
-                                    <p:set>
-                                      <p:cBhvr>
-                                        <p:cTn id="11" dur="1" fill="hold">
-                                          <p:stCondLst>
-                                            <p:cond delay="0"/>
-                                          </p:stCondLst>
-                                        </p:cTn>
-                                        <p:tgtEl>
-                                          <p:spTgt spid="36"/>
-                                        </p:tgtEl>
-                                        <p:attrNameLst>
-                                          <p:attrName>style.visibility</p:attrName>
-                                        </p:attrNameLst>
-                                      </p:cBhvr>
-                                      <p:to>
-                                        <p:strVal val="visible"/>
-                                      </p:to>
-                                    </p:set>
-                                    <p:animEffect transition="in" filter="fade">
-                                      <p:cBhvr>
-                                        <p:cTn id="12" dur="500"/>
-                                        <p:tgtEl>
-                                          <p:spTgt spid="36"/>
-                                        </p:tgtEl>
-                                      </p:cBhvr>
-                                    </p:animEffect>
-                                  </p:childTnLst>
-                                </p:cTn>
-                              </p:par>
-                            </p:childTnLst>
-                          </p:cTn>
-                        </p:par>
-                      </p:childTnLst>
-                    </p:cTn>
-                  </p:par>
-                  <p:par>
-                    <p:cTn id="13" fill="hold">
-                      <p:stCondLst>
-                        <p:cond delay="indefinite"/>
-                      </p:stCondLst>
-                      <p:childTnLst>
-                        <p:par>
-                          <p:cTn id="14" fill="hold">
-                            <p:stCondLst>
-                              <p:cond delay="0"/>
-                            </p:stCondLst>
-                            <p:childTnLst>
-                              <p:par>
-                                <p:cTn id="15" presetID="10" presetClass="entr" presetSubtype="0" fill="hold" nodeType="clickEffect">
-                                  <p:stCondLst>
-                                    <p:cond delay="0"/>
-                                  </p:stCondLst>
-                                  <p:childTnLst>
-                                    <p:set>
-                                      <p:cBhvr>
-                                        <p:cTn id="16" dur="1" fill="hold">
-                                          <p:stCondLst>
-                                            <p:cond delay="0"/>
-                                          </p:stCondLst>
-                                        </p:cTn>
-                                        <p:tgtEl>
-                                          <p:spTgt spid="35"/>
-                                        </p:tgtEl>
-                                        <p:attrNameLst>
-                                          <p:attrName>style.visibility</p:attrName>
-                                        </p:attrNameLst>
-                                      </p:cBhvr>
-                                      <p:to>
-                                        <p:strVal val="visible"/>
-                                      </p:to>
-                                    </p:set>
-                                    <p:animEffect transition="in" filter="fade">
-                                      <p:cBhvr>
-                                        <p:cTn id="17" dur="500"/>
-                                        <p:tgtEl>
-                                          <p:spTgt spid="35"/>
-                                        </p:tgtEl>
-                                      </p:cBhvr>
-                                    </p:animEffect>
-                                  </p:childTnLst>
-                                </p:cTn>
-                              </p:par>
-                            </p:childTnLst>
-                          </p:cTn>
-                        </p:par>
-                      </p:childTnLst>
-                    </p:cTn>
-                  </p:par>
-                  <p:par>
-                    <p:cTn id="18" fill="hold">
-                      <p:stCondLst>
-                        <p:cond delay="indefinite"/>
-                      </p:stCondLst>
-                      <p:childTnLst>
-                        <p:par>
-                          <p:cTn id="19" fill="hold">
-                            <p:stCondLst>
-                              <p:cond delay="0"/>
-                            </p:stCondLst>
-                            <p:childTnLst>
-                              <p:par>
-                                <p:cTn id="20" presetID="10" presetClass="entr" presetSubtype="0" fill="hold" nodeType="clickEffect">
-                                  <p:stCondLst>
-                                    <p:cond delay="0"/>
-                                  </p:stCondLst>
-                                  <p:childTnLst>
-                                    <p:set>
-                                      <p:cBhvr>
-                                        <p:cTn id="21" dur="1" fill="hold">
-                                          <p:stCondLst>
-                                            <p:cond delay="0"/>
-                                          </p:stCondLst>
-                                        </p:cTn>
-                                        <p:tgtEl>
-                                          <p:spTgt spid="34"/>
-                                        </p:tgtEl>
-                                        <p:attrNameLst>
-                                          <p:attrName>style.visibility</p:attrName>
-                                        </p:attrNameLst>
-                                      </p:cBhvr>
-                                      <p:to>
-                                        <p:strVal val="visible"/>
-                                      </p:to>
-                                    </p:set>
-                                    <p:animEffect transition="in" filter="fade">
-                                      <p:cBhvr>
-                                        <p:cTn id="22" dur="500"/>
-                                        <p:tgtEl>
-                                          <p:spTgt spid="34"/>
-                                        </p:tgtEl>
-                                      </p:cBhvr>
-                                    </p:animEffect>
-                                  </p:childTnLst>
-                                </p:cTn>
-                              </p:par>
-                            </p:childTnLst>
-                          </p:cTn>
-                        </p:par>
-                      </p:childTnLst>
-                    </p:cTn>
-                  </p:par>
-                  <p:par>
-                    <p:cTn id="23" fill="hold">
-                      <p:stCondLst>
-                        <p:cond delay="indefinite"/>
-                      </p:stCondLst>
-                      <p:childTnLst>
-                        <p:par>
-                          <p:cTn id="24" fill="hold">
-                            <p:stCondLst>
-                              <p:cond delay="0"/>
-                            </p:stCondLst>
-                            <p:childTnLst>
-                              <p:par>
-                                <p:cTn id="25" presetID="10" presetClass="entr" presetSubtype="0" fill="hold" nodeType="clickEffect">
-                                  <p:stCondLst>
-                                    <p:cond delay="0"/>
-                                  </p:stCondLst>
-                                  <p:childTnLst>
-                                    <p:set>
-                                      <p:cBhvr>
-                                        <p:cTn id="26" dur="1" fill="hold">
-                                          <p:stCondLst>
-                                            <p:cond delay="0"/>
-                                          </p:stCondLst>
-                                        </p:cTn>
-                                        <p:tgtEl>
-                                          <p:spTgt spid="33"/>
-                                        </p:tgtEl>
-                                        <p:attrNameLst>
-                                          <p:attrName>style.visibility</p:attrName>
-                                        </p:attrNameLst>
-                                      </p:cBhvr>
-                                      <p:to>
-                                        <p:strVal val="visible"/>
-                                      </p:to>
-                                    </p:set>
-                                    <p:animEffect transition="in" filter="fade">
-                                      <p:cBhvr>
-                                        <p:cTn id="27" dur="500"/>
-                                        <p:tgtEl>
-                                          <p:spTgt spid="33"/>
-                                        </p:tgtEl>
-                                      </p:cBhvr>
-                                    </p:animEffect>
-                                  </p:childTnLst>
-                                </p:cTn>
-                              </p:par>
-                            </p:childTnLst>
-                          </p:cTn>
-                        </p:par>
-                      </p:childTnLst>
-                    </p:cTn>
-                  </p:par>
-                  <p:par>
-                    <p:cTn id="28" fill="hold">
-                      <p:stCondLst>
-                        <p:cond delay="indefinite"/>
-                      </p:stCondLst>
-                      <p:childTnLst>
-                        <p:par>
-                          <p:cTn id="29" fill="hold">
-                            <p:stCondLst>
-                              <p:cond delay="0"/>
-                            </p:stCondLst>
-                            <p:childTnLst>
-                              <p:par>
-                                <p:cTn id="30" presetID="10" presetClass="entr" presetSubtype="0" fill="hold" grpId="0" nodeType="clickEffect">
-                                  <p:stCondLst>
-                                    <p:cond delay="0"/>
-                                  </p:stCondLst>
-                                  <p:childTnLst>
-                                    <p:set>
-                                      <p:cBhvr>
-                                        <p:cTn id="31" dur="1" fill="hold">
-                                          <p:stCondLst>
-                                            <p:cond delay="0"/>
-                                          </p:stCondLst>
-                                        </p:cTn>
-                                        <p:tgtEl>
-                                          <p:spTgt spid="57"/>
-                                        </p:tgtEl>
-                                        <p:attrNameLst>
-                                          <p:attrName>style.visibility</p:attrName>
-                                        </p:attrNameLst>
-                                      </p:cBhvr>
-                                      <p:to>
-                                        <p:strVal val="visible"/>
-                                      </p:to>
-                                    </p:set>
-                                    <p:animEffect transition="in" filter="fade">
-                                      <p:cBhvr>
-                                        <p:cTn id="32" dur="500"/>
-                                        <p:tgtEl>
-                                          <p:spTgt spid="57"/>
-                                        </p:tgtEl>
-                                      </p:cBhvr>
-                                    </p:animEffect>
-                                  </p:childTnLst>
-                                </p:cTn>
-                              </p:par>
-                            </p:childTnLst>
-                          </p:cTn>
-                        </p:par>
-                      </p:childTnLst>
-                    </p:cTn>
-                  </p:par>
-                  <p:par>
-                    <p:cTn id="33" fill="hold">
-                      <p:stCondLst>
-                        <p:cond delay="indefinite"/>
-                      </p:stCondLst>
-                      <p:childTnLst>
-                        <p:par>
-                          <p:cTn id="34" fill="hold">
-                            <p:stCondLst>
-                              <p:cond delay="0"/>
-                            </p:stCondLst>
-                            <p:childTnLst>
-                              <p:par>
-                                <p:cTn id="35" presetID="10" presetClass="entr" presetSubtype="0" fill="hold" grpId="0" nodeType="clickEffect">
-                                  <p:stCondLst>
-                                    <p:cond delay="0"/>
-                                  </p:stCondLst>
-                                  <p:childTnLst>
-                                    <p:set>
-                                      <p:cBhvr>
-                                        <p:cTn id="36" dur="1" fill="hold">
-                                          <p:stCondLst>
-                                            <p:cond delay="0"/>
-                                          </p:stCondLst>
-                                        </p:cTn>
-                                        <p:tgtEl>
-                                          <p:spTgt spid="81"/>
-                                        </p:tgtEl>
-                                        <p:attrNameLst>
-                                          <p:attrName>style.visibility</p:attrName>
-                                        </p:attrNameLst>
-                                      </p:cBhvr>
-                                      <p:to>
-                                        <p:strVal val="visible"/>
-                                      </p:to>
-                                    </p:set>
-                                    <p:animEffect transition="in" filter="fade">
-                                      <p:cBhvr>
-                                        <p:cTn id="37" dur="500"/>
-                                        <p:tgtEl>
-                                          <p:spTgt spid="81"/>
-                                        </p:tgtEl>
-                                      </p:cBhvr>
-                                    </p:animEffect>
-                                  </p:childTnLst>
-                                </p:cTn>
-                              </p:par>
-                            </p:childTnLst>
-                          </p:cTn>
-                        </p:par>
-                      </p:childTnLst>
-                    </p:cTn>
-                  </p:par>
-                </p:childTnLst>
-              </p:cTn>
-              <p:prevCondLst>
-                <p:cond evt="onPrev" delay="0">
-                  <p:tgtEl>
-                    <p:sldTgt/>
-                  </p:tgtEl>
-                </p:cond>
-              </p:prevCondLst>
-              <p:nextCondLst>
-                <p:cond evt="onNext" delay="0">
-                  <p:tgtEl>
-                    <p:sldTgt/>
-                  </p:tgtEl>
-                </p:cond>
-              </p:nextCondLst>
-            </p:seq>
-          </p:childTnLst>
-        </p:cTn>
-      </p:par>
-    </p:tnLst>
-    <p:bldLst>
-      <p:bldP spid="57" grpId="0"/>
-      <p:bldP spid="81" grpId="0"/>
     </p:bldLst>
   </p:timing>
 </p:sld>

--- a/ppt/02_程式語言簡介.pptx
+++ b/ppt/02_程式語言簡介.pptx
@@ -215,7 +215,7 @@
           <a:p>
             <a:fld id="{FF294DDF-BAE6-4F99-A8CC-1D49EAABBEEB}" type="datetimeFigureOut">
               <a:rPr lang="zh-TW" altLang="en-US" smtClean="0"/>
-              <a:t>2024/9/8</a:t>
+              <a:t>2024/12/12</a:t>
             </a:fld>
             <a:endParaRPr lang="zh-TW" altLang="en-US"/>
           </a:p>
@@ -13543,10 +13543,10 @@
         </p:nvGrpSpPr>
         <p:grpSpPr>
           <a:xfrm>
-            <a:off x="480291" y="1420685"/>
-            <a:ext cx="10935854" cy="5247074"/>
-            <a:chOff x="480291" y="1420685"/>
-            <a:chExt cx="10935854" cy="5247074"/>
+            <a:off x="724095" y="1510050"/>
+            <a:ext cx="10692050" cy="4908328"/>
+            <a:chOff x="724095" y="1759431"/>
+            <a:chExt cx="10692050" cy="4908328"/>
           </a:xfrm>
         </p:grpSpPr>
         <p:grpSp>
@@ -13563,10 +13563,10 @@
           </p:nvGrpSpPr>
           <p:grpSpPr>
             <a:xfrm>
-              <a:off x="480291" y="1420685"/>
-              <a:ext cx="10935854" cy="5222140"/>
-              <a:chOff x="480291" y="1420685"/>
-              <a:chExt cx="10935854" cy="5222140"/>
+              <a:off x="724095" y="1759431"/>
+              <a:ext cx="10692050" cy="4883394"/>
+              <a:chOff x="724095" y="1759431"/>
+              <a:chExt cx="10692050" cy="4883394"/>
             </a:xfrm>
           </p:grpSpPr>
           <p:sp>
@@ -13791,10 +13791,10 @@
             </p:nvGrpSpPr>
             <p:grpSpPr>
               <a:xfrm>
-                <a:off x="480291" y="1607399"/>
-                <a:ext cx="10935853" cy="4305086"/>
-                <a:chOff x="1269486" y="1351054"/>
-                <a:chExt cx="9758731" cy="3841691"/>
+                <a:off x="724095" y="2163040"/>
+                <a:ext cx="10692049" cy="3749445"/>
+                <a:chOff x="1487047" y="1846886"/>
+                <a:chExt cx="9541170" cy="3345859"/>
               </a:xfrm>
             </p:grpSpPr>
             <p:grpSp>
@@ -13983,51 +13983,6 @@
                 </a:p>
               </p:txBody>
             </p:sp>
-            <p:cxnSp>
-              <p:nvCxnSpPr>
-                <p:cNvPr id="32" name="直線單箭頭接點 31">
-                  <a:extLst>
-                    <a:ext uri="{FF2B5EF4-FFF2-40B4-BE49-F238E27FC236}">
-                      <a16:creationId xmlns:a16="http://schemas.microsoft.com/office/drawing/2014/main" id="{E4644E95-FC27-477B-9BBC-F08044403413}"/>
-                    </a:ext>
-                  </a:extLst>
-                </p:cNvPr>
-                <p:cNvCxnSpPr>
-                  <a:cxnSpLocks/>
-                  <a:stCxn id="27" idx="0"/>
-                </p:cNvCxnSpPr>
-                <p:nvPr/>
-              </p:nvCxnSpPr>
-              <p:spPr>
-                <a:xfrm flipV="1">
-                  <a:off x="2602348" y="1509729"/>
-                  <a:ext cx="299771" cy="337157"/>
-                </a:xfrm>
-                <a:prstGeom prst="straightConnector1">
-                  <a:avLst/>
-                </a:prstGeom>
-                <a:ln>
-                  <a:solidFill>
-                    <a:srgbClr val="00FFCC"/>
-                  </a:solidFill>
-                  <a:tailEnd type="triangle"/>
-                </a:ln>
-              </p:spPr>
-              <p:style>
-                <a:lnRef idx="1">
-                  <a:schemeClr val="accent1"/>
-                </a:lnRef>
-                <a:fillRef idx="0">
-                  <a:schemeClr val="accent1"/>
-                </a:fillRef>
-                <a:effectRef idx="0">
-                  <a:schemeClr val="accent1"/>
-                </a:effectRef>
-                <a:fontRef idx="minor">
-                  <a:schemeClr val="tx1"/>
-                </a:fontRef>
-              </p:style>
-            </p:cxnSp>
             <p:grpSp>
               <p:nvGrpSpPr>
                 <p:cNvPr id="83" name="群組 82">
@@ -14699,239 +14654,6 @@
             </p:sp>
             <p:grpSp>
               <p:nvGrpSpPr>
-                <p:cNvPr id="159" name="群組 158">
-                  <a:extLst>
-                    <a:ext uri="{FF2B5EF4-FFF2-40B4-BE49-F238E27FC236}">
-                      <a16:creationId xmlns:a16="http://schemas.microsoft.com/office/drawing/2014/main" id="{BD52DF4C-8FF9-435F-A2D3-15A47DDA4FC1}"/>
-                    </a:ext>
-                  </a:extLst>
-                </p:cNvPr>
-                <p:cNvGrpSpPr/>
-                <p:nvPr/>
-              </p:nvGrpSpPr>
-              <p:grpSpPr>
-                <a:xfrm>
-                  <a:off x="1269486" y="1666873"/>
-                  <a:ext cx="7393718" cy="3060339"/>
-                  <a:chOff x="-171386" y="1666873"/>
-                  <a:chExt cx="7393718" cy="3060339"/>
-                </a:xfrm>
-              </p:grpSpPr>
-              <p:cxnSp>
-                <p:nvCxnSpPr>
-                  <p:cNvPr id="116" name="直線接點 115">
-                    <a:extLst>
-                      <a:ext uri="{FF2B5EF4-FFF2-40B4-BE49-F238E27FC236}">
-                        <a16:creationId xmlns:a16="http://schemas.microsoft.com/office/drawing/2014/main" id="{974DE3AB-64F0-4124-9FE6-2DA54148B13B}"/>
-                      </a:ext>
-                    </a:extLst>
-                  </p:cNvPr>
-                  <p:cNvCxnSpPr>
-                    <a:cxnSpLocks/>
-                  </p:cNvCxnSpPr>
-                  <p:nvPr/>
-                </p:nvCxnSpPr>
-                <p:spPr>
-                  <a:xfrm flipV="1">
-                    <a:off x="7208058" y="1678308"/>
-                    <a:ext cx="0" cy="284228"/>
-                  </a:xfrm>
-                  <a:prstGeom prst="line">
-                    <a:avLst/>
-                  </a:prstGeom>
-                  <a:ln w="38100">
-                    <a:solidFill>
-                      <a:srgbClr val="33CCCC"/>
-                    </a:solidFill>
-                  </a:ln>
-                </p:spPr>
-                <p:style>
-                  <a:lnRef idx="1">
-                    <a:schemeClr val="accent1"/>
-                  </a:lnRef>
-                  <a:fillRef idx="0">
-                    <a:schemeClr val="accent1"/>
-                  </a:fillRef>
-                  <a:effectRef idx="0">
-                    <a:schemeClr val="accent1"/>
-                  </a:effectRef>
-                  <a:fontRef idx="minor">
-                    <a:schemeClr val="tx1"/>
-                  </a:fontRef>
-                </p:style>
-              </p:cxnSp>
-              <p:cxnSp>
-                <p:nvCxnSpPr>
-                  <p:cNvPr id="122" name="直線接點 121">
-                    <a:extLst>
-                      <a:ext uri="{FF2B5EF4-FFF2-40B4-BE49-F238E27FC236}">
-                        <a16:creationId xmlns:a16="http://schemas.microsoft.com/office/drawing/2014/main" id="{24E0DD6F-6ECC-4C3B-9136-01630C00FB00}"/>
-                      </a:ext>
-                    </a:extLst>
-                  </p:cNvPr>
-                  <p:cNvCxnSpPr>
-                    <a:cxnSpLocks/>
-                  </p:cNvCxnSpPr>
-                  <p:nvPr/>
-                </p:nvCxnSpPr>
-                <p:spPr>
-                  <a:xfrm flipH="1">
-                    <a:off x="-171386" y="1676976"/>
-                    <a:ext cx="7393718" cy="0"/>
-                  </a:xfrm>
-                  <a:prstGeom prst="line">
-                    <a:avLst/>
-                  </a:prstGeom>
-                  <a:ln w="38100">
-                    <a:solidFill>
-                      <a:srgbClr val="33CCCC"/>
-                    </a:solidFill>
-                  </a:ln>
-                </p:spPr>
-                <p:style>
-                  <a:lnRef idx="1">
-                    <a:schemeClr val="accent1"/>
-                  </a:lnRef>
-                  <a:fillRef idx="0">
-                    <a:schemeClr val="accent1"/>
-                  </a:fillRef>
-                  <a:effectRef idx="0">
-                    <a:schemeClr val="accent1"/>
-                  </a:effectRef>
-                  <a:fontRef idx="minor">
-                    <a:schemeClr val="tx1"/>
-                  </a:fontRef>
-                </p:style>
-              </p:cxnSp>
-              <p:cxnSp>
-                <p:nvCxnSpPr>
-                  <p:cNvPr id="126" name="直線接點 125">
-                    <a:extLst>
-                      <a:ext uri="{FF2B5EF4-FFF2-40B4-BE49-F238E27FC236}">
-                        <a16:creationId xmlns:a16="http://schemas.microsoft.com/office/drawing/2014/main" id="{59EE1A35-75E1-4FDE-8F8E-2D255F9FCFA2}"/>
-                      </a:ext>
-                    </a:extLst>
-                  </p:cNvPr>
-                  <p:cNvCxnSpPr>
-                    <a:cxnSpLocks/>
-                  </p:cNvCxnSpPr>
-                  <p:nvPr/>
-                </p:nvCxnSpPr>
-                <p:spPr>
-                  <a:xfrm>
-                    <a:off x="-146660" y="1666873"/>
-                    <a:ext cx="0" cy="3060339"/>
-                  </a:xfrm>
-                  <a:prstGeom prst="line">
-                    <a:avLst/>
-                  </a:prstGeom>
-                  <a:ln w="38100">
-                    <a:solidFill>
-                      <a:srgbClr val="33CCCC"/>
-                    </a:solidFill>
-                  </a:ln>
-                </p:spPr>
-                <p:style>
-                  <a:lnRef idx="1">
-                    <a:schemeClr val="accent1"/>
-                  </a:lnRef>
-                  <a:fillRef idx="0">
-                    <a:schemeClr val="accent1"/>
-                  </a:fillRef>
-                  <a:effectRef idx="0">
-                    <a:schemeClr val="accent1"/>
-                  </a:effectRef>
-                  <a:fontRef idx="minor">
-                    <a:schemeClr val="tx1"/>
-                  </a:fontRef>
-                </p:style>
-              </p:cxnSp>
-              <p:cxnSp>
-                <p:nvCxnSpPr>
-                  <p:cNvPr id="128" name="直線單箭頭接點 127">
-                    <a:extLst>
-                      <a:ext uri="{FF2B5EF4-FFF2-40B4-BE49-F238E27FC236}">
-                        <a16:creationId xmlns:a16="http://schemas.microsoft.com/office/drawing/2014/main" id="{3392441F-E41C-4CB3-88F3-5E773679D290}"/>
-                      </a:ext>
-                    </a:extLst>
-                  </p:cNvPr>
-                  <p:cNvCxnSpPr>
-                    <a:cxnSpLocks/>
-                  </p:cNvCxnSpPr>
-                  <p:nvPr/>
-                </p:nvCxnSpPr>
-                <p:spPr>
-                  <a:xfrm>
-                    <a:off x="-154901" y="4712926"/>
-                    <a:ext cx="1445416" cy="0"/>
-                  </a:xfrm>
-                  <a:prstGeom prst="straightConnector1">
-                    <a:avLst/>
-                  </a:prstGeom>
-                  <a:ln w="38100">
-                    <a:solidFill>
-                      <a:srgbClr val="33CCCC"/>
-                    </a:solidFill>
-                    <a:tailEnd type="triangle"/>
-                  </a:ln>
-                </p:spPr>
-                <p:style>
-                  <a:lnRef idx="1">
-                    <a:schemeClr val="accent1"/>
-                  </a:lnRef>
-                  <a:fillRef idx="0">
-                    <a:schemeClr val="accent1"/>
-                  </a:fillRef>
-                  <a:effectRef idx="0">
-                    <a:schemeClr val="accent1"/>
-                  </a:effectRef>
-                  <a:fontRef idx="minor">
-                    <a:schemeClr val="tx1"/>
-                  </a:fontRef>
-                </p:style>
-              </p:cxnSp>
-            </p:grpSp>
-            <p:sp>
-              <p:nvSpPr>
-                <p:cNvPr id="132" name="文字方塊 131">
-                  <a:extLst>
-                    <a:ext uri="{FF2B5EF4-FFF2-40B4-BE49-F238E27FC236}">
-                      <a16:creationId xmlns:a16="http://schemas.microsoft.com/office/drawing/2014/main" id="{03470426-3DCD-4379-B95F-375509F9BF26}"/>
-                    </a:ext>
-                  </a:extLst>
-                </p:cNvPr>
-                <p:cNvSpPr txBox="1"/>
-                <p:nvPr/>
-              </p:nvSpPr>
-              <p:spPr>
-                <a:xfrm>
-                  <a:off x="5425984" y="1351054"/>
-                  <a:ext cx="3274603" cy="329577"/>
-                </a:xfrm>
-                <a:prstGeom prst="rect">
-                  <a:avLst/>
-                </a:prstGeom>
-                <a:noFill/>
-              </p:spPr>
-              <p:txBody>
-                <a:bodyPr wrap="none" rtlCol="0">
-                  <a:spAutoFit/>
-                </a:bodyPr>
-                <a:lstStyle/>
-                <a:p>
-                  <a:r>
-                    <a:rPr lang="zh-TW" altLang="en-US">
-                      <a:solidFill>
-                        <a:srgbClr val="33CCCC"/>
-                      </a:solidFill>
-                    </a:rPr>
-                    <a:t>模仿語法，實質上沒有很大的關係</a:t>
-                  </a:r>
-                </a:p>
-              </p:txBody>
-            </p:sp>
-            <p:grpSp>
-              <p:nvGrpSpPr>
                 <p:cNvPr id="146" name="群組 145">
                   <a:extLst>
                     <a:ext uri="{FF2B5EF4-FFF2-40B4-BE49-F238E27FC236}">
@@ -15224,7 +14946,7 @@
             </p:nvSpPr>
             <p:spPr>
               <a:xfrm>
-                <a:off x="1618584" y="1420685"/>
+                <a:off x="1304512" y="1759431"/>
                 <a:ext cx="1338828" cy="369332"/>
               </a:xfrm>
               <a:prstGeom prst="rect">
@@ -15449,7 +15171,7 @@
         </p:nvSpPr>
         <p:spPr>
           <a:xfrm>
-            <a:off x="1964148" y="4844174"/>
+            <a:off x="1964148" y="4594793"/>
             <a:ext cx="451014" cy="235461"/>
           </a:xfrm>
           <a:prstGeom prst="roundRect">
@@ -15501,7 +15223,7 @@
         </p:nvSpPr>
         <p:spPr>
           <a:xfrm rot="18563820">
-            <a:off x="2791193" y="4880626"/>
+            <a:off x="2791193" y="4631245"/>
             <a:ext cx="422390" cy="1338496"/>
           </a:xfrm>
           <a:prstGeom prst="downArrow">
@@ -15557,7 +15279,7 @@
         </p:nvSpPr>
         <p:spPr>
           <a:xfrm>
-            <a:off x="3562790" y="5960630"/>
+            <a:off x="3562790" y="5711249"/>
             <a:ext cx="3342835" cy="440999"/>
           </a:xfrm>
           <a:prstGeom prst="roundRect">

--- a/ppt/02_程式語言簡介.pptx
+++ b/ppt/02_程式語言簡介.pptx
@@ -2,7 +2,7 @@
 <file path=ppt/presentation.xml><?xml version="1.0" encoding="utf-8"?>
 <p:presentation xmlns:a="http://schemas.openxmlformats.org/drawingml/2006/main" xmlns:r="http://schemas.openxmlformats.org/officeDocument/2006/relationships" xmlns:p="http://schemas.openxmlformats.org/presentationml/2006/main" showSpecialPlsOnTitleSld="0" saveSubsetFonts="1">
   <p:sldMasterIdLst>
-    <p:sldMasterId id="2147483684" r:id="rId1"/>
+    <p:sldMasterId id="2147483702" r:id="rId1"/>
   </p:sldMasterIdLst>
   <p:notesMasterIdLst>
     <p:notesMasterId r:id="rId6"/>
@@ -215,7 +215,7 @@
           <a:p>
             <a:fld id="{FF294DDF-BAE6-4F99-A8CC-1D49EAABBEEB}" type="datetimeFigureOut">
               <a:rPr lang="zh-TW" altLang="en-US" smtClean="0"/>
-              <a:t>2024/12/12</a:t>
+              <a:t>2025/2/11</a:t>
             </a:fld>
             <a:endParaRPr lang="zh-TW" altLang="en-US"/>
           </a:p>
@@ -861,1065 +861,7 @@
     </p:spTree>
     <p:extLst>
       <p:ext uri="{BB962C8B-B14F-4D97-AF65-F5344CB8AC3E}">
-        <p14:creationId xmlns:p14="http://schemas.microsoft.com/office/powerpoint/2010/main" val="3651956430"/>
-      </p:ext>
-    </p:extLst>
-  </p:cSld>
-  <p:clrMapOvr>
-    <a:masterClrMapping/>
-  </p:clrMapOvr>
-  <p:transition spd="slow">
-    <p:push dir="u"/>
-  </p:transition>
-</p:sldLayout>
-</file>
-
-<file path=ppt/slideLayouts/slideLayout10.xml><?xml version="1.0" encoding="utf-8"?>
-<p:sldLayout xmlns:a="http://schemas.openxmlformats.org/drawingml/2006/main" xmlns:r="http://schemas.openxmlformats.org/officeDocument/2006/relationships" xmlns:p="http://schemas.openxmlformats.org/presentationml/2006/main" type="vertTx" preserve="1">
-  <p:cSld name="標題及直排文字">
-    <p:spTree>
-      <p:nvGrpSpPr>
-        <p:cNvPr id="1" name=""/>
-        <p:cNvGrpSpPr/>
-        <p:nvPr/>
-      </p:nvGrpSpPr>
-      <p:grpSpPr>
-        <a:xfrm>
-          <a:off x="0" y="0"/>
-          <a:ext cx="0" cy="0"/>
-          <a:chOff x="0" y="0"/>
-          <a:chExt cx="0" cy="0"/>
-        </a:xfrm>
-      </p:grpSpPr>
-      <p:sp>
-        <p:nvSpPr>
-          <p:cNvPr id="2" name="標題 1">
-            <a:extLst>
-              <a:ext uri="{FF2B5EF4-FFF2-40B4-BE49-F238E27FC236}">
-                <a16:creationId xmlns:a16="http://schemas.microsoft.com/office/drawing/2014/main" id="{0FDDC07F-519C-49CA-AA44-B985B88C2335}"/>
-              </a:ext>
-            </a:extLst>
-          </p:cNvPr>
-          <p:cNvSpPr>
-            <a:spLocks noGrp="1"/>
-          </p:cNvSpPr>
-          <p:nvPr>
-            <p:ph type="title"/>
-          </p:nvPr>
-        </p:nvSpPr>
-        <p:spPr/>
-        <p:txBody>
-          <a:bodyPr/>
-          <a:lstStyle/>
-          <a:p>
-            <a:r>
-              <a:rPr lang="zh-TW" altLang="en-US"/>
-              <a:t>按一下以編輯母片標題樣式</a:t>
-            </a:r>
-          </a:p>
-        </p:txBody>
-      </p:sp>
-      <p:sp>
-        <p:nvSpPr>
-          <p:cNvPr id="3" name="直排文字版面配置區 2">
-            <a:extLst>
-              <a:ext uri="{FF2B5EF4-FFF2-40B4-BE49-F238E27FC236}">
-                <a16:creationId xmlns:a16="http://schemas.microsoft.com/office/drawing/2014/main" id="{EA4FAF03-5463-4183-9F65-A1E11FD43A75}"/>
-              </a:ext>
-            </a:extLst>
-          </p:cNvPr>
-          <p:cNvSpPr>
-            <a:spLocks noGrp="1"/>
-          </p:cNvSpPr>
-          <p:nvPr>
-            <p:ph type="body" orient="vert" idx="1"/>
-          </p:nvPr>
-        </p:nvSpPr>
-        <p:spPr/>
-        <p:txBody>
-          <a:bodyPr vert="eaVert"/>
-          <a:lstStyle/>
-          <a:p>
-            <a:pPr lvl="0"/>
-            <a:r>
-              <a:rPr lang="zh-TW" altLang="en-US"/>
-              <a:t>按一下以編輯母片文字樣式</a:t>
-            </a:r>
-          </a:p>
-          <a:p>
-            <a:pPr lvl="1"/>
-            <a:r>
-              <a:rPr lang="zh-TW" altLang="en-US"/>
-              <a:t>第二層</a:t>
-            </a:r>
-          </a:p>
-          <a:p>
-            <a:pPr lvl="2"/>
-            <a:r>
-              <a:rPr lang="zh-TW" altLang="en-US"/>
-              <a:t>第三層</a:t>
-            </a:r>
-          </a:p>
-          <a:p>
-            <a:pPr lvl="3"/>
-            <a:r>
-              <a:rPr lang="zh-TW" altLang="en-US"/>
-              <a:t>第四層</a:t>
-            </a:r>
-          </a:p>
-          <a:p>
-            <a:pPr lvl="4"/>
-            <a:r>
-              <a:rPr lang="zh-TW" altLang="en-US"/>
-              <a:t>第五層</a:t>
-            </a:r>
-          </a:p>
-        </p:txBody>
-      </p:sp>
-      <p:sp>
-        <p:nvSpPr>
-          <p:cNvPr id="7" name="頁尾版面配置區 4">
-            <a:extLst>
-              <a:ext uri="{FF2B5EF4-FFF2-40B4-BE49-F238E27FC236}">
-                <a16:creationId xmlns:a16="http://schemas.microsoft.com/office/drawing/2014/main" id="{673CEE49-E682-4987-B5C6-44AC5441606B}"/>
-              </a:ext>
-            </a:extLst>
-          </p:cNvPr>
-          <p:cNvSpPr txBox="1">
-            <a:spLocks/>
-          </p:cNvSpPr>
-          <p:nvPr/>
-        </p:nvSpPr>
-        <p:spPr>
-          <a:xfrm>
-            <a:off x="0" y="6492875"/>
-            <a:ext cx="2743200" cy="365125"/>
-          </a:xfrm>
-          <a:prstGeom prst="rect">
-            <a:avLst/>
-          </a:prstGeom>
-        </p:spPr>
-        <p:txBody>
-          <a:bodyPr vert="horz" lIns="91440" tIns="45720" rIns="91440" bIns="45720" rtlCol="0" anchor="ctr"/>
-          <a:lstStyle>
-            <a:defPPr>
-              <a:defRPr lang="zh-TW"/>
-            </a:defPPr>
-            <a:lvl1pPr marL="0" algn="l" defTabSz="914400" rtl="0" eaLnBrk="1" latinLnBrk="0" hangingPunct="1">
-              <a:defRPr sz="1200" kern="1200">
-                <a:solidFill>
-                  <a:schemeClr val="tx1">
-                    <a:tint val="75000"/>
-                  </a:schemeClr>
-                </a:solidFill>
-                <a:latin typeface="+mn-lt"/>
-                <a:ea typeface="+mn-ea"/>
-                <a:cs typeface="+mn-cs"/>
-              </a:defRPr>
-            </a:lvl1pPr>
-            <a:lvl2pPr marL="457200" algn="l" defTabSz="914400" rtl="0" eaLnBrk="1" latinLnBrk="0" hangingPunct="1">
-              <a:defRPr sz="1800" kern="1200">
-                <a:solidFill>
-                  <a:schemeClr val="tx1"/>
-                </a:solidFill>
-                <a:latin typeface="+mn-lt"/>
-                <a:ea typeface="+mn-ea"/>
-                <a:cs typeface="+mn-cs"/>
-              </a:defRPr>
-            </a:lvl2pPr>
-            <a:lvl3pPr marL="914400" algn="l" defTabSz="914400" rtl="0" eaLnBrk="1" latinLnBrk="0" hangingPunct="1">
-              <a:defRPr sz="1800" kern="1200">
-                <a:solidFill>
-                  <a:schemeClr val="tx1"/>
-                </a:solidFill>
-                <a:latin typeface="+mn-lt"/>
-                <a:ea typeface="+mn-ea"/>
-                <a:cs typeface="+mn-cs"/>
-              </a:defRPr>
-            </a:lvl3pPr>
-            <a:lvl4pPr marL="1371600" algn="l" defTabSz="914400" rtl="0" eaLnBrk="1" latinLnBrk="0" hangingPunct="1">
-              <a:defRPr sz="1800" kern="1200">
-                <a:solidFill>
-                  <a:schemeClr val="tx1"/>
-                </a:solidFill>
-                <a:latin typeface="+mn-lt"/>
-                <a:ea typeface="+mn-ea"/>
-                <a:cs typeface="+mn-cs"/>
-              </a:defRPr>
-            </a:lvl4pPr>
-            <a:lvl5pPr marL="1828800" algn="l" defTabSz="914400" rtl="0" eaLnBrk="1" latinLnBrk="0" hangingPunct="1">
-              <a:defRPr sz="1800" kern="1200">
-                <a:solidFill>
-                  <a:schemeClr val="tx1"/>
-                </a:solidFill>
-                <a:latin typeface="+mn-lt"/>
-                <a:ea typeface="+mn-ea"/>
-                <a:cs typeface="+mn-cs"/>
-              </a:defRPr>
-            </a:lvl5pPr>
-            <a:lvl6pPr marL="2286000" algn="l" defTabSz="914400" rtl="0" eaLnBrk="1" latinLnBrk="0" hangingPunct="1">
-              <a:defRPr sz="1800" kern="1200">
-                <a:solidFill>
-                  <a:schemeClr val="tx1"/>
-                </a:solidFill>
-                <a:latin typeface="+mn-lt"/>
-                <a:ea typeface="+mn-ea"/>
-                <a:cs typeface="+mn-cs"/>
-              </a:defRPr>
-            </a:lvl6pPr>
-            <a:lvl7pPr marL="2743200" algn="l" defTabSz="914400" rtl="0" eaLnBrk="1" latinLnBrk="0" hangingPunct="1">
-              <a:defRPr sz="1800" kern="1200">
-                <a:solidFill>
-                  <a:schemeClr val="tx1"/>
-                </a:solidFill>
-                <a:latin typeface="+mn-lt"/>
-                <a:ea typeface="+mn-ea"/>
-                <a:cs typeface="+mn-cs"/>
-              </a:defRPr>
-            </a:lvl7pPr>
-            <a:lvl8pPr marL="3200400" algn="l" defTabSz="914400" rtl="0" eaLnBrk="1" latinLnBrk="0" hangingPunct="1">
-              <a:defRPr sz="1800" kern="1200">
-                <a:solidFill>
-                  <a:schemeClr val="tx1"/>
-                </a:solidFill>
-                <a:latin typeface="+mn-lt"/>
-                <a:ea typeface="+mn-ea"/>
-                <a:cs typeface="+mn-cs"/>
-              </a:defRPr>
-            </a:lvl8pPr>
-            <a:lvl9pPr marL="3657600" algn="l" defTabSz="914400" rtl="0" eaLnBrk="1" latinLnBrk="0" hangingPunct="1">
-              <a:defRPr sz="1800" kern="1200">
-                <a:solidFill>
-                  <a:schemeClr val="tx1"/>
-                </a:solidFill>
-                <a:latin typeface="+mn-lt"/>
-                <a:ea typeface="+mn-ea"/>
-                <a:cs typeface="+mn-cs"/>
-              </a:defRPr>
-            </a:lvl9pPr>
-          </a:lstStyle>
-          <a:p>
-            <a:r>
-              <a:rPr lang="en-US" altLang="zh-TW"/>
-              <a:t>TYIC</a:t>
-            </a:r>
-            <a:r>
-              <a:rPr lang="zh-TW" altLang="en-US"/>
-              <a:t> 桃高資訊社</a:t>
-            </a:r>
-          </a:p>
-        </p:txBody>
-      </p:sp>
-      <p:sp>
-        <p:nvSpPr>
-          <p:cNvPr id="8" name="投影片編號版面配置區 5">
-            <a:extLst>
-              <a:ext uri="{FF2B5EF4-FFF2-40B4-BE49-F238E27FC236}">
-                <a16:creationId xmlns:a16="http://schemas.microsoft.com/office/drawing/2014/main" id="{30FE2C57-B7B9-4C62-97C3-180398C5D84A}"/>
-              </a:ext>
-            </a:extLst>
-          </p:cNvPr>
-          <p:cNvSpPr txBox="1">
-            <a:spLocks/>
-          </p:cNvSpPr>
-          <p:nvPr/>
-        </p:nvSpPr>
-        <p:spPr>
-          <a:xfrm>
-            <a:off x="9448800" y="6492874"/>
-            <a:ext cx="2743200" cy="365125"/>
-          </a:xfrm>
-          <a:prstGeom prst="rect">
-            <a:avLst/>
-          </a:prstGeom>
-        </p:spPr>
-        <p:txBody>
-          <a:bodyPr vert="horz" lIns="91440" tIns="45720" rIns="91440" bIns="45720" rtlCol="0" anchor="ctr"/>
-          <a:lstStyle>
-            <a:defPPr>
-              <a:defRPr lang="zh-TW"/>
-            </a:defPPr>
-            <a:lvl1pPr marL="0" algn="r" defTabSz="914400" rtl="0" eaLnBrk="1" latinLnBrk="0" hangingPunct="1">
-              <a:defRPr sz="1200" kern="1200">
-                <a:solidFill>
-                  <a:schemeClr val="tx1">
-                    <a:tint val="75000"/>
-                  </a:schemeClr>
-                </a:solidFill>
-                <a:latin typeface="+mn-lt"/>
-                <a:ea typeface="+mn-ea"/>
-                <a:cs typeface="+mn-cs"/>
-              </a:defRPr>
-            </a:lvl1pPr>
-            <a:lvl2pPr marL="457200" algn="l" defTabSz="914400" rtl="0" eaLnBrk="1" latinLnBrk="0" hangingPunct="1">
-              <a:defRPr sz="1800" kern="1200">
-                <a:solidFill>
-                  <a:schemeClr val="tx1"/>
-                </a:solidFill>
-                <a:latin typeface="+mn-lt"/>
-                <a:ea typeface="+mn-ea"/>
-                <a:cs typeface="+mn-cs"/>
-              </a:defRPr>
-            </a:lvl2pPr>
-            <a:lvl3pPr marL="914400" algn="l" defTabSz="914400" rtl="0" eaLnBrk="1" latinLnBrk="0" hangingPunct="1">
-              <a:defRPr sz="1800" kern="1200">
-                <a:solidFill>
-                  <a:schemeClr val="tx1"/>
-                </a:solidFill>
-                <a:latin typeface="+mn-lt"/>
-                <a:ea typeface="+mn-ea"/>
-                <a:cs typeface="+mn-cs"/>
-              </a:defRPr>
-            </a:lvl3pPr>
-            <a:lvl4pPr marL="1371600" algn="l" defTabSz="914400" rtl="0" eaLnBrk="1" latinLnBrk="0" hangingPunct="1">
-              <a:defRPr sz="1800" kern="1200">
-                <a:solidFill>
-                  <a:schemeClr val="tx1"/>
-                </a:solidFill>
-                <a:latin typeface="+mn-lt"/>
-                <a:ea typeface="+mn-ea"/>
-                <a:cs typeface="+mn-cs"/>
-              </a:defRPr>
-            </a:lvl4pPr>
-            <a:lvl5pPr marL="1828800" algn="l" defTabSz="914400" rtl="0" eaLnBrk="1" latinLnBrk="0" hangingPunct="1">
-              <a:defRPr sz="1800" kern="1200">
-                <a:solidFill>
-                  <a:schemeClr val="tx1"/>
-                </a:solidFill>
-                <a:latin typeface="+mn-lt"/>
-                <a:ea typeface="+mn-ea"/>
-                <a:cs typeface="+mn-cs"/>
-              </a:defRPr>
-            </a:lvl5pPr>
-            <a:lvl6pPr marL="2286000" algn="l" defTabSz="914400" rtl="0" eaLnBrk="1" latinLnBrk="0" hangingPunct="1">
-              <a:defRPr sz="1800" kern="1200">
-                <a:solidFill>
-                  <a:schemeClr val="tx1"/>
-                </a:solidFill>
-                <a:latin typeface="+mn-lt"/>
-                <a:ea typeface="+mn-ea"/>
-                <a:cs typeface="+mn-cs"/>
-              </a:defRPr>
-            </a:lvl6pPr>
-            <a:lvl7pPr marL="2743200" algn="l" defTabSz="914400" rtl="0" eaLnBrk="1" latinLnBrk="0" hangingPunct="1">
-              <a:defRPr sz="1800" kern="1200">
-                <a:solidFill>
-                  <a:schemeClr val="tx1"/>
-                </a:solidFill>
-                <a:latin typeface="+mn-lt"/>
-                <a:ea typeface="+mn-ea"/>
-                <a:cs typeface="+mn-cs"/>
-              </a:defRPr>
-            </a:lvl7pPr>
-            <a:lvl8pPr marL="3200400" algn="l" defTabSz="914400" rtl="0" eaLnBrk="1" latinLnBrk="0" hangingPunct="1">
-              <a:defRPr sz="1800" kern="1200">
-                <a:solidFill>
-                  <a:schemeClr val="tx1"/>
-                </a:solidFill>
-                <a:latin typeface="+mn-lt"/>
-                <a:ea typeface="+mn-ea"/>
-                <a:cs typeface="+mn-cs"/>
-              </a:defRPr>
-            </a:lvl8pPr>
-            <a:lvl9pPr marL="3657600" algn="l" defTabSz="914400" rtl="0" eaLnBrk="1" latinLnBrk="0" hangingPunct="1">
-              <a:defRPr sz="1800" kern="1200">
-                <a:solidFill>
-                  <a:schemeClr val="tx1"/>
-                </a:solidFill>
-                <a:latin typeface="+mn-lt"/>
-                <a:ea typeface="+mn-ea"/>
-                <a:cs typeface="+mn-cs"/>
-              </a:defRPr>
-            </a:lvl9pPr>
-          </a:lstStyle>
-          <a:p>
-            <a:fld id="{D4328D90-2A6F-4F23-88A8-C5DCC2B5F307}" type="slidenum">
-              <a:rPr lang="zh-TW" altLang="en-US" smtClean="0"/>
-              <a:pPr/>
-              <a:t>‹#›</a:t>
-            </a:fld>
-            <a:endParaRPr lang="zh-TW" altLang="en-US"/>
-          </a:p>
-        </p:txBody>
-      </p:sp>
-    </p:spTree>
-    <p:extLst>
-      <p:ext uri="{BB962C8B-B14F-4D97-AF65-F5344CB8AC3E}">
-        <p14:creationId xmlns:p14="http://schemas.microsoft.com/office/powerpoint/2010/main" val="55779661"/>
-      </p:ext>
-    </p:extLst>
-  </p:cSld>
-  <p:clrMapOvr>
-    <a:masterClrMapping/>
-  </p:clrMapOvr>
-  <p:transition spd="slow">
-    <p:push dir="u"/>
-  </p:transition>
-</p:sldLayout>
-</file>
-
-<file path=ppt/slideLayouts/slideLayout11.xml><?xml version="1.0" encoding="utf-8"?>
-<p:sldLayout xmlns:a="http://schemas.openxmlformats.org/drawingml/2006/main" xmlns:r="http://schemas.openxmlformats.org/officeDocument/2006/relationships" xmlns:p="http://schemas.openxmlformats.org/presentationml/2006/main" type="vertTitleAndTx" preserve="1">
-  <p:cSld name="直排標題及文字">
-    <p:spTree>
-      <p:nvGrpSpPr>
-        <p:cNvPr id="1" name=""/>
-        <p:cNvGrpSpPr/>
-        <p:nvPr/>
-      </p:nvGrpSpPr>
-      <p:grpSpPr>
-        <a:xfrm>
-          <a:off x="0" y="0"/>
-          <a:ext cx="0" cy="0"/>
-          <a:chOff x="0" y="0"/>
-          <a:chExt cx="0" cy="0"/>
-        </a:xfrm>
-      </p:grpSpPr>
-      <p:sp>
-        <p:nvSpPr>
-          <p:cNvPr id="2" name="直排標題 1">
-            <a:extLst>
-              <a:ext uri="{FF2B5EF4-FFF2-40B4-BE49-F238E27FC236}">
-                <a16:creationId xmlns:a16="http://schemas.microsoft.com/office/drawing/2014/main" id="{1BA0FB70-3691-4CFB-B11C-DCA42F242EBA}"/>
-              </a:ext>
-            </a:extLst>
-          </p:cNvPr>
-          <p:cNvSpPr>
-            <a:spLocks noGrp="1"/>
-          </p:cNvSpPr>
-          <p:nvPr>
-            <p:ph type="title" orient="vert"/>
-          </p:nvPr>
-        </p:nvSpPr>
-        <p:spPr>
-          <a:xfrm>
-            <a:off x="8724900" y="365125"/>
-            <a:ext cx="2628900" cy="5811838"/>
-          </a:xfrm>
-        </p:spPr>
-        <p:txBody>
-          <a:bodyPr vert="eaVert"/>
-          <a:lstStyle/>
-          <a:p>
-            <a:r>
-              <a:rPr lang="zh-TW" altLang="en-US"/>
-              <a:t>按一下以編輯母片標題樣式</a:t>
-            </a:r>
-          </a:p>
-        </p:txBody>
-      </p:sp>
-      <p:sp>
-        <p:nvSpPr>
-          <p:cNvPr id="3" name="直排文字版面配置區 2">
-            <a:extLst>
-              <a:ext uri="{FF2B5EF4-FFF2-40B4-BE49-F238E27FC236}">
-                <a16:creationId xmlns:a16="http://schemas.microsoft.com/office/drawing/2014/main" id="{443DC9D4-0B7C-43C6-9ED5-146AB071FB9D}"/>
-              </a:ext>
-            </a:extLst>
-          </p:cNvPr>
-          <p:cNvSpPr>
-            <a:spLocks noGrp="1"/>
-          </p:cNvSpPr>
-          <p:nvPr>
-            <p:ph type="body" orient="vert" idx="1"/>
-          </p:nvPr>
-        </p:nvSpPr>
-        <p:spPr>
-          <a:xfrm>
-            <a:off x="838200" y="365125"/>
-            <a:ext cx="7734300" cy="5811838"/>
-          </a:xfrm>
-        </p:spPr>
-        <p:txBody>
-          <a:bodyPr vert="eaVert"/>
-          <a:lstStyle/>
-          <a:p>
-            <a:pPr lvl="0"/>
-            <a:r>
-              <a:rPr lang="zh-TW" altLang="en-US"/>
-              <a:t>按一下以編輯母片文字樣式</a:t>
-            </a:r>
-          </a:p>
-          <a:p>
-            <a:pPr lvl="1"/>
-            <a:r>
-              <a:rPr lang="zh-TW" altLang="en-US"/>
-              <a:t>第二層</a:t>
-            </a:r>
-          </a:p>
-          <a:p>
-            <a:pPr lvl="2"/>
-            <a:r>
-              <a:rPr lang="zh-TW" altLang="en-US"/>
-              <a:t>第三層</a:t>
-            </a:r>
-          </a:p>
-          <a:p>
-            <a:pPr lvl="3"/>
-            <a:r>
-              <a:rPr lang="zh-TW" altLang="en-US"/>
-              <a:t>第四層</a:t>
-            </a:r>
-          </a:p>
-          <a:p>
-            <a:pPr lvl="4"/>
-            <a:r>
-              <a:rPr lang="zh-TW" altLang="en-US"/>
-              <a:t>第五層</a:t>
-            </a:r>
-          </a:p>
-        </p:txBody>
-      </p:sp>
-      <p:sp>
-        <p:nvSpPr>
-          <p:cNvPr id="7" name="頁尾版面配置區 4">
-            <a:extLst>
-              <a:ext uri="{FF2B5EF4-FFF2-40B4-BE49-F238E27FC236}">
-                <a16:creationId xmlns:a16="http://schemas.microsoft.com/office/drawing/2014/main" id="{C07E68E1-74E8-4B75-8BF6-3AD8D3EC35C4}"/>
-              </a:ext>
-            </a:extLst>
-          </p:cNvPr>
-          <p:cNvSpPr txBox="1">
-            <a:spLocks/>
-          </p:cNvSpPr>
-          <p:nvPr/>
-        </p:nvSpPr>
-        <p:spPr>
-          <a:xfrm>
-            <a:off x="0" y="6492875"/>
-            <a:ext cx="2743200" cy="365125"/>
-          </a:xfrm>
-          <a:prstGeom prst="rect">
-            <a:avLst/>
-          </a:prstGeom>
-        </p:spPr>
-        <p:txBody>
-          <a:bodyPr vert="horz" lIns="91440" tIns="45720" rIns="91440" bIns="45720" rtlCol="0" anchor="ctr"/>
-          <a:lstStyle>
-            <a:defPPr>
-              <a:defRPr lang="zh-TW"/>
-            </a:defPPr>
-            <a:lvl1pPr marL="0" algn="l" defTabSz="914400" rtl="0" eaLnBrk="1" latinLnBrk="0" hangingPunct="1">
-              <a:defRPr sz="1200" kern="1200">
-                <a:solidFill>
-                  <a:schemeClr val="tx1">
-                    <a:tint val="75000"/>
-                  </a:schemeClr>
-                </a:solidFill>
-                <a:latin typeface="+mn-lt"/>
-                <a:ea typeface="+mn-ea"/>
-                <a:cs typeface="+mn-cs"/>
-              </a:defRPr>
-            </a:lvl1pPr>
-            <a:lvl2pPr marL="457200" algn="l" defTabSz="914400" rtl="0" eaLnBrk="1" latinLnBrk="0" hangingPunct="1">
-              <a:defRPr sz="1800" kern="1200">
-                <a:solidFill>
-                  <a:schemeClr val="tx1"/>
-                </a:solidFill>
-                <a:latin typeface="+mn-lt"/>
-                <a:ea typeface="+mn-ea"/>
-                <a:cs typeface="+mn-cs"/>
-              </a:defRPr>
-            </a:lvl2pPr>
-            <a:lvl3pPr marL="914400" algn="l" defTabSz="914400" rtl="0" eaLnBrk="1" latinLnBrk="0" hangingPunct="1">
-              <a:defRPr sz="1800" kern="1200">
-                <a:solidFill>
-                  <a:schemeClr val="tx1"/>
-                </a:solidFill>
-                <a:latin typeface="+mn-lt"/>
-                <a:ea typeface="+mn-ea"/>
-                <a:cs typeface="+mn-cs"/>
-              </a:defRPr>
-            </a:lvl3pPr>
-            <a:lvl4pPr marL="1371600" algn="l" defTabSz="914400" rtl="0" eaLnBrk="1" latinLnBrk="0" hangingPunct="1">
-              <a:defRPr sz="1800" kern="1200">
-                <a:solidFill>
-                  <a:schemeClr val="tx1"/>
-                </a:solidFill>
-                <a:latin typeface="+mn-lt"/>
-                <a:ea typeface="+mn-ea"/>
-                <a:cs typeface="+mn-cs"/>
-              </a:defRPr>
-            </a:lvl4pPr>
-            <a:lvl5pPr marL="1828800" algn="l" defTabSz="914400" rtl="0" eaLnBrk="1" latinLnBrk="0" hangingPunct="1">
-              <a:defRPr sz="1800" kern="1200">
-                <a:solidFill>
-                  <a:schemeClr val="tx1"/>
-                </a:solidFill>
-                <a:latin typeface="+mn-lt"/>
-                <a:ea typeface="+mn-ea"/>
-                <a:cs typeface="+mn-cs"/>
-              </a:defRPr>
-            </a:lvl5pPr>
-            <a:lvl6pPr marL="2286000" algn="l" defTabSz="914400" rtl="0" eaLnBrk="1" latinLnBrk="0" hangingPunct="1">
-              <a:defRPr sz="1800" kern="1200">
-                <a:solidFill>
-                  <a:schemeClr val="tx1"/>
-                </a:solidFill>
-                <a:latin typeface="+mn-lt"/>
-                <a:ea typeface="+mn-ea"/>
-                <a:cs typeface="+mn-cs"/>
-              </a:defRPr>
-            </a:lvl6pPr>
-            <a:lvl7pPr marL="2743200" algn="l" defTabSz="914400" rtl="0" eaLnBrk="1" latinLnBrk="0" hangingPunct="1">
-              <a:defRPr sz="1800" kern="1200">
-                <a:solidFill>
-                  <a:schemeClr val="tx1"/>
-                </a:solidFill>
-                <a:latin typeface="+mn-lt"/>
-                <a:ea typeface="+mn-ea"/>
-                <a:cs typeface="+mn-cs"/>
-              </a:defRPr>
-            </a:lvl7pPr>
-            <a:lvl8pPr marL="3200400" algn="l" defTabSz="914400" rtl="0" eaLnBrk="1" latinLnBrk="0" hangingPunct="1">
-              <a:defRPr sz="1800" kern="1200">
-                <a:solidFill>
-                  <a:schemeClr val="tx1"/>
-                </a:solidFill>
-                <a:latin typeface="+mn-lt"/>
-                <a:ea typeface="+mn-ea"/>
-                <a:cs typeface="+mn-cs"/>
-              </a:defRPr>
-            </a:lvl8pPr>
-            <a:lvl9pPr marL="3657600" algn="l" defTabSz="914400" rtl="0" eaLnBrk="1" latinLnBrk="0" hangingPunct="1">
-              <a:defRPr sz="1800" kern="1200">
-                <a:solidFill>
-                  <a:schemeClr val="tx1"/>
-                </a:solidFill>
-                <a:latin typeface="+mn-lt"/>
-                <a:ea typeface="+mn-ea"/>
-                <a:cs typeface="+mn-cs"/>
-              </a:defRPr>
-            </a:lvl9pPr>
-          </a:lstStyle>
-          <a:p>
-            <a:r>
-              <a:rPr lang="en-US" altLang="zh-TW"/>
-              <a:t>TYIC</a:t>
-            </a:r>
-            <a:r>
-              <a:rPr lang="zh-TW" altLang="en-US"/>
-              <a:t> 桃高資訊社</a:t>
-            </a:r>
-          </a:p>
-        </p:txBody>
-      </p:sp>
-      <p:sp>
-        <p:nvSpPr>
-          <p:cNvPr id="8" name="投影片編號版面配置區 5">
-            <a:extLst>
-              <a:ext uri="{FF2B5EF4-FFF2-40B4-BE49-F238E27FC236}">
-                <a16:creationId xmlns:a16="http://schemas.microsoft.com/office/drawing/2014/main" id="{0A141965-84F2-41A3-BCDC-079B065A2E38}"/>
-              </a:ext>
-            </a:extLst>
-          </p:cNvPr>
-          <p:cNvSpPr txBox="1">
-            <a:spLocks/>
-          </p:cNvSpPr>
-          <p:nvPr/>
-        </p:nvSpPr>
-        <p:spPr>
-          <a:xfrm>
-            <a:off x="9448800" y="6492874"/>
-            <a:ext cx="2743200" cy="365125"/>
-          </a:xfrm>
-          <a:prstGeom prst="rect">
-            <a:avLst/>
-          </a:prstGeom>
-        </p:spPr>
-        <p:txBody>
-          <a:bodyPr vert="horz" lIns="91440" tIns="45720" rIns="91440" bIns="45720" rtlCol="0" anchor="ctr"/>
-          <a:lstStyle>
-            <a:defPPr>
-              <a:defRPr lang="zh-TW"/>
-            </a:defPPr>
-            <a:lvl1pPr marL="0" algn="r" defTabSz="914400" rtl="0" eaLnBrk="1" latinLnBrk="0" hangingPunct="1">
-              <a:defRPr sz="1200" kern="1200">
-                <a:solidFill>
-                  <a:schemeClr val="tx1">
-                    <a:tint val="75000"/>
-                  </a:schemeClr>
-                </a:solidFill>
-                <a:latin typeface="+mn-lt"/>
-                <a:ea typeface="+mn-ea"/>
-                <a:cs typeface="+mn-cs"/>
-              </a:defRPr>
-            </a:lvl1pPr>
-            <a:lvl2pPr marL="457200" algn="l" defTabSz="914400" rtl="0" eaLnBrk="1" latinLnBrk="0" hangingPunct="1">
-              <a:defRPr sz="1800" kern="1200">
-                <a:solidFill>
-                  <a:schemeClr val="tx1"/>
-                </a:solidFill>
-                <a:latin typeface="+mn-lt"/>
-                <a:ea typeface="+mn-ea"/>
-                <a:cs typeface="+mn-cs"/>
-              </a:defRPr>
-            </a:lvl2pPr>
-            <a:lvl3pPr marL="914400" algn="l" defTabSz="914400" rtl="0" eaLnBrk="1" latinLnBrk="0" hangingPunct="1">
-              <a:defRPr sz="1800" kern="1200">
-                <a:solidFill>
-                  <a:schemeClr val="tx1"/>
-                </a:solidFill>
-                <a:latin typeface="+mn-lt"/>
-                <a:ea typeface="+mn-ea"/>
-                <a:cs typeface="+mn-cs"/>
-              </a:defRPr>
-            </a:lvl3pPr>
-            <a:lvl4pPr marL="1371600" algn="l" defTabSz="914400" rtl="0" eaLnBrk="1" latinLnBrk="0" hangingPunct="1">
-              <a:defRPr sz="1800" kern="1200">
-                <a:solidFill>
-                  <a:schemeClr val="tx1"/>
-                </a:solidFill>
-                <a:latin typeface="+mn-lt"/>
-                <a:ea typeface="+mn-ea"/>
-                <a:cs typeface="+mn-cs"/>
-              </a:defRPr>
-            </a:lvl4pPr>
-            <a:lvl5pPr marL="1828800" algn="l" defTabSz="914400" rtl="0" eaLnBrk="1" latinLnBrk="0" hangingPunct="1">
-              <a:defRPr sz="1800" kern="1200">
-                <a:solidFill>
-                  <a:schemeClr val="tx1"/>
-                </a:solidFill>
-                <a:latin typeface="+mn-lt"/>
-                <a:ea typeface="+mn-ea"/>
-                <a:cs typeface="+mn-cs"/>
-              </a:defRPr>
-            </a:lvl5pPr>
-            <a:lvl6pPr marL="2286000" algn="l" defTabSz="914400" rtl="0" eaLnBrk="1" latinLnBrk="0" hangingPunct="1">
-              <a:defRPr sz="1800" kern="1200">
-                <a:solidFill>
-                  <a:schemeClr val="tx1"/>
-                </a:solidFill>
-                <a:latin typeface="+mn-lt"/>
-                <a:ea typeface="+mn-ea"/>
-                <a:cs typeface="+mn-cs"/>
-              </a:defRPr>
-            </a:lvl6pPr>
-            <a:lvl7pPr marL="2743200" algn="l" defTabSz="914400" rtl="0" eaLnBrk="1" latinLnBrk="0" hangingPunct="1">
-              <a:defRPr sz="1800" kern="1200">
-                <a:solidFill>
-                  <a:schemeClr val="tx1"/>
-                </a:solidFill>
-                <a:latin typeface="+mn-lt"/>
-                <a:ea typeface="+mn-ea"/>
-                <a:cs typeface="+mn-cs"/>
-              </a:defRPr>
-            </a:lvl7pPr>
-            <a:lvl8pPr marL="3200400" algn="l" defTabSz="914400" rtl="0" eaLnBrk="1" latinLnBrk="0" hangingPunct="1">
-              <a:defRPr sz="1800" kern="1200">
-                <a:solidFill>
-                  <a:schemeClr val="tx1"/>
-                </a:solidFill>
-                <a:latin typeface="+mn-lt"/>
-                <a:ea typeface="+mn-ea"/>
-                <a:cs typeface="+mn-cs"/>
-              </a:defRPr>
-            </a:lvl8pPr>
-            <a:lvl9pPr marL="3657600" algn="l" defTabSz="914400" rtl="0" eaLnBrk="1" latinLnBrk="0" hangingPunct="1">
-              <a:defRPr sz="1800" kern="1200">
-                <a:solidFill>
-                  <a:schemeClr val="tx1"/>
-                </a:solidFill>
-                <a:latin typeface="+mn-lt"/>
-                <a:ea typeface="+mn-ea"/>
-                <a:cs typeface="+mn-cs"/>
-              </a:defRPr>
-            </a:lvl9pPr>
-          </a:lstStyle>
-          <a:p>
-            <a:fld id="{D4328D90-2A6F-4F23-88A8-C5DCC2B5F307}" type="slidenum">
-              <a:rPr lang="zh-TW" altLang="en-US" smtClean="0"/>
-              <a:pPr/>
-              <a:t>‹#›</a:t>
-            </a:fld>
-            <a:endParaRPr lang="zh-TW" altLang="en-US"/>
-          </a:p>
-        </p:txBody>
-      </p:sp>
-    </p:spTree>
-    <p:extLst>
-      <p:ext uri="{BB962C8B-B14F-4D97-AF65-F5344CB8AC3E}">
-        <p14:creationId xmlns:p14="http://schemas.microsoft.com/office/powerpoint/2010/main" val="2734476757"/>
-      </p:ext>
-    </p:extLst>
-  </p:cSld>
-  <p:clrMapOvr>
-    <a:masterClrMapping/>
-  </p:clrMapOvr>
-  <p:transition spd="slow">
-    <p:push dir="u"/>
-  </p:transition>
-</p:sldLayout>
-</file>
-
-<file path=ppt/slideLayouts/slideLayout12.xml><?xml version="1.0" encoding="utf-8"?>
-<p:sldLayout xmlns:a="http://schemas.openxmlformats.org/drawingml/2006/main" xmlns:r="http://schemas.openxmlformats.org/officeDocument/2006/relationships" xmlns:p="http://schemas.openxmlformats.org/presentationml/2006/main" preserve="1">
-  <p:cSld name="1_標題投影片">
-    <p:spTree>
-      <p:nvGrpSpPr>
-        <p:cNvPr id="1" name=""/>
-        <p:cNvGrpSpPr/>
-        <p:nvPr/>
-      </p:nvGrpSpPr>
-      <p:grpSpPr>
-        <a:xfrm>
-          <a:off x="0" y="0"/>
-          <a:ext cx="0" cy="0"/>
-          <a:chOff x="0" y="0"/>
-          <a:chExt cx="0" cy="0"/>
-        </a:xfrm>
-      </p:grpSpPr>
-      <p:sp>
-        <p:nvSpPr>
-          <p:cNvPr id="2" name="標題 1">
-            <a:extLst>
-              <a:ext uri="{FF2B5EF4-FFF2-40B4-BE49-F238E27FC236}">
-                <a16:creationId xmlns:a16="http://schemas.microsoft.com/office/drawing/2014/main" id="{2EB502BE-089D-4633-B90E-46A3D4FB7D4E}"/>
-              </a:ext>
-            </a:extLst>
-          </p:cNvPr>
-          <p:cNvSpPr>
-            <a:spLocks noGrp="1"/>
-          </p:cNvSpPr>
-          <p:nvPr>
-            <p:ph type="ctrTitle"/>
-          </p:nvPr>
-        </p:nvSpPr>
-        <p:spPr>
-          <a:xfrm>
-            <a:off x="1524000" y="1122363"/>
-            <a:ext cx="9144000" cy="2387600"/>
-          </a:xfrm>
-        </p:spPr>
-        <p:txBody>
-          <a:bodyPr anchor="b"/>
-          <a:lstStyle>
-            <a:lvl1pPr algn="ctr">
-              <a:defRPr sz="6000"/>
-            </a:lvl1pPr>
-          </a:lstStyle>
-          <a:p>
-            <a:r>
-              <a:rPr lang="zh-TW" altLang="en-US"/>
-              <a:t>按一下以編輯母片標題樣式</a:t>
-            </a:r>
-          </a:p>
-        </p:txBody>
-      </p:sp>
-      <p:sp>
-        <p:nvSpPr>
-          <p:cNvPr id="3" name="副標題 2">
-            <a:extLst>
-              <a:ext uri="{FF2B5EF4-FFF2-40B4-BE49-F238E27FC236}">
-                <a16:creationId xmlns:a16="http://schemas.microsoft.com/office/drawing/2014/main" id="{471674D0-0840-4D4C-93FB-3ABDEB2CAD45}"/>
-              </a:ext>
-            </a:extLst>
-          </p:cNvPr>
-          <p:cNvSpPr>
-            <a:spLocks noGrp="1"/>
-          </p:cNvSpPr>
-          <p:nvPr>
-            <p:ph type="subTitle" idx="1"/>
-          </p:nvPr>
-        </p:nvSpPr>
-        <p:spPr>
-          <a:xfrm>
-            <a:off x="1524000" y="3602038"/>
-            <a:ext cx="9144000" cy="1655762"/>
-          </a:xfrm>
-        </p:spPr>
-        <p:txBody>
-          <a:bodyPr/>
-          <a:lstStyle>
-            <a:lvl1pPr marL="0" indent="0" algn="ctr">
-              <a:buNone/>
-              <a:defRPr sz="2400"/>
-            </a:lvl1pPr>
-            <a:lvl2pPr marL="457200" indent="0" algn="ctr">
-              <a:buNone/>
-              <a:defRPr sz="2000"/>
-            </a:lvl2pPr>
-            <a:lvl3pPr marL="914400" indent="0" algn="ctr">
-              <a:buNone/>
-              <a:defRPr sz="1800"/>
-            </a:lvl3pPr>
-            <a:lvl4pPr marL="1371600" indent="0" algn="ctr">
-              <a:buNone/>
-              <a:defRPr sz="1600"/>
-            </a:lvl4pPr>
-            <a:lvl5pPr marL="1828800" indent="0" algn="ctr">
-              <a:buNone/>
-              <a:defRPr sz="1600"/>
-            </a:lvl5pPr>
-            <a:lvl6pPr marL="2286000" indent="0" algn="ctr">
-              <a:buNone/>
-              <a:defRPr sz="1600"/>
-            </a:lvl6pPr>
-            <a:lvl7pPr marL="2743200" indent="0" algn="ctr">
-              <a:buNone/>
-              <a:defRPr sz="1600"/>
-            </a:lvl7pPr>
-            <a:lvl8pPr marL="3200400" indent="0" algn="ctr">
-              <a:buNone/>
-              <a:defRPr sz="1600"/>
-            </a:lvl8pPr>
-            <a:lvl9pPr marL="3657600" indent="0" algn="ctr">
-              <a:buNone/>
-              <a:defRPr sz="1600"/>
-            </a:lvl9pPr>
-          </a:lstStyle>
-          <a:p>
-            <a:r>
-              <a:rPr lang="zh-TW" altLang="en-US"/>
-              <a:t>按一下以編輯母片子標題樣式</a:t>
-            </a:r>
-          </a:p>
-        </p:txBody>
-      </p:sp>
-    </p:spTree>
-    <p:extLst>
-      <p:ext uri="{BB962C8B-B14F-4D97-AF65-F5344CB8AC3E}">
-        <p14:creationId xmlns:p14="http://schemas.microsoft.com/office/powerpoint/2010/main" val="1697201830"/>
-      </p:ext>
-    </p:extLst>
-  </p:cSld>
-  <p:clrMapOvr>
-    <a:masterClrMapping/>
-  </p:clrMapOvr>
-  <p:transition spd="slow">
-    <p:push dir="u"/>
-  </p:transition>
-</p:sldLayout>
-</file>
-
-<file path=ppt/slideLayouts/slideLayout13.xml><?xml version="1.0" encoding="utf-8"?>
-<p:sldLayout xmlns:a="http://schemas.openxmlformats.org/drawingml/2006/main" xmlns:r="http://schemas.openxmlformats.org/officeDocument/2006/relationships" xmlns:p="http://schemas.openxmlformats.org/presentationml/2006/main" preserve="1" userDrawn="1">
-  <p:cSld name="2_標題投影片">
-    <p:spTree>
-      <p:nvGrpSpPr>
-        <p:cNvPr id="1" name=""/>
-        <p:cNvGrpSpPr/>
-        <p:nvPr/>
-      </p:nvGrpSpPr>
-      <p:grpSpPr>
-        <a:xfrm>
-          <a:off x="0" y="0"/>
-          <a:ext cx="0" cy="0"/>
-          <a:chOff x="0" y="0"/>
-          <a:chExt cx="0" cy="0"/>
-        </a:xfrm>
-      </p:grpSpPr>
-      <p:sp>
-        <p:nvSpPr>
-          <p:cNvPr id="2" name="標題 1">
-            <a:extLst>
-              <a:ext uri="{FF2B5EF4-FFF2-40B4-BE49-F238E27FC236}">
-                <a16:creationId xmlns:a16="http://schemas.microsoft.com/office/drawing/2014/main" id="{2EB502BE-089D-4633-B90E-46A3D4FB7D4E}"/>
-              </a:ext>
-            </a:extLst>
-          </p:cNvPr>
-          <p:cNvSpPr>
-            <a:spLocks noGrp="1"/>
-          </p:cNvSpPr>
-          <p:nvPr>
-            <p:ph type="ctrTitle"/>
-          </p:nvPr>
-        </p:nvSpPr>
-        <p:spPr>
-          <a:xfrm>
-            <a:off x="1524000" y="1122363"/>
-            <a:ext cx="9144000" cy="2387600"/>
-          </a:xfrm>
-        </p:spPr>
-        <p:txBody>
-          <a:bodyPr anchor="b"/>
-          <a:lstStyle>
-            <a:lvl1pPr algn="ctr">
-              <a:defRPr sz="6000"/>
-            </a:lvl1pPr>
-          </a:lstStyle>
-          <a:p>
-            <a:r>
-              <a:rPr lang="zh-TW" altLang="en-US"/>
-              <a:t>按一下以編輯母片標題樣式</a:t>
-            </a:r>
-          </a:p>
-        </p:txBody>
-      </p:sp>
-      <p:sp>
-        <p:nvSpPr>
-          <p:cNvPr id="3" name="副標題 2">
-            <a:extLst>
-              <a:ext uri="{FF2B5EF4-FFF2-40B4-BE49-F238E27FC236}">
-                <a16:creationId xmlns:a16="http://schemas.microsoft.com/office/drawing/2014/main" id="{471674D0-0840-4D4C-93FB-3ABDEB2CAD45}"/>
-              </a:ext>
-            </a:extLst>
-          </p:cNvPr>
-          <p:cNvSpPr>
-            <a:spLocks noGrp="1"/>
-          </p:cNvSpPr>
-          <p:nvPr>
-            <p:ph type="subTitle" idx="1"/>
-          </p:nvPr>
-        </p:nvSpPr>
-        <p:spPr>
-          <a:xfrm>
-            <a:off x="1524000" y="3602038"/>
-            <a:ext cx="9144000" cy="1655762"/>
-          </a:xfrm>
-        </p:spPr>
-        <p:txBody>
-          <a:bodyPr/>
-          <a:lstStyle>
-            <a:lvl1pPr marL="0" indent="0" algn="ctr">
-              <a:buNone/>
-              <a:defRPr sz="2400"/>
-            </a:lvl1pPr>
-            <a:lvl2pPr marL="457200" indent="0" algn="ctr">
-              <a:buNone/>
-              <a:defRPr sz="2000"/>
-            </a:lvl2pPr>
-            <a:lvl3pPr marL="914400" indent="0" algn="ctr">
-              <a:buNone/>
-              <a:defRPr sz="1800"/>
-            </a:lvl3pPr>
-            <a:lvl4pPr marL="1371600" indent="0" algn="ctr">
-              <a:buNone/>
-              <a:defRPr sz="1600"/>
-            </a:lvl4pPr>
-            <a:lvl5pPr marL="1828800" indent="0" algn="ctr">
-              <a:buNone/>
-              <a:defRPr sz="1600"/>
-            </a:lvl5pPr>
-            <a:lvl6pPr marL="2286000" indent="0" algn="ctr">
-              <a:buNone/>
-              <a:defRPr sz="1600"/>
-            </a:lvl6pPr>
-            <a:lvl7pPr marL="2743200" indent="0" algn="ctr">
-              <a:buNone/>
-              <a:defRPr sz="1600"/>
-            </a:lvl7pPr>
-            <a:lvl8pPr marL="3200400" indent="0" algn="ctr">
-              <a:buNone/>
-              <a:defRPr sz="1600"/>
-            </a:lvl8pPr>
-            <a:lvl9pPr marL="3657600" indent="0" algn="ctr">
-              <a:buNone/>
-              <a:defRPr sz="1600"/>
-            </a:lvl9pPr>
-          </a:lstStyle>
-          <a:p>
-            <a:r>
-              <a:rPr lang="zh-TW" altLang="en-US"/>
-              <a:t>按一下以編輯母片子標題樣式</a:t>
-            </a:r>
-          </a:p>
-        </p:txBody>
-      </p:sp>
-    </p:spTree>
-    <p:extLst>
-      <p:ext uri="{BB962C8B-B14F-4D97-AF65-F5344CB8AC3E}">
-        <p14:creationId xmlns:p14="http://schemas.microsoft.com/office/powerpoint/2010/main" val="19517535"/>
+        <p14:creationId xmlns:p14="http://schemas.microsoft.com/office/powerpoint/2010/main" val="129798107"/>
       </p:ext>
     </p:extLst>
   </p:cSld>
@@ -2303,7 +1245,7 @@
     </p:spTree>
     <p:extLst>
       <p:ext uri="{BB962C8B-B14F-4D97-AF65-F5344CB8AC3E}">
-        <p14:creationId xmlns:p14="http://schemas.microsoft.com/office/powerpoint/2010/main" val="1304497826"/>
+        <p14:creationId xmlns:p14="http://schemas.microsoft.com/office/powerpoint/2010/main" val="1901648936"/>
       </p:ext>
     </p:extLst>
   </p:cSld>
@@ -2317,1516 +1259,6 @@
 </file>
 
 <file path=ppt/slideLayouts/slideLayout3.xml><?xml version="1.0" encoding="utf-8"?>
-<p:sldLayout xmlns:a="http://schemas.openxmlformats.org/drawingml/2006/main" xmlns:r="http://schemas.openxmlformats.org/officeDocument/2006/relationships" xmlns:p="http://schemas.openxmlformats.org/presentationml/2006/main" type="secHead" preserve="1">
-  <p:cSld name="章節標題">
-    <p:spTree>
-      <p:nvGrpSpPr>
-        <p:cNvPr id="1" name=""/>
-        <p:cNvGrpSpPr/>
-        <p:nvPr/>
-      </p:nvGrpSpPr>
-      <p:grpSpPr>
-        <a:xfrm>
-          <a:off x="0" y="0"/>
-          <a:ext cx="0" cy="0"/>
-          <a:chOff x="0" y="0"/>
-          <a:chExt cx="0" cy="0"/>
-        </a:xfrm>
-      </p:grpSpPr>
-      <p:sp>
-        <p:nvSpPr>
-          <p:cNvPr id="2" name="標題 1">
-            <a:extLst>
-              <a:ext uri="{FF2B5EF4-FFF2-40B4-BE49-F238E27FC236}">
-                <a16:creationId xmlns:a16="http://schemas.microsoft.com/office/drawing/2014/main" id="{CE768223-9832-40C6-9F3C-AE20E7AB8621}"/>
-              </a:ext>
-            </a:extLst>
-          </p:cNvPr>
-          <p:cNvSpPr>
-            <a:spLocks noGrp="1"/>
-          </p:cNvSpPr>
-          <p:nvPr>
-            <p:ph type="title"/>
-          </p:nvPr>
-        </p:nvSpPr>
-        <p:spPr>
-          <a:xfrm>
-            <a:off x="831850" y="1709738"/>
-            <a:ext cx="10515600" cy="2852737"/>
-          </a:xfrm>
-        </p:spPr>
-        <p:txBody>
-          <a:bodyPr anchor="b"/>
-          <a:lstStyle>
-            <a:lvl1pPr>
-              <a:defRPr sz="6000"/>
-            </a:lvl1pPr>
-          </a:lstStyle>
-          <a:p>
-            <a:r>
-              <a:rPr lang="zh-TW" altLang="en-US"/>
-              <a:t>按一下以編輯母片標題樣式</a:t>
-            </a:r>
-          </a:p>
-        </p:txBody>
-      </p:sp>
-      <p:sp>
-        <p:nvSpPr>
-          <p:cNvPr id="3" name="文字版面配置區 2">
-            <a:extLst>
-              <a:ext uri="{FF2B5EF4-FFF2-40B4-BE49-F238E27FC236}">
-                <a16:creationId xmlns:a16="http://schemas.microsoft.com/office/drawing/2014/main" id="{0DA52283-8089-4430-AD3E-3D1C2559F3A0}"/>
-              </a:ext>
-            </a:extLst>
-          </p:cNvPr>
-          <p:cNvSpPr>
-            <a:spLocks noGrp="1"/>
-          </p:cNvSpPr>
-          <p:nvPr>
-            <p:ph type="body" idx="1"/>
-          </p:nvPr>
-        </p:nvSpPr>
-        <p:spPr>
-          <a:xfrm>
-            <a:off x="831850" y="4589463"/>
-            <a:ext cx="10515600" cy="1500187"/>
-          </a:xfrm>
-        </p:spPr>
-        <p:txBody>
-          <a:bodyPr/>
-          <a:lstStyle>
-            <a:lvl1pPr marL="0" indent="0">
-              <a:buNone/>
-              <a:defRPr sz="2400">
-                <a:solidFill>
-                  <a:schemeClr val="tx1">
-                    <a:tint val="75000"/>
-                  </a:schemeClr>
-                </a:solidFill>
-              </a:defRPr>
-            </a:lvl1pPr>
-            <a:lvl2pPr marL="457200" indent="0">
-              <a:buNone/>
-              <a:defRPr sz="2000">
-                <a:solidFill>
-                  <a:schemeClr val="tx1">
-                    <a:tint val="75000"/>
-                  </a:schemeClr>
-                </a:solidFill>
-              </a:defRPr>
-            </a:lvl2pPr>
-            <a:lvl3pPr marL="914400" indent="0">
-              <a:buNone/>
-              <a:defRPr sz="1800">
-                <a:solidFill>
-                  <a:schemeClr val="tx1">
-                    <a:tint val="75000"/>
-                  </a:schemeClr>
-                </a:solidFill>
-              </a:defRPr>
-            </a:lvl3pPr>
-            <a:lvl4pPr marL="1371600" indent="0">
-              <a:buNone/>
-              <a:defRPr sz="1600">
-                <a:solidFill>
-                  <a:schemeClr val="tx1">
-                    <a:tint val="75000"/>
-                  </a:schemeClr>
-                </a:solidFill>
-              </a:defRPr>
-            </a:lvl4pPr>
-            <a:lvl5pPr marL="1828800" indent="0">
-              <a:buNone/>
-              <a:defRPr sz="1600">
-                <a:solidFill>
-                  <a:schemeClr val="tx1">
-                    <a:tint val="75000"/>
-                  </a:schemeClr>
-                </a:solidFill>
-              </a:defRPr>
-            </a:lvl5pPr>
-            <a:lvl6pPr marL="2286000" indent="0">
-              <a:buNone/>
-              <a:defRPr sz="1600">
-                <a:solidFill>
-                  <a:schemeClr val="tx1">
-                    <a:tint val="75000"/>
-                  </a:schemeClr>
-                </a:solidFill>
-              </a:defRPr>
-            </a:lvl6pPr>
-            <a:lvl7pPr marL="2743200" indent="0">
-              <a:buNone/>
-              <a:defRPr sz="1600">
-                <a:solidFill>
-                  <a:schemeClr val="tx1">
-                    <a:tint val="75000"/>
-                  </a:schemeClr>
-                </a:solidFill>
-              </a:defRPr>
-            </a:lvl7pPr>
-            <a:lvl8pPr marL="3200400" indent="0">
-              <a:buNone/>
-              <a:defRPr sz="1600">
-                <a:solidFill>
-                  <a:schemeClr val="tx1">
-                    <a:tint val="75000"/>
-                  </a:schemeClr>
-                </a:solidFill>
-              </a:defRPr>
-            </a:lvl8pPr>
-            <a:lvl9pPr marL="3657600" indent="0">
-              <a:buNone/>
-              <a:defRPr sz="1600">
-                <a:solidFill>
-                  <a:schemeClr val="tx1">
-                    <a:tint val="75000"/>
-                  </a:schemeClr>
-                </a:solidFill>
-              </a:defRPr>
-            </a:lvl9pPr>
-          </a:lstStyle>
-          <a:p>
-            <a:pPr lvl="0"/>
-            <a:r>
-              <a:rPr lang="zh-TW" altLang="en-US"/>
-              <a:t>按一下以編輯母片文字樣式</a:t>
-            </a:r>
-          </a:p>
-        </p:txBody>
-      </p:sp>
-      <p:sp>
-        <p:nvSpPr>
-          <p:cNvPr id="7" name="頁尾版面配置區 4">
-            <a:extLst>
-              <a:ext uri="{FF2B5EF4-FFF2-40B4-BE49-F238E27FC236}">
-                <a16:creationId xmlns:a16="http://schemas.microsoft.com/office/drawing/2014/main" id="{FD7123E0-421B-4835-AD6B-2FDC040BCC53}"/>
-              </a:ext>
-            </a:extLst>
-          </p:cNvPr>
-          <p:cNvSpPr txBox="1">
-            <a:spLocks/>
-          </p:cNvSpPr>
-          <p:nvPr/>
-        </p:nvSpPr>
-        <p:spPr>
-          <a:xfrm>
-            <a:off x="0" y="6492875"/>
-            <a:ext cx="2743200" cy="365125"/>
-          </a:xfrm>
-          <a:prstGeom prst="rect">
-            <a:avLst/>
-          </a:prstGeom>
-        </p:spPr>
-        <p:txBody>
-          <a:bodyPr vert="horz" lIns="91440" tIns="45720" rIns="91440" bIns="45720" rtlCol="0" anchor="ctr"/>
-          <a:lstStyle>
-            <a:defPPr>
-              <a:defRPr lang="zh-TW"/>
-            </a:defPPr>
-            <a:lvl1pPr marL="0" algn="l" defTabSz="914400" rtl="0" eaLnBrk="1" latinLnBrk="0" hangingPunct="1">
-              <a:defRPr sz="1200" kern="1200">
-                <a:solidFill>
-                  <a:schemeClr val="tx1">
-                    <a:tint val="75000"/>
-                  </a:schemeClr>
-                </a:solidFill>
-                <a:latin typeface="+mn-lt"/>
-                <a:ea typeface="+mn-ea"/>
-                <a:cs typeface="+mn-cs"/>
-              </a:defRPr>
-            </a:lvl1pPr>
-            <a:lvl2pPr marL="457200" algn="l" defTabSz="914400" rtl="0" eaLnBrk="1" latinLnBrk="0" hangingPunct="1">
-              <a:defRPr sz="1800" kern="1200">
-                <a:solidFill>
-                  <a:schemeClr val="tx1"/>
-                </a:solidFill>
-                <a:latin typeface="+mn-lt"/>
-                <a:ea typeface="+mn-ea"/>
-                <a:cs typeface="+mn-cs"/>
-              </a:defRPr>
-            </a:lvl2pPr>
-            <a:lvl3pPr marL="914400" algn="l" defTabSz="914400" rtl="0" eaLnBrk="1" latinLnBrk="0" hangingPunct="1">
-              <a:defRPr sz="1800" kern="1200">
-                <a:solidFill>
-                  <a:schemeClr val="tx1"/>
-                </a:solidFill>
-                <a:latin typeface="+mn-lt"/>
-                <a:ea typeface="+mn-ea"/>
-                <a:cs typeface="+mn-cs"/>
-              </a:defRPr>
-            </a:lvl3pPr>
-            <a:lvl4pPr marL="1371600" algn="l" defTabSz="914400" rtl="0" eaLnBrk="1" latinLnBrk="0" hangingPunct="1">
-              <a:defRPr sz="1800" kern="1200">
-                <a:solidFill>
-                  <a:schemeClr val="tx1"/>
-                </a:solidFill>
-                <a:latin typeface="+mn-lt"/>
-                <a:ea typeface="+mn-ea"/>
-                <a:cs typeface="+mn-cs"/>
-              </a:defRPr>
-            </a:lvl4pPr>
-            <a:lvl5pPr marL="1828800" algn="l" defTabSz="914400" rtl="0" eaLnBrk="1" latinLnBrk="0" hangingPunct="1">
-              <a:defRPr sz="1800" kern="1200">
-                <a:solidFill>
-                  <a:schemeClr val="tx1"/>
-                </a:solidFill>
-                <a:latin typeface="+mn-lt"/>
-                <a:ea typeface="+mn-ea"/>
-                <a:cs typeface="+mn-cs"/>
-              </a:defRPr>
-            </a:lvl5pPr>
-            <a:lvl6pPr marL="2286000" algn="l" defTabSz="914400" rtl="0" eaLnBrk="1" latinLnBrk="0" hangingPunct="1">
-              <a:defRPr sz="1800" kern="1200">
-                <a:solidFill>
-                  <a:schemeClr val="tx1"/>
-                </a:solidFill>
-                <a:latin typeface="+mn-lt"/>
-                <a:ea typeface="+mn-ea"/>
-                <a:cs typeface="+mn-cs"/>
-              </a:defRPr>
-            </a:lvl6pPr>
-            <a:lvl7pPr marL="2743200" algn="l" defTabSz="914400" rtl="0" eaLnBrk="1" latinLnBrk="0" hangingPunct="1">
-              <a:defRPr sz="1800" kern="1200">
-                <a:solidFill>
-                  <a:schemeClr val="tx1"/>
-                </a:solidFill>
-                <a:latin typeface="+mn-lt"/>
-                <a:ea typeface="+mn-ea"/>
-                <a:cs typeface="+mn-cs"/>
-              </a:defRPr>
-            </a:lvl7pPr>
-            <a:lvl8pPr marL="3200400" algn="l" defTabSz="914400" rtl="0" eaLnBrk="1" latinLnBrk="0" hangingPunct="1">
-              <a:defRPr sz="1800" kern="1200">
-                <a:solidFill>
-                  <a:schemeClr val="tx1"/>
-                </a:solidFill>
-                <a:latin typeface="+mn-lt"/>
-                <a:ea typeface="+mn-ea"/>
-                <a:cs typeface="+mn-cs"/>
-              </a:defRPr>
-            </a:lvl8pPr>
-            <a:lvl9pPr marL="3657600" algn="l" defTabSz="914400" rtl="0" eaLnBrk="1" latinLnBrk="0" hangingPunct="1">
-              <a:defRPr sz="1800" kern="1200">
-                <a:solidFill>
-                  <a:schemeClr val="tx1"/>
-                </a:solidFill>
-                <a:latin typeface="+mn-lt"/>
-                <a:ea typeface="+mn-ea"/>
-                <a:cs typeface="+mn-cs"/>
-              </a:defRPr>
-            </a:lvl9pPr>
-          </a:lstStyle>
-          <a:p>
-            <a:r>
-              <a:rPr lang="en-US" altLang="zh-TW"/>
-              <a:t>TYIC</a:t>
-            </a:r>
-            <a:r>
-              <a:rPr lang="zh-TW" altLang="en-US"/>
-              <a:t> 桃高資訊社</a:t>
-            </a:r>
-          </a:p>
-        </p:txBody>
-      </p:sp>
-      <p:sp>
-        <p:nvSpPr>
-          <p:cNvPr id="8" name="投影片編號版面配置區 5">
-            <a:extLst>
-              <a:ext uri="{FF2B5EF4-FFF2-40B4-BE49-F238E27FC236}">
-                <a16:creationId xmlns:a16="http://schemas.microsoft.com/office/drawing/2014/main" id="{013C5E04-2F03-430B-BA13-D3137E372625}"/>
-              </a:ext>
-            </a:extLst>
-          </p:cNvPr>
-          <p:cNvSpPr txBox="1">
-            <a:spLocks/>
-          </p:cNvSpPr>
-          <p:nvPr/>
-        </p:nvSpPr>
-        <p:spPr>
-          <a:xfrm>
-            <a:off x="9448800" y="6492874"/>
-            <a:ext cx="2743200" cy="365125"/>
-          </a:xfrm>
-          <a:prstGeom prst="rect">
-            <a:avLst/>
-          </a:prstGeom>
-        </p:spPr>
-        <p:txBody>
-          <a:bodyPr vert="horz" lIns="91440" tIns="45720" rIns="91440" bIns="45720" rtlCol="0" anchor="ctr"/>
-          <a:lstStyle>
-            <a:defPPr>
-              <a:defRPr lang="zh-TW"/>
-            </a:defPPr>
-            <a:lvl1pPr marL="0" algn="r" defTabSz="914400" rtl="0" eaLnBrk="1" latinLnBrk="0" hangingPunct="1">
-              <a:defRPr sz="1200" kern="1200">
-                <a:solidFill>
-                  <a:schemeClr val="tx1">
-                    <a:tint val="75000"/>
-                  </a:schemeClr>
-                </a:solidFill>
-                <a:latin typeface="+mn-lt"/>
-                <a:ea typeface="+mn-ea"/>
-                <a:cs typeface="+mn-cs"/>
-              </a:defRPr>
-            </a:lvl1pPr>
-            <a:lvl2pPr marL="457200" algn="l" defTabSz="914400" rtl="0" eaLnBrk="1" latinLnBrk="0" hangingPunct="1">
-              <a:defRPr sz="1800" kern="1200">
-                <a:solidFill>
-                  <a:schemeClr val="tx1"/>
-                </a:solidFill>
-                <a:latin typeface="+mn-lt"/>
-                <a:ea typeface="+mn-ea"/>
-                <a:cs typeface="+mn-cs"/>
-              </a:defRPr>
-            </a:lvl2pPr>
-            <a:lvl3pPr marL="914400" algn="l" defTabSz="914400" rtl="0" eaLnBrk="1" latinLnBrk="0" hangingPunct="1">
-              <a:defRPr sz="1800" kern="1200">
-                <a:solidFill>
-                  <a:schemeClr val="tx1"/>
-                </a:solidFill>
-                <a:latin typeface="+mn-lt"/>
-                <a:ea typeface="+mn-ea"/>
-                <a:cs typeface="+mn-cs"/>
-              </a:defRPr>
-            </a:lvl3pPr>
-            <a:lvl4pPr marL="1371600" algn="l" defTabSz="914400" rtl="0" eaLnBrk="1" latinLnBrk="0" hangingPunct="1">
-              <a:defRPr sz="1800" kern="1200">
-                <a:solidFill>
-                  <a:schemeClr val="tx1"/>
-                </a:solidFill>
-                <a:latin typeface="+mn-lt"/>
-                <a:ea typeface="+mn-ea"/>
-                <a:cs typeface="+mn-cs"/>
-              </a:defRPr>
-            </a:lvl4pPr>
-            <a:lvl5pPr marL="1828800" algn="l" defTabSz="914400" rtl="0" eaLnBrk="1" latinLnBrk="0" hangingPunct="1">
-              <a:defRPr sz="1800" kern="1200">
-                <a:solidFill>
-                  <a:schemeClr val="tx1"/>
-                </a:solidFill>
-                <a:latin typeface="+mn-lt"/>
-                <a:ea typeface="+mn-ea"/>
-                <a:cs typeface="+mn-cs"/>
-              </a:defRPr>
-            </a:lvl5pPr>
-            <a:lvl6pPr marL="2286000" algn="l" defTabSz="914400" rtl="0" eaLnBrk="1" latinLnBrk="0" hangingPunct="1">
-              <a:defRPr sz="1800" kern="1200">
-                <a:solidFill>
-                  <a:schemeClr val="tx1"/>
-                </a:solidFill>
-                <a:latin typeface="+mn-lt"/>
-                <a:ea typeface="+mn-ea"/>
-                <a:cs typeface="+mn-cs"/>
-              </a:defRPr>
-            </a:lvl6pPr>
-            <a:lvl7pPr marL="2743200" algn="l" defTabSz="914400" rtl="0" eaLnBrk="1" latinLnBrk="0" hangingPunct="1">
-              <a:defRPr sz="1800" kern="1200">
-                <a:solidFill>
-                  <a:schemeClr val="tx1"/>
-                </a:solidFill>
-                <a:latin typeface="+mn-lt"/>
-                <a:ea typeface="+mn-ea"/>
-                <a:cs typeface="+mn-cs"/>
-              </a:defRPr>
-            </a:lvl7pPr>
-            <a:lvl8pPr marL="3200400" algn="l" defTabSz="914400" rtl="0" eaLnBrk="1" latinLnBrk="0" hangingPunct="1">
-              <a:defRPr sz="1800" kern="1200">
-                <a:solidFill>
-                  <a:schemeClr val="tx1"/>
-                </a:solidFill>
-                <a:latin typeface="+mn-lt"/>
-                <a:ea typeface="+mn-ea"/>
-                <a:cs typeface="+mn-cs"/>
-              </a:defRPr>
-            </a:lvl8pPr>
-            <a:lvl9pPr marL="3657600" algn="l" defTabSz="914400" rtl="0" eaLnBrk="1" latinLnBrk="0" hangingPunct="1">
-              <a:defRPr sz="1800" kern="1200">
-                <a:solidFill>
-                  <a:schemeClr val="tx1"/>
-                </a:solidFill>
-                <a:latin typeface="+mn-lt"/>
-                <a:ea typeface="+mn-ea"/>
-                <a:cs typeface="+mn-cs"/>
-              </a:defRPr>
-            </a:lvl9pPr>
-          </a:lstStyle>
-          <a:p>
-            <a:fld id="{D4328D90-2A6F-4F23-88A8-C5DCC2B5F307}" type="slidenum">
-              <a:rPr lang="zh-TW" altLang="en-US" smtClean="0"/>
-              <a:pPr/>
-              <a:t>‹#›</a:t>
-            </a:fld>
-            <a:endParaRPr lang="zh-TW" altLang="en-US"/>
-          </a:p>
-        </p:txBody>
-      </p:sp>
-    </p:spTree>
-    <p:extLst>
-      <p:ext uri="{BB962C8B-B14F-4D97-AF65-F5344CB8AC3E}">
-        <p14:creationId xmlns:p14="http://schemas.microsoft.com/office/powerpoint/2010/main" val="800568142"/>
-      </p:ext>
-    </p:extLst>
-  </p:cSld>
-  <p:clrMapOvr>
-    <a:masterClrMapping/>
-  </p:clrMapOvr>
-  <p:transition spd="slow">
-    <p:push dir="u"/>
-  </p:transition>
-</p:sldLayout>
-</file>
-
-<file path=ppt/slideLayouts/slideLayout4.xml><?xml version="1.0" encoding="utf-8"?>
-<p:sldLayout xmlns:a="http://schemas.openxmlformats.org/drawingml/2006/main" xmlns:r="http://schemas.openxmlformats.org/officeDocument/2006/relationships" xmlns:p="http://schemas.openxmlformats.org/presentationml/2006/main" type="twoObj" preserve="1">
-  <p:cSld name="兩個內容">
-    <p:spTree>
-      <p:nvGrpSpPr>
-        <p:cNvPr id="1" name=""/>
-        <p:cNvGrpSpPr/>
-        <p:nvPr/>
-      </p:nvGrpSpPr>
-      <p:grpSpPr>
-        <a:xfrm>
-          <a:off x="0" y="0"/>
-          <a:ext cx="0" cy="0"/>
-          <a:chOff x="0" y="0"/>
-          <a:chExt cx="0" cy="0"/>
-        </a:xfrm>
-      </p:grpSpPr>
-      <p:sp>
-        <p:nvSpPr>
-          <p:cNvPr id="2" name="標題 1">
-            <a:extLst>
-              <a:ext uri="{FF2B5EF4-FFF2-40B4-BE49-F238E27FC236}">
-                <a16:creationId xmlns:a16="http://schemas.microsoft.com/office/drawing/2014/main" id="{98909132-6CD8-4DB4-8922-349AAC7CBF28}"/>
-              </a:ext>
-            </a:extLst>
-          </p:cNvPr>
-          <p:cNvSpPr>
-            <a:spLocks noGrp="1"/>
-          </p:cNvSpPr>
-          <p:nvPr>
-            <p:ph type="title"/>
-          </p:nvPr>
-        </p:nvSpPr>
-        <p:spPr/>
-        <p:txBody>
-          <a:bodyPr/>
-          <a:lstStyle/>
-          <a:p>
-            <a:r>
-              <a:rPr lang="zh-TW" altLang="en-US"/>
-              <a:t>按一下以編輯母片標題樣式</a:t>
-            </a:r>
-          </a:p>
-        </p:txBody>
-      </p:sp>
-      <p:sp>
-        <p:nvSpPr>
-          <p:cNvPr id="3" name="內容版面配置區 2">
-            <a:extLst>
-              <a:ext uri="{FF2B5EF4-FFF2-40B4-BE49-F238E27FC236}">
-                <a16:creationId xmlns:a16="http://schemas.microsoft.com/office/drawing/2014/main" id="{EB255D59-E76E-4ADA-A943-4A398DF946C0}"/>
-              </a:ext>
-            </a:extLst>
-          </p:cNvPr>
-          <p:cNvSpPr>
-            <a:spLocks noGrp="1"/>
-          </p:cNvSpPr>
-          <p:nvPr>
-            <p:ph sz="half" idx="1"/>
-          </p:nvPr>
-        </p:nvSpPr>
-        <p:spPr>
-          <a:xfrm>
-            <a:off x="838200" y="1825625"/>
-            <a:ext cx="5181600" cy="4351338"/>
-          </a:xfrm>
-        </p:spPr>
-        <p:txBody>
-          <a:bodyPr/>
-          <a:lstStyle/>
-          <a:p>
-            <a:pPr lvl="0"/>
-            <a:r>
-              <a:rPr lang="zh-TW" altLang="en-US"/>
-              <a:t>按一下以編輯母片文字樣式</a:t>
-            </a:r>
-          </a:p>
-          <a:p>
-            <a:pPr lvl="1"/>
-            <a:r>
-              <a:rPr lang="zh-TW" altLang="en-US"/>
-              <a:t>第二層</a:t>
-            </a:r>
-          </a:p>
-          <a:p>
-            <a:pPr lvl="2"/>
-            <a:r>
-              <a:rPr lang="zh-TW" altLang="en-US"/>
-              <a:t>第三層</a:t>
-            </a:r>
-          </a:p>
-          <a:p>
-            <a:pPr lvl="3"/>
-            <a:r>
-              <a:rPr lang="zh-TW" altLang="en-US"/>
-              <a:t>第四層</a:t>
-            </a:r>
-          </a:p>
-          <a:p>
-            <a:pPr lvl="4"/>
-            <a:r>
-              <a:rPr lang="zh-TW" altLang="en-US"/>
-              <a:t>第五層</a:t>
-            </a:r>
-          </a:p>
-        </p:txBody>
-      </p:sp>
-      <p:sp>
-        <p:nvSpPr>
-          <p:cNvPr id="4" name="內容版面配置區 3">
-            <a:extLst>
-              <a:ext uri="{FF2B5EF4-FFF2-40B4-BE49-F238E27FC236}">
-                <a16:creationId xmlns:a16="http://schemas.microsoft.com/office/drawing/2014/main" id="{28909BA4-D9F5-4D3A-8AF7-74A53147863D}"/>
-              </a:ext>
-            </a:extLst>
-          </p:cNvPr>
-          <p:cNvSpPr>
-            <a:spLocks noGrp="1"/>
-          </p:cNvSpPr>
-          <p:nvPr>
-            <p:ph sz="half" idx="2"/>
-          </p:nvPr>
-        </p:nvSpPr>
-        <p:spPr>
-          <a:xfrm>
-            <a:off x="6172200" y="1825625"/>
-            <a:ext cx="5181600" cy="4351338"/>
-          </a:xfrm>
-        </p:spPr>
-        <p:txBody>
-          <a:bodyPr/>
-          <a:lstStyle/>
-          <a:p>
-            <a:pPr lvl="0"/>
-            <a:r>
-              <a:rPr lang="zh-TW" altLang="en-US"/>
-              <a:t>按一下以編輯母片文字樣式</a:t>
-            </a:r>
-          </a:p>
-          <a:p>
-            <a:pPr lvl="1"/>
-            <a:r>
-              <a:rPr lang="zh-TW" altLang="en-US"/>
-              <a:t>第二層</a:t>
-            </a:r>
-          </a:p>
-          <a:p>
-            <a:pPr lvl="2"/>
-            <a:r>
-              <a:rPr lang="zh-TW" altLang="en-US"/>
-              <a:t>第三層</a:t>
-            </a:r>
-          </a:p>
-          <a:p>
-            <a:pPr lvl="3"/>
-            <a:r>
-              <a:rPr lang="zh-TW" altLang="en-US"/>
-              <a:t>第四層</a:t>
-            </a:r>
-          </a:p>
-          <a:p>
-            <a:pPr lvl="4"/>
-            <a:r>
-              <a:rPr lang="zh-TW" altLang="en-US"/>
-              <a:t>第五層</a:t>
-            </a:r>
-          </a:p>
-        </p:txBody>
-      </p:sp>
-      <p:sp>
-        <p:nvSpPr>
-          <p:cNvPr id="8" name="頁尾版面配置區 4">
-            <a:extLst>
-              <a:ext uri="{FF2B5EF4-FFF2-40B4-BE49-F238E27FC236}">
-                <a16:creationId xmlns:a16="http://schemas.microsoft.com/office/drawing/2014/main" id="{260865D4-10BE-42AB-942E-8A6A7231E073}"/>
-              </a:ext>
-            </a:extLst>
-          </p:cNvPr>
-          <p:cNvSpPr txBox="1">
-            <a:spLocks/>
-          </p:cNvSpPr>
-          <p:nvPr/>
-        </p:nvSpPr>
-        <p:spPr>
-          <a:xfrm>
-            <a:off x="0" y="6492875"/>
-            <a:ext cx="2743200" cy="365125"/>
-          </a:xfrm>
-          <a:prstGeom prst="rect">
-            <a:avLst/>
-          </a:prstGeom>
-        </p:spPr>
-        <p:txBody>
-          <a:bodyPr vert="horz" lIns="91440" tIns="45720" rIns="91440" bIns="45720" rtlCol="0" anchor="ctr"/>
-          <a:lstStyle>
-            <a:defPPr>
-              <a:defRPr lang="zh-TW"/>
-            </a:defPPr>
-            <a:lvl1pPr marL="0" algn="l" defTabSz="914400" rtl="0" eaLnBrk="1" latinLnBrk="0" hangingPunct="1">
-              <a:defRPr sz="1200" kern="1200">
-                <a:solidFill>
-                  <a:schemeClr val="tx1">
-                    <a:tint val="75000"/>
-                  </a:schemeClr>
-                </a:solidFill>
-                <a:latin typeface="+mn-lt"/>
-                <a:ea typeface="+mn-ea"/>
-                <a:cs typeface="+mn-cs"/>
-              </a:defRPr>
-            </a:lvl1pPr>
-            <a:lvl2pPr marL="457200" algn="l" defTabSz="914400" rtl="0" eaLnBrk="1" latinLnBrk="0" hangingPunct="1">
-              <a:defRPr sz="1800" kern="1200">
-                <a:solidFill>
-                  <a:schemeClr val="tx1"/>
-                </a:solidFill>
-                <a:latin typeface="+mn-lt"/>
-                <a:ea typeface="+mn-ea"/>
-                <a:cs typeface="+mn-cs"/>
-              </a:defRPr>
-            </a:lvl2pPr>
-            <a:lvl3pPr marL="914400" algn="l" defTabSz="914400" rtl="0" eaLnBrk="1" latinLnBrk="0" hangingPunct="1">
-              <a:defRPr sz="1800" kern="1200">
-                <a:solidFill>
-                  <a:schemeClr val="tx1"/>
-                </a:solidFill>
-                <a:latin typeface="+mn-lt"/>
-                <a:ea typeface="+mn-ea"/>
-                <a:cs typeface="+mn-cs"/>
-              </a:defRPr>
-            </a:lvl3pPr>
-            <a:lvl4pPr marL="1371600" algn="l" defTabSz="914400" rtl="0" eaLnBrk="1" latinLnBrk="0" hangingPunct="1">
-              <a:defRPr sz="1800" kern="1200">
-                <a:solidFill>
-                  <a:schemeClr val="tx1"/>
-                </a:solidFill>
-                <a:latin typeface="+mn-lt"/>
-                <a:ea typeface="+mn-ea"/>
-                <a:cs typeface="+mn-cs"/>
-              </a:defRPr>
-            </a:lvl4pPr>
-            <a:lvl5pPr marL="1828800" algn="l" defTabSz="914400" rtl="0" eaLnBrk="1" latinLnBrk="0" hangingPunct="1">
-              <a:defRPr sz="1800" kern="1200">
-                <a:solidFill>
-                  <a:schemeClr val="tx1"/>
-                </a:solidFill>
-                <a:latin typeface="+mn-lt"/>
-                <a:ea typeface="+mn-ea"/>
-                <a:cs typeface="+mn-cs"/>
-              </a:defRPr>
-            </a:lvl5pPr>
-            <a:lvl6pPr marL="2286000" algn="l" defTabSz="914400" rtl="0" eaLnBrk="1" latinLnBrk="0" hangingPunct="1">
-              <a:defRPr sz="1800" kern="1200">
-                <a:solidFill>
-                  <a:schemeClr val="tx1"/>
-                </a:solidFill>
-                <a:latin typeface="+mn-lt"/>
-                <a:ea typeface="+mn-ea"/>
-                <a:cs typeface="+mn-cs"/>
-              </a:defRPr>
-            </a:lvl6pPr>
-            <a:lvl7pPr marL="2743200" algn="l" defTabSz="914400" rtl="0" eaLnBrk="1" latinLnBrk="0" hangingPunct="1">
-              <a:defRPr sz="1800" kern="1200">
-                <a:solidFill>
-                  <a:schemeClr val="tx1"/>
-                </a:solidFill>
-                <a:latin typeface="+mn-lt"/>
-                <a:ea typeface="+mn-ea"/>
-                <a:cs typeface="+mn-cs"/>
-              </a:defRPr>
-            </a:lvl7pPr>
-            <a:lvl8pPr marL="3200400" algn="l" defTabSz="914400" rtl="0" eaLnBrk="1" latinLnBrk="0" hangingPunct="1">
-              <a:defRPr sz="1800" kern="1200">
-                <a:solidFill>
-                  <a:schemeClr val="tx1"/>
-                </a:solidFill>
-                <a:latin typeface="+mn-lt"/>
-                <a:ea typeface="+mn-ea"/>
-                <a:cs typeface="+mn-cs"/>
-              </a:defRPr>
-            </a:lvl8pPr>
-            <a:lvl9pPr marL="3657600" algn="l" defTabSz="914400" rtl="0" eaLnBrk="1" latinLnBrk="0" hangingPunct="1">
-              <a:defRPr sz="1800" kern="1200">
-                <a:solidFill>
-                  <a:schemeClr val="tx1"/>
-                </a:solidFill>
-                <a:latin typeface="+mn-lt"/>
-                <a:ea typeface="+mn-ea"/>
-                <a:cs typeface="+mn-cs"/>
-              </a:defRPr>
-            </a:lvl9pPr>
-          </a:lstStyle>
-          <a:p>
-            <a:r>
-              <a:rPr lang="en-US" altLang="zh-TW"/>
-              <a:t>TYIC</a:t>
-            </a:r>
-            <a:r>
-              <a:rPr lang="zh-TW" altLang="en-US"/>
-              <a:t> 桃高資訊社</a:t>
-            </a:r>
-          </a:p>
-        </p:txBody>
-      </p:sp>
-      <p:sp>
-        <p:nvSpPr>
-          <p:cNvPr id="9" name="投影片編號版面配置區 5">
-            <a:extLst>
-              <a:ext uri="{FF2B5EF4-FFF2-40B4-BE49-F238E27FC236}">
-                <a16:creationId xmlns:a16="http://schemas.microsoft.com/office/drawing/2014/main" id="{086F29C3-C792-4CB1-A6F8-A95D8E6D4CBA}"/>
-              </a:ext>
-            </a:extLst>
-          </p:cNvPr>
-          <p:cNvSpPr txBox="1">
-            <a:spLocks/>
-          </p:cNvSpPr>
-          <p:nvPr/>
-        </p:nvSpPr>
-        <p:spPr>
-          <a:xfrm>
-            <a:off x="9448800" y="6492874"/>
-            <a:ext cx="2743200" cy="365125"/>
-          </a:xfrm>
-          <a:prstGeom prst="rect">
-            <a:avLst/>
-          </a:prstGeom>
-        </p:spPr>
-        <p:txBody>
-          <a:bodyPr vert="horz" lIns="91440" tIns="45720" rIns="91440" bIns="45720" rtlCol="0" anchor="ctr"/>
-          <a:lstStyle>
-            <a:defPPr>
-              <a:defRPr lang="zh-TW"/>
-            </a:defPPr>
-            <a:lvl1pPr marL="0" algn="r" defTabSz="914400" rtl="0" eaLnBrk="1" latinLnBrk="0" hangingPunct="1">
-              <a:defRPr sz="1200" kern="1200">
-                <a:solidFill>
-                  <a:schemeClr val="tx1">
-                    <a:tint val="75000"/>
-                  </a:schemeClr>
-                </a:solidFill>
-                <a:latin typeface="+mn-lt"/>
-                <a:ea typeface="+mn-ea"/>
-                <a:cs typeface="+mn-cs"/>
-              </a:defRPr>
-            </a:lvl1pPr>
-            <a:lvl2pPr marL="457200" algn="l" defTabSz="914400" rtl="0" eaLnBrk="1" latinLnBrk="0" hangingPunct="1">
-              <a:defRPr sz="1800" kern="1200">
-                <a:solidFill>
-                  <a:schemeClr val="tx1"/>
-                </a:solidFill>
-                <a:latin typeface="+mn-lt"/>
-                <a:ea typeface="+mn-ea"/>
-                <a:cs typeface="+mn-cs"/>
-              </a:defRPr>
-            </a:lvl2pPr>
-            <a:lvl3pPr marL="914400" algn="l" defTabSz="914400" rtl="0" eaLnBrk="1" latinLnBrk="0" hangingPunct="1">
-              <a:defRPr sz="1800" kern="1200">
-                <a:solidFill>
-                  <a:schemeClr val="tx1"/>
-                </a:solidFill>
-                <a:latin typeface="+mn-lt"/>
-                <a:ea typeface="+mn-ea"/>
-                <a:cs typeface="+mn-cs"/>
-              </a:defRPr>
-            </a:lvl3pPr>
-            <a:lvl4pPr marL="1371600" algn="l" defTabSz="914400" rtl="0" eaLnBrk="1" latinLnBrk="0" hangingPunct="1">
-              <a:defRPr sz="1800" kern="1200">
-                <a:solidFill>
-                  <a:schemeClr val="tx1"/>
-                </a:solidFill>
-                <a:latin typeface="+mn-lt"/>
-                <a:ea typeface="+mn-ea"/>
-                <a:cs typeface="+mn-cs"/>
-              </a:defRPr>
-            </a:lvl4pPr>
-            <a:lvl5pPr marL="1828800" algn="l" defTabSz="914400" rtl="0" eaLnBrk="1" latinLnBrk="0" hangingPunct="1">
-              <a:defRPr sz="1800" kern="1200">
-                <a:solidFill>
-                  <a:schemeClr val="tx1"/>
-                </a:solidFill>
-                <a:latin typeface="+mn-lt"/>
-                <a:ea typeface="+mn-ea"/>
-                <a:cs typeface="+mn-cs"/>
-              </a:defRPr>
-            </a:lvl5pPr>
-            <a:lvl6pPr marL="2286000" algn="l" defTabSz="914400" rtl="0" eaLnBrk="1" latinLnBrk="0" hangingPunct="1">
-              <a:defRPr sz="1800" kern="1200">
-                <a:solidFill>
-                  <a:schemeClr val="tx1"/>
-                </a:solidFill>
-                <a:latin typeface="+mn-lt"/>
-                <a:ea typeface="+mn-ea"/>
-                <a:cs typeface="+mn-cs"/>
-              </a:defRPr>
-            </a:lvl6pPr>
-            <a:lvl7pPr marL="2743200" algn="l" defTabSz="914400" rtl="0" eaLnBrk="1" latinLnBrk="0" hangingPunct="1">
-              <a:defRPr sz="1800" kern="1200">
-                <a:solidFill>
-                  <a:schemeClr val="tx1"/>
-                </a:solidFill>
-                <a:latin typeface="+mn-lt"/>
-                <a:ea typeface="+mn-ea"/>
-                <a:cs typeface="+mn-cs"/>
-              </a:defRPr>
-            </a:lvl7pPr>
-            <a:lvl8pPr marL="3200400" algn="l" defTabSz="914400" rtl="0" eaLnBrk="1" latinLnBrk="0" hangingPunct="1">
-              <a:defRPr sz="1800" kern="1200">
-                <a:solidFill>
-                  <a:schemeClr val="tx1"/>
-                </a:solidFill>
-                <a:latin typeface="+mn-lt"/>
-                <a:ea typeface="+mn-ea"/>
-                <a:cs typeface="+mn-cs"/>
-              </a:defRPr>
-            </a:lvl8pPr>
-            <a:lvl9pPr marL="3657600" algn="l" defTabSz="914400" rtl="0" eaLnBrk="1" latinLnBrk="0" hangingPunct="1">
-              <a:defRPr sz="1800" kern="1200">
-                <a:solidFill>
-                  <a:schemeClr val="tx1"/>
-                </a:solidFill>
-                <a:latin typeface="+mn-lt"/>
-                <a:ea typeface="+mn-ea"/>
-                <a:cs typeface="+mn-cs"/>
-              </a:defRPr>
-            </a:lvl9pPr>
-          </a:lstStyle>
-          <a:p>
-            <a:fld id="{D4328D90-2A6F-4F23-88A8-C5DCC2B5F307}" type="slidenum">
-              <a:rPr lang="zh-TW" altLang="en-US" smtClean="0"/>
-              <a:pPr/>
-              <a:t>‹#›</a:t>
-            </a:fld>
-            <a:endParaRPr lang="zh-TW" altLang="en-US"/>
-          </a:p>
-        </p:txBody>
-      </p:sp>
-    </p:spTree>
-    <p:extLst>
-      <p:ext uri="{BB962C8B-B14F-4D97-AF65-F5344CB8AC3E}">
-        <p14:creationId xmlns:p14="http://schemas.microsoft.com/office/powerpoint/2010/main" val="1484680088"/>
-      </p:ext>
-    </p:extLst>
-  </p:cSld>
-  <p:clrMapOvr>
-    <a:masterClrMapping/>
-  </p:clrMapOvr>
-  <p:transition spd="slow">
-    <p:push dir="u"/>
-  </p:transition>
-</p:sldLayout>
-</file>
-
-<file path=ppt/slideLayouts/slideLayout5.xml><?xml version="1.0" encoding="utf-8"?>
-<p:sldLayout xmlns:a="http://schemas.openxmlformats.org/drawingml/2006/main" xmlns:r="http://schemas.openxmlformats.org/officeDocument/2006/relationships" xmlns:p="http://schemas.openxmlformats.org/presentationml/2006/main" type="twoTxTwoObj" preserve="1">
-  <p:cSld name="比較">
-    <p:spTree>
-      <p:nvGrpSpPr>
-        <p:cNvPr id="1" name=""/>
-        <p:cNvGrpSpPr/>
-        <p:nvPr/>
-      </p:nvGrpSpPr>
-      <p:grpSpPr>
-        <a:xfrm>
-          <a:off x="0" y="0"/>
-          <a:ext cx="0" cy="0"/>
-          <a:chOff x="0" y="0"/>
-          <a:chExt cx="0" cy="0"/>
-        </a:xfrm>
-      </p:grpSpPr>
-      <p:sp>
-        <p:nvSpPr>
-          <p:cNvPr id="2" name="標題 1">
-            <a:extLst>
-              <a:ext uri="{FF2B5EF4-FFF2-40B4-BE49-F238E27FC236}">
-                <a16:creationId xmlns:a16="http://schemas.microsoft.com/office/drawing/2014/main" id="{1261A8C4-296D-438B-8D76-3F8B57A7B280}"/>
-              </a:ext>
-            </a:extLst>
-          </p:cNvPr>
-          <p:cNvSpPr>
-            <a:spLocks noGrp="1"/>
-          </p:cNvSpPr>
-          <p:nvPr>
-            <p:ph type="title"/>
-          </p:nvPr>
-        </p:nvSpPr>
-        <p:spPr>
-          <a:xfrm>
-            <a:off x="839788" y="365125"/>
-            <a:ext cx="10515600" cy="1325563"/>
-          </a:xfrm>
-        </p:spPr>
-        <p:txBody>
-          <a:bodyPr/>
-          <a:lstStyle/>
-          <a:p>
-            <a:r>
-              <a:rPr lang="zh-TW" altLang="en-US"/>
-              <a:t>按一下以編輯母片標題樣式</a:t>
-            </a:r>
-          </a:p>
-        </p:txBody>
-      </p:sp>
-      <p:sp>
-        <p:nvSpPr>
-          <p:cNvPr id="3" name="文字版面配置區 2">
-            <a:extLst>
-              <a:ext uri="{FF2B5EF4-FFF2-40B4-BE49-F238E27FC236}">
-                <a16:creationId xmlns:a16="http://schemas.microsoft.com/office/drawing/2014/main" id="{1D56BB08-0AE2-466A-A236-AF0465E555C2}"/>
-              </a:ext>
-            </a:extLst>
-          </p:cNvPr>
-          <p:cNvSpPr>
-            <a:spLocks noGrp="1"/>
-          </p:cNvSpPr>
-          <p:nvPr>
-            <p:ph type="body" idx="1"/>
-          </p:nvPr>
-        </p:nvSpPr>
-        <p:spPr>
-          <a:xfrm>
-            <a:off x="839788" y="1681163"/>
-            <a:ext cx="5157787" cy="823912"/>
-          </a:xfrm>
-        </p:spPr>
-        <p:txBody>
-          <a:bodyPr anchor="b"/>
-          <a:lstStyle>
-            <a:lvl1pPr marL="0" indent="0">
-              <a:buNone/>
-              <a:defRPr sz="2400" b="1"/>
-            </a:lvl1pPr>
-            <a:lvl2pPr marL="457200" indent="0">
-              <a:buNone/>
-              <a:defRPr sz="2000" b="1"/>
-            </a:lvl2pPr>
-            <a:lvl3pPr marL="914400" indent="0">
-              <a:buNone/>
-              <a:defRPr sz="1800" b="1"/>
-            </a:lvl3pPr>
-            <a:lvl4pPr marL="1371600" indent="0">
-              <a:buNone/>
-              <a:defRPr sz="1600" b="1"/>
-            </a:lvl4pPr>
-            <a:lvl5pPr marL="1828800" indent="0">
-              <a:buNone/>
-              <a:defRPr sz="1600" b="1"/>
-            </a:lvl5pPr>
-            <a:lvl6pPr marL="2286000" indent="0">
-              <a:buNone/>
-              <a:defRPr sz="1600" b="1"/>
-            </a:lvl6pPr>
-            <a:lvl7pPr marL="2743200" indent="0">
-              <a:buNone/>
-              <a:defRPr sz="1600" b="1"/>
-            </a:lvl7pPr>
-            <a:lvl8pPr marL="3200400" indent="0">
-              <a:buNone/>
-              <a:defRPr sz="1600" b="1"/>
-            </a:lvl8pPr>
-            <a:lvl9pPr marL="3657600" indent="0">
-              <a:buNone/>
-              <a:defRPr sz="1600" b="1"/>
-            </a:lvl9pPr>
-          </a:lstStyle>
-          <a:p>
-            <a:pPr lvl="0"/>
-            <a:r>
-              <a:rPr lang="zh-TW" altLang="en-US"/>
-              <a:t>按一下以編輯母片文字樣式</a:t>
-            </a:r>
-          </a:p>
-        </p:txBody>
-      </p:sp>
-      <p:sp>
-        <p:nvSpPr>
-          <p:cNvPr id="4" name="內容版面配置區 3">
-            <a:extLst>
-              <a:ext uri="{FF2B5EF4-FFF2-40B4-BE49-F238E27FC236}">
-                <a16:creationId xmlns:a16="http://schemas.microsoft.com/office/drawing/2014/main" id="{DBF7F7E7-C7E3-438A-9287-5ABE84A43B59}"/>
-              </a:ext>
-            </a:extLst>
-          </p:cNvPr>
-          <p:cNvSpPr>
-            <a:spLocks noGrp="1"/>
-          </p:cNvSpPr>
-          <p:nvPr>
-            <p:ph sz="half" idx="2"/>
-          </p:nvPr>
-        </p:nvSpPr>
-        <p:spPr>
-          <a:xfrm>
-            <a:off x="839788" y="2505075"/>
-            <a:ext cx="5157787" cy="3684588"/>
-          </a:xfrm>
-        </p:spPr>
-        <p:txBody>
-          <a:bodyPr/>
-          <a:lstStyle/>
-          <a:p>
-            <a:pPr lvl="0"/>
-            <a:r>
-              <a:rPr lang="zh-TW" altLang="en-US"/>
-              <a:t>按一下以編輯母片文字樣式</a:t>
-            </a:r>
-          </a:p>
-          <a:p>
-            <a:pPr lvl="1"/>
-            <a:r>
-              <a:rPr lang="zh-TW" altLang="en-US"/>
-              <a:t>第二層</a:t>
-            </a:r>
-          </a:p>
-          <a:p>
-            <a:pPr lvl="2"/>
-            <a:r>
-              <a:rPr lang="zh-TW" altLang="en-US"/>
-              <a:t>第三層</a:t>
-            </a:r>
-          </a:p>
-          <a:p>
-            <a:pPr lvl="3"/>
-            <a:r>
-              <a:rPr lang="zh-TW" altLang="en-US"/>
-              <a:t>第四層</a:t>
-            </a:r>
-          </a:p>
-          <a:p>
-            <a:pPr lvl="4"/>
-            <a:r>
-              <a:rPr lang="zh-TW" altLang="en-US"/>
-              <a:t>第五層</a:t>
-            </a:r>
-          </a:p>
-        </p:txBody>
-      </p:sp>
-      <p:sp>
-        <p:nvSpPr>
-          <p:cNvPr id="5" name="文字版面配置區 4">
-            <a:extLst>
-              <a:ext uri="{FF2B5EF4-FFF2-40B4-BE49-F238E27FC236}">
-                <a16:creationId xmlns:a16="http://schemas.microsoft.com/office/drawing/2014/main" id="{9DD36D3E-55E7-4DE3-A367-2D7A37528211}"/>
-              </a:ext>
-            </a:extLst>
-          </p:cNvPr>
-          <p:cNvSpPr>
-            <a:spLocks noGrp="1"/>
-          </p:cNvSpPr>
-          <p:nvPr>
-            <p:ph type="body" sz="quarter" idx="3"/>
-          </p:nvPr>
-        </p:nvSpPr>
-        <p:spPr>
-          <a:xfrm>
-            <a:off x="6172200" y="1681163"/>
-            <a:ext cx="5183188" cy="823912"/>
-          </a:xfrm>
-        </p:spPr>
-        <p:txBody>
-          <a:bodyPr anchor="b"/>
-          <a:lstStyle>
-            <a:lvl1pPr marL="0" indent="0">
-              <a:buNone/>
-              <a:defRPr sz="2400" b="1"/>
-            </a:lvl1pPr>
-            <a:lvl2pPr marL="457200" indent="0">
-              <a:buNone/>
-              <a:defRPr sz="2000" b="1"/>
-            </a:lvl2pPr>
-            <a:lvl3pPr marL="914400" indent="0">
-              <a:buNone/>
-              <a:defRPr sz="1800" b="1"/>
-            </a:lvl3pPr>
-            <a:lvl4pPr marL="1371600" indent="0">
-              <a:buNone/>
-              <a:defRPr sz="1600" b="1"/>
-            </a:lvl4pPr>
-            <a:lvl5pPr marL="1828800" indent="0">
-              <a:buNone/>
-              <a:defRPr sz="1600" b="1"/>
-            </a:lvl5pPr>
-            <a:lvl6pPr marL="2286000" indent="0">
-              <a:buNone/>
-              <a:defRPr sz="1600" b="1"/>
-            </a:lvl6pPr>
-            <a:lvl7pPr marL="2743200" indent="0">
-              <a:buNone/>
-              <a:defRPr sz="1600" b="1"/>
-            </a:lvl7pPr>
-            <a:lvl8pPr marL="3200400" indent="0">
-              <a:buNone/>
-              <a:defRPr sz="1600" b="1"/>
-            </a:lvl8pPr>
-            <a:lvl9pPr marL="3657600" indent="0">
-              <a:buNone/>
-              <a:defRPr sz="1600" b="1"/>
-            </a:lvl9pPr>
-          </a:lstStyle>
-          <a:p>
-            <a:pPr lvl="0"/>
-            <a:r>
-              <a:rPr lang="zh-TW" altLang="en-US"/>
-              <a:t>按一下以編輯母片文字樣式</a:t>
-            </a:r>
-          </a:p>
-        </p:txBody>
-      </p:sp>
-      <p:sp>
-        <p:nvSpPr>
-          <p:cNvPr id="6" name="內容版面配置區 5">
-            <a:extLst>
-              <a:ext uri="{FF2B5EF4-FFF2-40B4-BE49-F238E27FC236}">
-                <a16:creationId xmlns:a16="http://schemas.microsoft.com/office/drawing/2014/main" id="{AC2AB8B4-F49C-4138-953D-5AA69A9F2ED5}"/>
-              </a:ext>
-            </a:extLst>
-          </p:cNvPr>
-          <p:cNvSpPr>
-            <a:spLocks noGrp="1"/>
-          </p:cNvSpPr>
-          <p:nvPr>
-            <p:ph sz="quarter" idx="4"/>
-          </p:nvPr>
-        </p:nvSpPr>
-        <p:spPr>
-          <a:xfrm>
-            <a:off x="6172200" y="2505075"/>
-            <a:ext cx="5183188" cy="3684588"/>
-          </a:xfrm>
-        </p:spPr>
-        <p:txBody>
-          <a:bodyPr/>
-          <a:lstStyle/>
-          <a:p>
-            <a:pPr lvl="0"/>
-            <a:r>
-              <a:rPr lang="zh-TW" altLang="en-US"/>
-              <a:t>按一下以編輯母片文字樣式</a:t>
-            </a:r>
-          </a:p>
-          <a:p>
-            <a:pPr lvl="1"/>
-            <a:r>
-              <a:rPr lang="zh-TW" altLang="en-US"/>
-              <a:t>第二層</a:t>
-            </a:r>
-          </a:p>
-          <a:p>
-            <a:pPr lvl="2"/>
-            <a:r>
-              <a:rPr lang="zh-TW" altLang="en-US"/>
-              <a:t>第三層</a:t>
-            </a:r>
-          </a:p>
-          <a:p>
-            <a:pPr lvl="3"/>
-            <a:r>
-              <a:rPr lang="zh-TW" altLang="en-US"/>
-              <a:t>第四層</a:t>
-            </a:r>
-          </a:p>
-          <a:p>
-            <a:pPr lvl="4"/>
-            <a:r>
-              <a:rPr lang="zh-TW" altLang="en-US"/>
-              <a:t>第五層</a:t>
-            </a:r>
-          </a:p>
-        </p:txBody>
-      </p:sp>
-      <p:sp>
-        <p:nvSpPr>
-          <p:cNvPr id="10" name="頁尾版面配置區 4">
-            <a:extLst>
-              <a:ext uri="{FF2B5EF4-FFF2-40B4-BE49-F238E27FC236}">
-                <a16:creationId xmlns:a16="http://schemas.microsoft.com/office/drawing/2014/main" id="{EE0D0455-DB77-4E86-9A44-7A5FDD1DD418}"/>
-              </a:ext>
-            </a:extLst>
-          </p:cNvPr>
-          <p:cNvSpPr txBox="1">
-            <a:spLocks/>
-          </p:cNvSpPr>
-          <p:nvPr/>
-        </p:nvSpPr>
-        <p:spPr>
-          <a:xfrm>
-            <a:off x="0" y="6492875"/>
-            <a:ext cx="2743200" cy="365125"/>
-          </a:xfrm>
-          <a:prstGeom prst="rect">
-            <a:avLst/>
-          </a:prstGeom>
-        </p:spPr>
-        <p:txBody>
-          <a:bodyPr vert="horz" lIns="91440" tIns="45720" rIns="91440" bIns="45720" rtlCol="0" anchor="ctr"/>
-          <a:lstStyle>
-            <a:defPPr>
-              <a:defRPr lang="zh-TW"/>
-            </a:defPPr>
-            <a:lvl1pPr marL="0" algn="l" defTabSz="914400" rtl="0" eaLnBrk="1" latinLnBrk="0" hangingPunct="1">
-              <a:defRPr sz="1200" kern="1200">
-                <a:solidFill>
-                  <a:schemeClr val="tx1">
-                    <a:tint val="75000"/>
-                  </a:schemeClr>
-                </a:solidFill>
-                <a:latin typeface="+mn-lt"/>
-                <a:ea typeface="+mn-ea"/>
-                <a:cs typeface="+mn-cs"/>
-              </a:defRPr>
-            </a:lvl1pPr>
-            <a:lvl2pPr marL="457200" algn="l" defTabSz="914400" rtl="0" eaLnBrk="1" latinLnBrk="0" hangingPunct="1">
-              <a:defRPr sz="1800" kern="1200">
-                <a:solidFill>
-                  <a:schemeClr val="tx1"/>
-                </a:solidFill>
-                <a:latin typeface="+mn-lt"/>
-                <a:ea typeface="+mn-ea"/>
-                <a:cs typeface="+mn-cs"/>
-              </a:defRPr>
-            </a:lvl2pPr>
-            <a:lvl3pPr marL="914400" algn="l" defTabSz="914400" rtl="0" eaLnBrk="1" latinLnBrk="0" hangingPunct="1">
-              <a:defRPr sz="1800" kern="1200">
-                <a:solidFill>
-                  <a:schemeClr val="tx1"/>
-                </a:solidFill>
-                <a:latin typeface="+mn-lt"/>
-                <a:ea typeface="+mn-ea"/>
-                <a:cs typeface="+mn-cs"/>
-              </a:defRPr>
-            </a:lvl3pPr>
-            <a:lvl4pPr marL="1371600" algn="l" defTabSz="914400" rtl="0" eaLnBrk="1" latinLnBrk="0" hangingPunct="1">
-              <a:defRPr sz="1800" kern="1200">
-                <a:solidFill>
-                  <a:schemeClr val="tx1"/>
-                </a:solidFill>
-                <a:latin typeface="+mn-lt"/>
-                <a:ea typeface="+mn-ea"/>
-                <a:cs typeface="+mn-cs"/>
-              </a:defRPr>
-            </a:lvl4pPr>
-            <a:lvl5pPr marL="1828800" algn="l" defTabSz="914400" rtl="0" eaLnBrk="1" latinLnBrk="0" hangingPunct="1">
-              <a:defRPr sz="1800" kern="1200">
-                <a:solidFill>
-                  <a:schemeClr val="tx1"/>
-                </a:solidFill>
-                <a:latin typeface="+mn-lt"/>
-                <a:ea typeface="+mn-ea"/>
-                <a:cs typeface="+mn-cs"/>
-              </a:defRPr>
-            </a:lvl5pPr>
-            <a:lvl6pPr marL="2286000" algn="l" defTabSz="914400" rtl="0" eaLnBrk="1" latinLnBrk="0" hangingPunct="1">
-              <a:defRPr sz="1800" kern="1200">
-                <a:solidFill>
-                  <a:schemeClr val="tx1"/>
-                </a:solidFill>
-                <a:latin typeface="+mn-lt"/>
-                <a:ea typeface="+mn-ea"/>
-                <a:cs typeface="+mn-cs"/>
-              </a:defRPr>
-            </a:lvl6pPr>
-            <a:lvl7pPr marL="2743200" algn="l" defTabSz="914400" rtl="0" eaLnBrk="1" latinLnBrk="0" hangingPunct="1">
-              <a:defRPr sz="1800" kern="1200">
-                <a:solidFill>
-                  <a:schemeClr val="tx1"/>
-                </a:solidFill>
-                <a:latin typeface="+mn-lt"/>
-                <a:ea typeface="+mn-ea"/>
-                <a:cs typeface="+mn-cs"/>
-              </a:defRPr>
-            </a:lvl7pPr>
-            <a:lvl8pPr marL="3200400" algn="l" defTabSz="914400" rtl="0" eaLnBrk="1" latinLnBrk="0" hangingPunct="1">
-              <a:defRPr sz="1800" kern="1200">
-                <a:solidFill>
-                  <a:schemeClr val="tx1"/>
-                </a:solidFill>
-                <a:latin typeface="+mn-lt"/>
-                <a:ea typeface="+mn-ea"/>
-                <a:cs typeface="+mn-cs"/>
-              </a:defRPr>
-            </a:lvl8pPr>
-            <a:lvl9pPr marL="3657600" algn="l" defTabSz="914400" rtl="0" eaLnBrk="1" latinLnBrk="0" hangingPunct="1">
-              <a:defRPr sz="1800" kern="1200">
-                <a:solidFill>
-                  <a:schemeClr val="tx1"/>
-                </a:solidFill>
-                <a:latin typeface="+mn-lt"/>
-                <a:ea typeface="+mn-ea"/>
-                <a:cs typeface="+mn-cs"/>
-              </a:defRPr>
-            </a:lvl9pPr>
-          </a:lstStyle>
-          <a:p>
-            <a:r>
-              <a:rPr lang="en-US" altLang="zh-TW"/>
-              <a:t>TYIC</a:t>
-            </a:r>
-            <a:r>
-              <a:rPr lang="zh-TW" altLang="en-US"/>
-              <a:t> 桃高資訊社</a:t>
-            </a:r>
-          </a:p>
-        </p:txBody>
-      </p:sp>
-      <p:sp>
-        <p:nvSpPr>
-          <p:cNvPr id="11" name="投影片編號版面配置區 5">
-            <a:extLst>
-              <a:ext uri="{FF2B5EF4-FFF2-40B4-BE49-F238E27FC236}">
-                <a16:creationId xmlns:a16="http://schemas.microsoft.com/office/drawing/2014/main" id="{61BEB5C0-CA6F-4D05-A5B1-D9B3326D213A}"/>
-              </a:ext>
-            </a:extLst>
-          </p:cNvPr>
-          <p:cNvSpPr txBox="1">
-            <a:spLocks/>
-          </p:cNvSpPr>
-          <p:nvPr/>
-        </p:nvSpPr>
-        <p:spPr>
-          <a:xfrm>
-            <a:off x="9448800" y="6492874"/>
-            <a:ext cx="2743200" cy="365125"/>
-          </a:xfrm>
-          <a:prstGeom prst="rect">
-            <a:avLst/>
-          </a:prstGeom>
-        </p:spPr>
-        <p:txBody>
-          <a:bodyPr vert="horz" lIns="91440" tIns="45720" rIns="91440" bIns="45720" rtlCol="0" anchor="ctr"/>
-          <a:lstStyle>
-            <a:defPPr>
-              <a:defRPr lang="zh-TW"/>
-            </a:defPPr>
-            <a:lvl1pPr marL="0" algn="r" defTabSz="914400" rtl="0" eaLnBrk="1" latinLnBrk="0" hangingPunct="1">
-              <a:defRPr sz="1200" kern="1200">
-                <a:solidFill>
-                  <a:schemeClr val="tx1">
-                    <a:tint val="75000"/>
-                  </a:schemeClr>
-                </a:solidFill>
-                <a:latin typeface="+mn-lt"/>
-                <a:ea typeface="+mn-ea"/>
-                <a:cs typeface="+mn-cs"/>
-              </a:defRPr>
-            </a:lvl1pPr>
-            <a:lvl2pPr marL="457200" algn="l" defTabSz="914400" rtl="0" eaLnBrk="1" latinLnBrk="0" hangingPunct="1">
-              <a:defRPr sz="1800" kern="1200">
-                <a:solidFill>
-                  <a:schemeClr val="tx1"/>
-                </a:solidFill>
-                <a:latin typeface="+mn-lt"/>
-                <a:ea typeface="+mn-ea"/>
-                <a:cs typeface="+mn-cs"/>
-              </a:defRPr>
-            </a:lvl2pPr>
-            <a:lvl3pPr marL="914400" algn="l" defTabSz="914400" rtl="0" eaLnBrk="1" latinLnBrk="0" hangingPunct="1">
-              <a:defRPr sz="1800" kern="1200">
-                <a:solidFill>
-                  <a:schemeClr val="tx1"/>
-                </a:solidFill>
-                <a:latin typeface="+mn-lt"/>
-                <a:ea typeface="+mn-ea"/>
-                <a:cs typeface="+mn-cs"/>
-              </a:defRPr>
-            </a:lvl3pPr>
-            <a:lvl4pPr marL="1371600" algn="l" defTabSz="914400" rtl="0" eaLnBrk="1" latinLnBrk="0" hangingPunct="1">
-              <a:defRPr sz="1800" kern="1200">
-                <a:solidFill>
-                  <a:schemeClr val="tx1"/>
-                </a:solidFill>
-                <a:latin typeface="+mn-lt"/>
-                <a:ea typeface="+mn-ea"/>
-                <a:cs typeface="+mn-cs"/>
-              </a:defRPr>
-            </a:lvl4pPr>
-            <a:lvl5pPr marL="1828800" algn="l" defTabSz="914400" rtl="0" eaLnBrk="1" latinLnBrk="0" hangingPunct="1">
-              <a:defRPr sz="1800" kern="1200">
-                <a:solidFill>
-                  <a:schemeClr val="tx1"/>
-                </a:solidFill>
-                <a:latin typeface="+mn-lt"/>
-                <a:ea typeface="+mn-ea"/>
-                <a:cs typeface="+mn-cs"/>
-              </a:defRPr>
-            </a:lvl5pPr>
-            <a:lvl6pPr marL="2286000" algn="l" defTabSz="914400" rtl="0" eaLnBrk="1" latinLnBrk="0" hangingPunct="1">
-              <a:defRPr sz="1800" kern="1200">
-                <a:solidFill>
-                  <a:schemeClr val="tx1"/>
-                </a:solidFill>
-                <a:latin typeface="+mn-lt"/>
-                <a:ea typeface="+mn-ea"/>
-                <a:cs typeface="+mn-cs"/>
-              </a:defRPr>
-            </a:lvl6pPr>
-            <a:lvl7pPr marL="2743200" algn="l" defTabSz="914400" rtl="0" eaLnBrk="1" latinLnBrk="0" hangingPunct="1">
-              <a:defRPr sz="1800" kern="1200">
-                <a:solidFill>
-                  <a:schemeClr val="tx1"/>
-                </a:solidFill>
-                <a:latin typeface="+mn-lt"/>
-                <a:ea typeface="+mn-ea"/>
-                <a:cs typeface="+mn-cs"/>
-              </a:defRPr>
-            </a:lvl7pPr>
-            <a:lvl8pPr marL="3200400" algn="l" defTabSz="914400" rtl="0" eaLnBrk="1" latinLnBrk="0" hangingPunct="1">
-              <a:defRPr sz="1800" kern="1200">
-                <a:solidFill>
-                  <a:schemeClr val="tx1"/>
-                </a:solidFill>
-                <a:latin typeface="+mn-lt"/>
-                <a:ea typeface="+mn-ea"/>
-                <a:cs typeface="+mn-cs"/>
-              </a:defRPr>
-            </a:lvl8pPr>
-            <a:lvl9pPr marL="3657600" algn="l" defTabSz="914400" rtl="0" eaLnBrk="1" latinLnBrk="0" hangingPunct="1">
-              <a:defRPr sz="1800" kern="1200">
-                <a:solidFill>
-                  <a:schemeClr val="tx1"/>
-                </a:solidFill>
-                <a:latin typeface="+mn-lt"/>
-                <a:ea typeface="+mn-ea"/>
-                <a:cs typeface="+mn-cs"/>
-              </a:defRPr>
-            </a:lvl9pPr>
-          </a:lstStyle>
-          <a:p>
-            <a:fld id="{D4328D90-2A6F-4F23-88A8-C5DCC2B5F307}" type="slidenum">
-              <a:rPr lang="zh-TW" altLang="en-US" smtClean="0"/>
-              <a:pPr/>
-              <a:t>‹#›</a:t>
-            </a:fld>
-            <a:endParaRPr lang="zh-TW" altLang="en-US"/>
-          </a:p>
-        </p:txBody>
-      </p:sp>
-    </p:spTree>
-    <p:extLst>
-      <p:ext uri="{BB962C8B-B14F-4D97-AF65-F5344CB8AC3E}">
-        <p14:creationId xmlns:p14="http://schemas.microsoft.com/office/powerpoint/2010/main" val="2062688852"/>
-      </p:ext>
-    </p:extLst>
-  </p:cSld>
-  <p:clrMapOvr>
-    <a:masterClrMapping/>
-  </p:clrMapOvr>
-  <p:transition spd="slow">
-    <p:push dir="u"/>
-  </p:transition>
-</p:sldLayout>
-</file>
-
-<file path=ppt/slideLayouts/slideLayout6.xml><?xml version="1.0" encoding="utf-8"?>
 <p:sldLayout xmlns:a="http://schemas.openxmlformats.org/drawingml/2006/main" xmlns:r="http://schemas.openxmlformats.org/officeDocument/2006/relationships" xmlns:p="http://schemas.openxmlformats.org/presentationml/2006/main" type="titleOnly" preserve="1">
   <p:cSld name="只有標題">
     <p:spTree>
@@ -4140,7 +1572,7 @@
     </p:spTree>
     <p:extLst>
       <p:ext uri="{BB962C8B-B14F-4D97-AF65-F5344CB8AC3E}">
-        <p14:creationId xmlns:p14="http://schemas.microsoft.com/office/powerpoint/2010/main" val="1827287332"/>
+        <p14:creationId xmlns:p14="http://schemas.microsoft.com/office/powerpoint/2010/main" val="790108855"/>
       </p:ext>
     </p:extLst>
   </p:cSld>
@@ -4153,7 +1585,7 @@
 </p:sldLayout>
 </file>
 
-<file path=ppt/slideLayouts/slideLayout7.xml><?xml version="1.0" encoding="utf-8"?>
+<file path=ppt/slideLayouts/slideLayout4.xml><?xml version="1.0" encoding="utf-8"?>
 <p:sldLayout xmlns:a="http://schemas.openxmlformats.org/drawingml/2006/main" xmlns:r="http://schemas.openxmlformats.org/officeDocument/2006/relationships" xmlns:p="http://schemas.openxmlformats.org/presentationml/2006/main" type="blank" preserve="1">
   <p:cSld name="空白">
     <p:spTree>
@@ -4439,7 +1871,7 @@
     </p:spTree>
     <p:extLst>
       <p:ext uri="{BB962C8B-B14F-4D97-AF65-F5344CB8AC3E}">
-        <p14:creationId xmlns:p14="http://schemas.microsoft.com/office/powerpoint/2010/main" val="178120845"/>
+        <p14:creationId xmlns:p14="http://schemas.microsoft.com/office/powerpoint/2010/main" val="154432256"/>
       </p:ext>
     </p:extLst>
   </p:cSld>
@@ -4452,9 +1884,9 @@
 </p:sldLayout>
 </file>
 
-<file path=ppt/slideLayouts/slideLayout8.xml><?xml version="1.0" encoding="utf-8"?>
-<p:sldLayout xmlns:a="http://schemas.openxmlformats.org/drawingml/2006/main" xmlns:r="http://schemas.openxmlformats.org/officeDocument/2006/relationships" xmlns:p="http://schemas.openxmlformats.org/presentationml/2006/main" type="objTx" preserve="1">
-  <p:cSld name="含輔助字幕的內容">
+<file path=ppt/slideLayouts/slideLayout5.xml><?xml version="1.0" encoding="utf-8"?>
+<p:sldLayout xmlns:a="http://schemas.openxmlformats.org/drawingml/2006/main" xmlns:r="http://schemas.openxmlformats.org/officeDocument/2006/relationships" xmlns:p="http://schemas.openxmlformats.org/presentationml/2006/main" preserve="1" userDrawn="1">
+  <p:cSld name="2_標題投影片">
     <p:spTree>
       <p:nvGrpSpPr>
         <p:cNvPr id="1" name=""/>
@@ -4474,7 +1906,7 @@
           <p:cNvPr id="2" name="標題 1">
             <a:extLst>
               <a:ext uri="{FF2B5EF4-FFF2-40B4-BE49-F238E27FC236}">
-                <a16:creationId xmlns:a16="http://schemas.microsoft.com/office/drawing/2014/main" id="{B3FF8213-F1BD-48FF-9D09-6E26FB79AEA1}"/>
+                <a16:creationId xmlns:a16="http://schemas.microsoft.com/office/drawing/2014/main" id="{2EB502BE-089D-4633-B90E-46A3D4FB7D4E}"/>
               </a:ext>
             </a:extLst>
           </p:cNvPr>
@@ -4482,20 +1914,20 @@
             <a:spLocks noGrp="1"/>
           </p:cNvSpPr>
           <p:nvPr>
-            <p:ph type="title"/>
+            <p:ph type="ctrTitle"/>
           </p:nvPr>
         </p:nvSpPr>
         <p:spPr>
           <a:xfrm>
-            <a:off x="839788" y="457200"/>
-            <a:ext cx="3932237" cy="1600200"/>
+            <a:off x="1524000" y="1122363"/>
+            <a:ext cx="9144000" cy="2387600"/>
           </a:xfrm>
         </p:spPr>
         <p:txBody>
           <a:bodyPr anchor="b"/>
           <a:lstStyle>
-            <a:lvl1pPr>
-              <a:defRPr sz="3200"/>
+            <a:lvl1pPr algn="ctr">
+              <a:defRPr sz="6000"/>
             </a:lvl1pPr>
           </a:lstStyle>
           <a:p>
@@ -4508,10 +1940,10 @@
       </p:sp>
       <p:sp>
         <p:nvSpPr>
-          <p:cNvPr id="3" name="內容版面配置區 2">
+          <p:cNvPr id="3" name="副標題 2">
             <a:extLst>
               <a:ext uri="{FF2B5EF4-FFF2-40B4-BE49-F238E27FC236}">
-                <a16:creationId xmlns:a16="http://schemas.microsoft.com/office/drawing/2014/main" id="{86E10944-F816-4D3C-9D55-2000BE13A95A}"/>
+                <a16:creationId xmlns:a16="http://schemas.microsoft.com/office/drawing/2014/main" id="{471674D0-0840-4D4C-93FB-3ABDEB2CAD45}"/>
               </a:ext>
             </a:extLst>
           </p:cNvPr>
@@ -4519,901 +1951,67 @@
             <a:spLocks noGrp="1"/>
           </p:cNvSpPr>
           <p:nvPr>
-            <p:ph idx="1"/>
+            <p:ph type="subTitle" idx="1"/>
           </p:nvPr>
         </p:nvSpPr>
         <p:spPr>
           <a:xfrm>
-            <a:off x="5183188" y="987425"/>
-            <a:ext cx="6172200" cy="4873625"/>
+            <a:off x="1524000" y="3602038"/>
+            <a:ext cx="9144000" cy="1655762"/>
           </a:xfrm>
         </p:spPr>
         <p:txBody>
           <a:bodyPr/>
           <a:lstStyle>
-            <a:lvl1pPr>
-              <a:defRPr sz="3200"/>
+            <a:lvl1pPr marL="0" indent="0" algn="ctr">
+              <a:buNone/>
+              <a:defRPr sz="2400"/>
             </a:lvl1pPr>
-            <a:lvl2pPr>
-              <a:defRPr sz="2800"/>
+            <a:lvl2pPr marL="457200" indent="0" algn="ctr">
+              <a:buNone/>
+              <a:defRPr sz="2000"/>
             </a:lvl2pPr>
-            <a:lvl3pPr>
-              <a:defRPr sz="2400"/>
+            <a:lvl3pPr marL="914400" indent="0" algn="ctr">
+              <a:buNone/>
+              <a:defRPr sz="1800"/>
             </a:lvl3pPr>
-            <a:lvl4pPr>
-              <a:defRPr sz="2000"/>
-            </a:lvl4pPr>
-            <a:lvl5pPr>
-              <a:defRPr sz="2000"/>
-            </a:lvl5pPr>
-            <a:lvl6pPr>
-              <a:defRPr sz="2000"/>
-            </a:lvl6pPr>
-            <a:lvl7pPr>
-              <a:defRPr sz="2000"/>
-            </a:lvl7pPr>
-            <a:lvl8pPr>
-              <a:defRPr sz="2000"/>
-            </a:lvl8pPr>
-            <a:lvl9pPr>
-              <a:defRPr sz="2000"/>
-            </a:lvl9pPr>
-          </a:lstStyle>
-          <a:p>
-            <a:pPr lvl="0"/>
-            <a:r>
-              <a:rPr lang="zh-TW" altLang="en-US"/>
-              <a:t>按一下以編輯母片文字樣式</a:t>
-            </a:r>
-          </a:p>
-          <a:p>
-            <a:pPr lvl="1"/>
-            <a:r>
-              <a:rPr lang="zh-TW" altLang="en-US"/>
-              <a:t>第二層</a:t>
-            </a:r>
-          </a:p>
-          <a:p>
-            <a:pPr lvl="2"/>
-            <a:r>
-              <a:rPr lang="zh-TW" altLang="en-US"/>
-              <a:t>第三層</a:t>
-            </a:r>
-          </a:p>
-          <a:p>
-            <a:pPr lvl="3"/>
-            <a:r>
-              <a:rPr lang="zh-TW" altLang="en-US"/>
-              <a:t>第四層</a:t>
-            </a:r>
-          </a:p>
-          <a:p>
-            <a:pPr lvl="4"/>
-            <a:r>
-              <a:rPr lang="zh-TW" altLang="en-US"/>
-              <a:t>第五層</a:t>
-            </a:r>
-          </a:p>
-        </p:txBody>
-      </p:sp>
-      <p:sp>
-        <p:nvSpPr>
-          <p:cNvPr id="4" name="文字版面配置區 3">
-            <a:extLst>
-              <a:ext uri="{FF2B5EF4-FFF2-40B4-BE49-F238E27FC236}">
-                <a16:creationId xmlns:a16="http://schemas.microsoft.com/office/drawing/2014/main" id="{39490BF7-1244-48E3-92BD-9B7BCFA0C5CD}"/>
-              </a:ext>
-            </a:extLst>
-          </p:cNvPr>
-          <p:cNvSpPr>
-            <a:spLocks noGrp="1"/>
-          </p:cNvSpPr>
-          <p:nvPr>
-            <p:ph type="body" sz="half" idx="2"/>
-          </p:nvPr>
-        </p:nvSpPr>
-        <p:spPr>
-          <a:xfrm>
-            <a:off x="839788" y="2057400"/>
-            <a:ext cx="3932237" cy="3811588"/>
-          </a:xfrm>
-        </p:spPr>
-        <p:txBody>
-          <a:bodyPr/>
-          <a:lstStyle>
-            <a:lvl1pPr marL="0" indent="0">
+            <a:lvl4pPr marL="1371600" indent="0" algn="ctr">
               <a:buNone/>
               <a:defRPr sz="1600"/>
-            </a:lvl1pPr>
-            <a:lvl2pPr marL="457200" indent="0">
+            </a:lvl4pPr>
+            <a:lvl5pPr marL="1828800" indent="0" algn="ctr">
               <a:buNone/>
-              <a:defRPr sz="1400"/>
-            </a:lvl2pPr>
-            <a:lvl3pPr marL="914400" indent="0">
+              <a:defRPr sz="1600"/>
+            </a:lvl5pPr>
+            <a:lvl6pPr marL="2286000" indent="0" algn="ctr">
               <a:buNone/>
-              <a:defRPr sz="1200"/>
-            </a:lvl3pPr>
-            <a:lvl4pPr marL="1371600" indent="0">
+              <a:defRPr sz="1600"/>
+            </a:lvl6pPr>
+            <a:lvl7pPr marL="2743200" indent="0" algn="ctr">
               <a:buNone/>
-              <a:defRPr sz="1000"/>
-            </a:lvl4pPr>
-            <a:lvl5pPr marL="1828800" indent="0">
+              <a:defRPr sz="1600"/>
+            </a:lvl7pPr>
+            <a:lvl8pPr marL="3200400" indent="0" algn="ctr">
               <a:buNone/>
-              <a:defRPr sz="1000"/>
-            </a:lvl5pPr>
-            <a:lvl6pPr marL="2286000" indent="0">
+              <a:defRPr sz="1600"/>
+            </a:lvl8pPr>
+            <a:lvl9pPr marL="3657600" indent="0" algn="ctr">
               <a:buNone/>
-              <a:defRPr sz="1000"/>
-            </a:lvl6pPr>
-            <a:lvl7pPr marL="2743200" indent="0">
-              <a:buNone/>
-              <a:defRPr sz="1000"/>
-            </a:lvl7pPr>
-            <a:lvl8pPr marL="3200400" indent="0">
-              <a:buNone/>
-              <a:defRPr sz="1000"/>
-            </a:lvl8pPr>
-            <a:lvl9pPr marL="3657600" indent="0">
-              <a:buNone/>
-              <a:defRPr sz="1000"/>
-            </a:lvl9pPr>
-          </a:lstStyle>
-          <a:p>
-            <a:pPr lvl="0"/>
-            <a:r>
-              <a:rPr lang="zh-TW" altLang="en-US"/>
-              <a:t>按一下以編輯母片文字樣式</a:t>
-            </a:r>
-          </a:p>
-        </p:txBody>
-      </p:sp>
-      <p:sp>
-        <p:nvSpPr>
-          <p:cNvPr id="8" name="頁尾版面配置區 4">
-            <a:extLst>
-              <a:ext uri="{FF2B5EF4-FFF2-40B4-BE49-F238E27FC236}">
-                <a16:creationId xmlns:a16="http://schemas.microsoft.com/office/drawing/2014/main" id="{62A376CE-D98D-486D-A1FC-0FAA7CB56CB4}"/>
-              </a:ext>
-            </a:extLst>
-          </p:cNvPr>
-          <p:cNvSpPr txBox="1">
-            <a:spLocks/>
-          </p:cNvSpPr>
-          <p:nvPr/>
-        </p:nvSpPr>
-        <p:spPr>
-          <a:xfrm>
-            <a:off x="0" y="6492875"/>
-            <a:ext cx="2743200" cy="365125"/>
-          </a:xfrm>
-          <a:prstGeom prst="rect">
-            <a:avLst/>
-          </a:prstGeom>
-        </p:spPr>
-        <p:txBody>
-          <a:bodyPr vert="horz" lIns="91440" tIns="45720" rIns="91440" bIns="45720" rtlCol="0" anchor="ctr"/>
-          <a:lstStyle>
-            <a:defPPr>
-              <a:defRPr lang="zh-TW"/>
-            </a:defPPr>
-            <a:lvl1pPr marL="0" algn="l" defTabSz="914400" rtl="0" eaLnBrk="1" latinLnBrk="0" hangingPunct="1">
-              <a:defRPr sz="1200" kern="1200">
-                <a:solidFill>
-                  <a:schemeClr val="tx1">
-                    <a:tint val="75000"/>
-                  </a:schemeClr>
-                </a:solidFill>
-                <a:latin typeface="+mn-lt"/>
-                <a:ea typeface="+mn-ea"/>
-                <a:cs typeface="+mn-cs"/>
-              </a:defRPr>
-            </a:lvl1pPr>
-            <a:lvl2pPr marL="457200" algn="l" defTabSz="914400" rtl="0" eaLnBrk="1" latinLnBrk="0" hangingPunct="1">
-              <a:defRPr sz="1800" kern="1200">
-                <a:solidFill>
-                  <a:schemeClr val="tx1"/>
-                </a:solidFill>
-                <a:latin typeface="+mn-lt"/>
-                <a:ea typeface="+mn-ea"/>
-                <a:cs typeface="+mn-cs"/>
-              </a:defRPr>
-            </a:lvl2pPr>
-            <a:lvl3pPr marL="914400" algn="l" defTabSz="914400" rtl="0" eaLnBrk="1" latinLnBrk="0" hangingPunct="1">
-              <a:defRPr sz="1800" kern="1200">
-                <a:solidFill>
-                  <a:schemeClr val="tx1"/>
-                </a:solidFill>
-                <a:latin typeface="+mn-lt"/>
-                <a:ea typeface="+mn-ea"/>
-                <a:cs typeface="+mn-cs"/>
-              </a:defRPr>
-            </a:lvl3pPr>
-            <a:lvl4pPr marL="1371600" algn="l" defTabSz="914400" rtl="0" eaLnBrk="1" latinLnBrk="0" hangingPunct="1">
-              <a:defRPr sz="1800" kern="1200">
-                <a:solidFill>
-                  <a:schemeClr val="tx1"/>
-                </a:solidFill>
-                <a:latin typeface="+mn-lt"/>
-                <a:ea typeface="+mn-ea"/>
-                <a:cs typeface="+mn-cs"/>
-              </a:defRPr>
-            </a:lvl4pPr>
-            <a:lvl5pPr marL="1828800" algn="l" defTabSz="914400" rtl="0" eaLnBrk="1" latinLnBrk="0" hangingPunct="1">
-              <a:defRPr sz="1800" kern="1200">
-                <a:solidFill>
-                  <a:schemeClr val="tx1"/>
-                </a:solidFill>
-                <a:latin typeface="+mn-lt"/>
-                <a:ea typeface="+mn-ea"/>
-                <a:cs typeface="+mn-cs"/>
-              </a:defRPr>
-            </a:lvl5pPr>
-            <a:lvl6pPr marL="2286000" algn="l" defTabSz="914400" rtl="0" eaLnBrk="1" latinLnBrk="0" hangingPunct="1">
-              <a:defRPr sz="1800" kern="1200">
-                <a:solidFill>
-                  <a:schemeClr val="tx1"/>
-                </a:solidFill>
-                <a:latin typeface="+mn-lt"/>
-                <a:ea typeface="+mn-ea"/>
-                <a:cs typeface="+mn-cs"/>
-              </a:defRPr>
-            </a:lvl6pPr>
-            <a:lvl7pPr marL="2743200" algn="l" defTabSz="914400" rtl="0" eaLnBrk="1" latinLnBrk="0" hangingPunct="1">
-              <a:defRPr sz="1800" kern="1200">
-                <a:solidFill>
-                  <a:schemeClr val="tx1"/>
-                </a:solidFill>
-                <a:latin typeface="+mn-lt"/>
-                <a:ea typeface="+mn-ea"/>
-                <a:cs typeface="+mn-cs"/>
-              </a:defRPr>
-            </a:lvl7pPr>
-            <a:lvl8pPr marL="3200400" algn="l" defTabSz="914400" rtl="0" eaLnBrk="1" latinLnBrk="0" hangingPunct="1">
-              <a:defRPr sz="1800" kern="1200">
-                <a:solidFill>
-                  <a:schemeClr val="tx1"/>
-                </a:solidFill>
-                <a:latin typeface="+mn-lt"/>
-                <a:ea typeface="+mn-ea"/>
-                <a:cs typeface="+mn-cs"/>
-              </a:defRPr>
-            </a:lvl8pPr>
-            <a:lvl9pPr marL="3657600" algn="l" defTabSz="914400" rtl="0" eaLnBrk="1" latinLnBrk="0" hangingPunct="1">
-              <a:defRPr sz="1800" kern="1200">
-                <a:solidFill>
-                  <a:schemeClr val="tx1"/>
-                </a:solidFill>
-                <a:latin typeface="+mn-lt"/>
-                <a:ea typeface="+mn-ea"/>
-                <a:cs typeface="+mn-cs"/>
-              </a:defRPr>
+              <a:defRPr sz="1600"/>
             </a:lvl9pPr>
           </a:lstStyle>
           <a:p>
             <a:r>
-              <a:rPr lang="en-US" altLang="zh-TW"/>
-              <a:t>TYIC</a:t>
+              <a:rPr lang="zh-TW" altLang="en-US"/>
+              <a:t>按一下以編輯母片子標題樣式</a:t>
             </a:r>
-            <a:r>
-              <a:rPr lang="zh-TW" altLang="en-US"/>
-              <a:t> 桃高資訊社</a:t>
-            </a:r>
-          </a:p>
-        </p:txBody>
-      </p:sp>
-      <p:sp>
-        <p:nvSpPr>
-          <p:cNvPr id="9" name="投影片編號版面配置區 5">
-            <a:extLst>
-              <a:ext uri="{FF2B5EF4-FFF2-40B4-BE49-F238E27FC236}">
-                <a16:creationId xmlns:a16="http://schemas.microsoft.com/office/drawing/2014/main" id="{2DE69523-299D-4C3A-A754-1550C8F5D7F7}"/>
-              </a:ext>
-            </a:extLst>
-          </p:cNvPr>
-          <p:cNvSpPr txBox="1">
-            <a:spLocks/>
-          </p:cNvSpPr>
-          <p:nvPr/>
-        </p:nvSpPr>
-        <p:spPr>
-          <a:xfrm>
-            <a:off x="9448800" y="6492874"/>
-            <a:ext cx="2743200" cy="365125"/>
-          </a:xfrm>
-          <a:prstGeom prst="rect">
-            <a:avLst/>
-          </a:prstGeom>
-        </p:spPr>
-        <p:txBody>
-          <a:bodyPr vert="horz" lIns="91440" tIns="45720" rIns="91440" bIns="45720" rtlCol="0" anchor="ctr"/>
-          <a:lstStyle>
-            <a:defPPr>
-              <a:defRPr lang="zh-TW"/>
-            </a:defPPr>
-            <a:lvl1pPr marL="0" algn="r" defTabSz="914400" rtl="0" eaLnBrk="1" latinLnBrk="0" hangingPunct="1">
-              <a:defRPr sz="1200" kern="1200">
-                <a:solidFill>
-                  <a:schemeClr val="tx1">
-                    <a:tint val="75000"/>
-                  </a:schemeClr>
-                </a:solidFill>
-                <a:latin typeface="+mn-lt"/>
-                <a:ea typeface="+mn-ea"/>
-                <a:cs typeface="+mn-cs"/>
-              </a:defRPr>
-            </a:lvl1pPr>
-            <a:lvl2pPr marL="457200" algn="l" defTabSz="914400" rtl="0" eaLnBrk="1" latinLnBrk="0" hangingPunct="1">
-              <a:defRPr sz="1800" kern="1200">
-                <a:solidFill>
-                  <a:schemeClr val="tx1"/>
-                </a:solidFill>
-                <a:latin typeface="+mn-lt"/>
-                <a:ea typeface="+mn-ea"/>
-                <a:cs typeface="+mn-cs"/>
-              </a:defRPr>
-            </a:lvl2pPr>
-            <a:lvl3pPr marL="914400" algn="l" defTabSz="914400" rtl="0" eaLnBrk="1" latinLnBrk="0" hangingPunct="1">
-              <a:defRPr sz="1800" kern="1200">
-                <a:solidFill>
-                  <a:schemeClr val="tx1"/>
-                </a:solidFill>
-                <a:latin typeface="+mn-lt"/>
-                <a:ea typeface="+mn-ea"/>
-                <a:cs typeface="+mn-cs"/>
-              </a:defRPr>
-            </a:lvl3pPr>
-            <a:lvl4pPr marL="1371600" algn="l" defTabSz="914400" rtl="0" eaLnBrk="1" latinLnBrk="0" hangingPunct="1">
-              <a:defRPr sz="1800" kern="1200">
-                <a:solidFill>
-                  <a:schemeClr val="tx1"/>
-                </a:solidFill>
-                <a:latin typeface="+mn-lt"/>
-                <a:ea typeface="+mn-ea"/>
-                <a:cs typeface="+mn-cs"/>
-              </a:defRPr>
-            </a:lvl4pPr>
-            <a:lvl5pPr marL="1828800" algn="l" defTabSz="914400" rtl="0" eaLnBrk="1" latinLnBrk="0" hangingPunct="1">
-              <a:defRPr sz="1800" kern="1200">
-                <a:solidFill>
-                  <a:schemeClr val="tx1"/>
-                </a:solidFill>
-                <a:latin typeface="+mn-lt"/>
-                <a:ea typeface="+mn-ea"/>
-                <a:cs typeface="+mn-cs"/>
-              </a:defRPr>
-            </a:lvl5pPr>
-            <a:lvl6pPr marL="2286000" algn="l" defTabSz="914400" rtl="0" eaLnBrk="1" latinLnBrk="0" hangingPunct="1">
-              <a:defRPr sz="1800" kern="1200">
-                <a:solidFill>
-                  <a:schemeClr val="tx1"/>
-                </a:solidFill>
-                <a:latin typeface="+mn-lt"/>
-                <a:ea typeface="+mn-ea"/>
-                <a:cs typeface="+mn-cs"/>
-              </a:defRPr>
-            </a:lvl6pPr>
-            <a:lvl7pPr marL="2743200" algn="l" defTabSz="914400" rtl="0" eaLnBrk="1" latinLnBrk="0" hangingPunct="1">
-              <a:defRPr sz="1800" kern="1200">
-                <a:solidFill>
-                  <a:schemeClr val="tx1"/>
-                </a:solidFill>
-                <a:latin typeface="+mn-lt"/>
-                <a:ea typeface="+mn-ea"/>
-                <a:cs typeface="+mn-cs"/>
-              </a:defRPr>
-            </a:lvl7pPr>
-            <a:lvl8pPr marL="3200400" algn="l" defTabSz="914400" rtl="0" eaLnBrk="1" latinLnBrk="0" hangingPunct="1">
-              <a:defRPr sz="1800" kern="1200">
-                <a:solidFill>
-                  <a:schemeClr val="tx1"/>
-                </a:solidFill>
-                <a:latin typeface="+mn-lt"/>
-                <a:ea typeface="+mn-ea"/>
-                <a:cs typeface="+mn-cs"/>
-              </a:defRPr>
-            </a:lvl8pPr>
-            <a:lvl9pPr marL="3657600" algn="l" defTabSz="914400" rtl="0" eaLnBrk="1" latinLnBrk="0" hangingPunct="1">
-              <a:defRPr sz="1800" kern="1200">
-                <a:solidFill>
-                  <a:schemeClr val="tx1"/>
-                </a:solidFill>
-                <a:latin typeface="+mn-lt"/>
-                <a:ea typeface="+mn-ea"/>
-                <a:cs typeface="+mn-cs"/>
-              </a:defRPr>
-            </a:lvl9pPr>
-          </a:lstStyle>
-          <a:p>
-            <a:fld id="{D4328D90-2A6F-4F23-88A8-C5DCC2B5F307}" type="slidenum">
-              <a:rPr lang="zh-TW" altLang="en-US" smtClean="0"/>
-              <a:pPr/>
-              <a:t>‹#›</a:t>
-            </a:fld>
-            <a:endParaRPr lang="zh-TW" altLang="en-US"/>
           </a:p>
         </p:txBody>
       </p:sp>
     </p:spTree>
     <p:extLst>
       <p:ext uri="{BB962C8B-B14F-4D97-AF65-F5344CB8AC3E}">
-        <p14:creationId xmlns:p14="http://schemas.microsoft.com/office/powerpoint/2010/main" val="1823204151"/>
-      </p:ext>
-    </p:extLst>
-  </p:cSld>
-  <p:clrMapOvr>
-    <a:masterClrMapping/>
-  </p:clrMapOvr>
-  <p:transition spd="slow">
-    <p:push dir="u"/>
-  </p:transition>
-</p:sldLayout>
-</file>
-
-<file path=ppt/slideLayouts/slideLayout9.xml><?xml version="1.0" encoding="utf-8"?>
-<p:sldLayout xmlns:a="http://schemas.openxmlformats.org/drawingml/2006/main" xmlns:r="http://schemas.openxmlformats.org/officeDocument/2006/relationships" xmlns:p="http://schemas.openxmlformats.org/presentationml/2006/main" type="picTx" preserve="1">
-  <p:cSld name="含輔助字幕的圖片">
-    <p:spTree>
-      <p:nvGrpSpPr>
-        <p:cNvPr id="1" name=""/>
-        <p:cNvGrpSpPr/>
-        <p:nvPr/>
-      </p:nvGrpSpPr>
-      <p:grpSpPr>
-        <a:xfrm>
-          <a:off x="0" y="0"/>
-          <a:ext cx="0" cy="0"/>
-          <a:chOff x="0" y="0"/>
-          <a:chExt cx="0" cy="0"/>
-        </a:xfrm>
-      </p:grpSpPr>
-      <p:sp>
-        <p:nvSpPr>
-          <p:cNvPr id="2" name="標題 1">
-            <a:extLst>
-              <a:ext uri="{FF2B5EF4-FFF2-40B4-BE49-F238E27FC236}">
-                <a16:creationId xmlns:a16="http://schemas.microsoft.com/office/drawing/2014/main" id="{BE535801-9853-4F81-918E-E55C33357D57}"/>
-              </a:ext>
-            </a:extLst>
-          </p:cNvPr>
-          <p:cNvSpPr>
-            <a:spLocks noGrp="1"/>
-          </p:cNvSpPr>
-          <p:nvPr>
-            <p:ph type="title"/>
-          </p:nvPr>
-        </p:nvSpPr>
-        <p:spPr>
-          <a:xfrm>
-            <a:off x="839788" y="457200"/>
-            <a:ext cx="3932237" cy="1600200"/>
-          </a:xfrm>
-        </p:spPr>
-        <p:txBody>
-          <a:bodyPr anchor="b"/>
-          <a:lstStyle>
-            <a:lvl1pPr>
-              <a:defRPr sz="3200"/>
-            </a:lvl1pPr>
-          </a:lstStyle>
-          <a:p>
-            <a:r>
-              <a:rPr lang="zh-TW" altLang="en-US"/>
-              <a:t>按一下以編輯母片標題樣式</a:t>
-            </a:r>
-          </a:p>
-        </p:txBody>
-      </p:sp>
-      <p:sp>
-        <p:nvSpPr>
-          <p:cNvPr id="3" name="圖片版面配置區 2">
-            <a:extLst>
-              <a:ext uri="{FF2B5EF4-FFF2-40B4-BE49-F238E27FC236}">
-                <a16:creationId xmlns:a16="http://schemas.microsoft.com/office/drawing/2014/main" id="{7CCBC987-FAA7-4264-8CC0-2E6F221D3AB9}"/>
-              </a:ext>
-            </a:extLst>
-          </p:cNvPr>
-          <p:cNvSpPr>
-            <a:spLocks noGrp="1"/>
-          </p:cNvSpPr>
-          <p:nvPr>
-            <p:ph type="pic" idx="1"/>
-          </p:nvPr>
-        </p:nvSpPr>
-        <p:spPr>
-          <a:xfrm>
-            <a:off x="5183188" y="987425"/>
-            <a:ext cx="6172200" cy="4873625"/>
-          </a:xfrm>
-        </p:spPr>
-        <p:txBody>
-          <a:bodyPr/>
-          <a:lstStyle>
-            <a:lvl1pPr marL="0" indent="0">
-              <a:buNone/>
-              <a:defRPr sz="3200"/>
-            </a:lvl1pPr>
-            <a:lvl2pPr marL="457200" indent="0">
-              <a:buNone/>
-              <a:defRPr sz="2800"/>
-            </a:lvl2pPr>
-            <a:lvl3pPr marL="914400" indent="0">
-              <a:buNone/>
-              <a:defRPr sz="2400"/>
-            </a:lvl3pPr>
-            <a:lvl4pPr marL="1371600" indent="0">
-              <a:buNone/>
-              <a:defRPr sz="2000"/>
-            </a:lvl4pPr>
-            <a:lvl5pPr marL="1828800" indent="0">
-              <a:buNone/>
-              <a:defRPr sz="2000"/>
-            </a:lvl5pPr>
-            <a:lvl6pPr marL="2286000" indent="0">
-              <a:buNone/>
-              <a:defRPr sz="2000"/>
-            </a:lvl6pPr>
-            <a:lvl7pPr marL="2743200" indent="0">
-              <a:buNone/>
-              <a:defRPr sz="2000"/>
-            </a:lvl7pPr>
-            <a:lvl8pPr marL="3200400" indent="0">
-              <a:buNone/>
-              <a:defRPr sz="2000"/>
-            </a:lvl8pPr>
-            <a:lvl9pPr marL="3657600" indent="0">
-              <a:buNone/>
-              <a:defRPr sz="2000"/>
-            </a:lvl9pPr>
-          </a:lstStyle>
-          <a:p>
-            <a:r>
-              <a:rPr lang="zh-TW" altLang="en-US"/>
-              <a:t>按一下圖示以新增圖片</a:t>
-            </a:r>
-          </a:p>
-        </p:txBody>
-      </p:sp>
-      <p:sp>
-        <p:nvSpPr>
-          <p:cNvPr id="4" name="文字版面配置區 3">
-            <a:extLst>
-              <a:ext uri="{FF2B5EF4-FFF2-40B4-BE49-F238E27FC236}">
-                <a16:creationId xmlns:a16="http://schemas.microsoft.com/office/drawing/2014/main" id="{6113A0E9-5B1A-476F-B87A-DD123DA8BFDF}"/>
-              </a:ext>
-            </a:extLst>
-          </p:cNvPr>
-          <p:cNvSpPr>
-            <a:spLocks noGrp="1"/>
-          </p:cNvSpPr>
-          <p:nvPr>
-            <p:ph type="body" sz="half" idx="2"/>
-          </p:nvPr>
-        </p:nvSpPr>
-        <p:spPr>
-          <a:xfrm>
-            <a:off x="839788" y="2057400"/>
-            <a:ext cx="3932237" cy="3811588"/>
-          </a:xfrm>
-        </p:spPr>
-        <p:txBody>
-          <a:bodyPr/>
-          <a:lstStyle>
-            <a:lvl1pPr marL="0" indent="0">
-              <a:buNone/>
-              <a:defRPr sz="1600"/>
-            </a:lvl1pPr>
-            <a:lvl2pPr marL="457200" indent="0">
-              <a:buNone/>
-              <a:defRPr sz="1400"/>
-            </a:lvl2pPr>
-            <a:lvl3pPr marL="914400" indent="0">
-              <a:buNone/>
-              <a:defRPr sz="1200"/>
-            </a:lvl3pPr>
-            <a:lvl4pPr marL="1371600" indent="0">
-              <a:buNone/>
-              <a:defRPr sz="1000"/>
-            </a:lvl4pPr>
-            <a:lvl5pPr marL="1828800" indent="0">
-              <a:buNone/>
-              <a:defRPr sz="1000"/>
-            </a:lvl5pPr>
-            <a:lvl6pPr marL="2286000" indent="0">
-              <a:buNone/>
-              <a:defRPr sz="1000"/>
-            </a:lvl6pPr>
-            <a:lvl7pPr marL="2743200" indent="0">
-              <a:buNone/>
-              <a:defRPr sz="1000"/>
-            </a:lvl7pPr>
-            <a:lvl8pPr marL="3200400" indent="0">
-              <a:buNone/>
-              <a:defRPr sz="1000"/>
-            </a:lvl8pPr>
-            <a:lvl9pPr marL="3657600" indent="0">
-              <a:buNone/>
-              <a:defRPr sz="1000"/>
-            </a:lvl9pPr>
-          </a:lstStyle>
-          <a:p>
-            <a:pPr lvl="0"/>
-            <a:r>
-              <a:rPr lang="zh-TW" altLang="en-US"/>
-              <a:t>按一下以編輯母片文字樣式</a:t>
-            </a:r>
-          </a:p>
-        </p:txBody>
-      </p:sp>
-      <p:sp>
-        <p:nvSpPr>
-          <p:cNvPr id="8" name="頁尾版面配置區 4">
-            <a:extLst>
-              <a:ext uri="{FF2B5EF4-FFF2-40B4-BE49-F238E27FC236}">
-                <a16:creationId xmlns:a16="http://schemas.microsoft.com/office/drawing/2014/main" id="{7B7B89AD-AB9E-48F8-B85F-14FF932E8842}"/>
-              </a:ext>
-            </a:extLst>
-          </p:cNvPr>
-          <p:cNvSpPr txBox="1">
-            <a:spLocks/>
-          </p:cNvSpPr>
-          <p:nvPr/>
-        </p:nvSpPr>
-        <p:spPr>
-          <a:xfrm>
-            <a:off x="0" y="6492875"/>
-            <a:ext cx="2743200" cy="365125"/>
-          </a:xfrm>
-          <a:prstGeom prst="rect">
-            <a:avLst/>
-          </a:prstGeom>
-        </p:spPr>
-        <p:txBody>
-          <a:bodyPr vert="horz" lIns="91440" tIns="45720" rIns="91440" bIns="45720" rtlCol="0" anchor="ctr"/>
-          <a:lstStyle>
-            <a:defPPr>
-              <a:defRPr lang="zh-TW"/>
-            </a:defPPr>
-            <a:lvl1pPr marL="0" algn="l" defTabSz="914400" rtl="0" eaLnBrk="1" latinLnBrk="0" hangingPunct="1">
-              <a:defRPr sz="1200" kern="1200">
-                <a:solidFill>
-                  <a:schemeClr val="tx1">
-                    <a:tint val="75000"/>
-                  </a:schemeClr>
-                </a:solidFill>
-                <a:latin typeface="+mn-lt"/>
-                <a:ea typeface="+mn-ea"/>
-                <a:cs typeface="+mn-cs"/>
-              </a:defRPr>
-            </a:lvl1pPr>
-            <a:lvl2pPr marL="457200" algn="l" defTabSz="914400" rtl="0" eaLnBrk="1" latinLnBrk="0" hangingPunct="1">
-              <a:defRPr sz="1800" kern="1200">
-                <a:solidFill>
-                  <a:schemeClr val="tx1"/>
-                </a:solidFill>
-                <a:latin typeface="+mn-lt"/>
-                <a:ea typeface="+mn-ea"/>
-                <a:cs typeface="+mn-cs"/>
-              </a:defRPr>
-            </a:lvl2pPr>
-            <a:lvl3pPr marL="914400" algn="l" defTabSz="914400" rtl="0" eaLnBrk="1" latinLnBrk="0" hangingPunct="1">
-              <a:defRPr sz="1800" kern="1200">
-                <a:solidFill>
-                  <a:schemeClr val="tx1"/>
-                </a:solidFill>
-                <a:latin typeface="+mn-lt"/>
-                <a:ea typeface="+mn-ea"/>
-                <a:cs typeface="+mn-cs"/>
-              </a:defRPr>
-            </a:lvl3pPr>
-            <a:lvl4pPr marL="1371600" algn="l" defTabSz="914400" rtl="0" eaLnBrk="1" latinLnBrk="0" hangingPunct="1">
-              <a:defRPr sz="1800" kern="1200">
-                <a:solidFill>
-                  <a:schemeClr val="tx1"/>
-                </a:solidFill>
-                <a:latin typeface="+mn-lt"/>
-                <a:ea typeface="+mn-ea"/>
-                <a:cs typeface="+mn-cs"/>
-              </a:defRPr>
-            </a:lvl4pPr>
-            <a:lvl5pPr marL="1828800" algn="l" defTabSz="914400" rtl="0" eaLnBrk="1" latinLnBrk="0" hangingPunct="1">
-              <a:defRPr sz="1800" kern="1200">
-                <a:solidFill>
-                  <a:schemeClr val="tx1"/>
-                </a:solidFill>
-                <a:latin typeface="+mn-lt"/>
-                <a:ea typeface="+mn-ea"/>
-                <a:cs typeface="+mn-cs"/>
-              </a:defRPr>
-            </a:lvl5pPr>
-            <a:lvl6pPr marL="2286000" algn="l" defTabSz="914400" rtl="0" eaLnBrk="1" latinLnBrk="0" hangingPunct="1">
-              <a:defRPr sz="1800" kern="1200">
-                <a:solidFill>
-                  <a:schemeClr val="tx1"/>
-                </a:solidFill>
-                <a:latin typeface="+mn-lt"/>
-                <a:ea typeface="+mn-ea"/>
-                <a:cs typeface="+mn-cs"/>
-              </a:defRPr>
-            </a:lvl6pPr>
-            <a:lvl7pPr marL="2743200" algn="l" defTabSz="914400" rtl="0" eaLnBrk="1" latinLnBrk="0" hangingPunct="1">
-              <a:defRPr sz="1800" kern="1200">
-                <a:solidFill>
-                  <a:schemeClr val="tx1"/>
-                </a:solidFill>
-                <a:latin typeface="+mn-lt"/>
-                <a:ea typeface="+mn-ea"/>
-                <a:cs typeface="+mn-cs"/>
-              </a:defRPr>
-            </a:lvl7pPr>
-            <a:lvl8pPr marL="3200400" algn="l" defTabSz="914400" rtl="0" eaLnBrk="1" latinLnBrk="0" hangingPunct="1">
-              <a:defRPr sz="1800" kern="1200">
-                <a:solidFill>
-                  <a:schemeClr val="tx1"/>
-                </a:solidFill>
-                <a:latin typeface="+mn-lt"/>
-                <a:ea typeface="+mn-ea"/>
-                <a:cs typeface="+mn-cs"/>
-              </a:defRPr>
-            </a:lvl8pPr>
-            <a:lvl9pPr marL="3657600" algn="l" defTabSz="914400" rtl="0" eaLnBrk="1" latinLnBrk="0" hangingPunct="1">
-              <a:defRPr sz="1800" kern="1200">
-                <a:solidFill>
-                  <a:schemeClr val="tx1"/>
-                </a:solidFill>
-                <a:latin typeface="+mn-lt"/>
-                <a:ea typeface="+mn-ea"/>
-                <a:cs typeface="+mn-cs"/>
-              </a:defRPr>
-            </a:lvl9pPr>
-          </a:lstStyle>
-          <a:p>
-            <a:r>
-              <a:rPr lang="en-US" altLang="zh-TW"/>
-              <a:t>TYIC</a:t>
-            </a:r>
-            <a:r>
-              <a:rPr lang="zh-TW" altLang="en-US"/>
-              <a:t> 桃高資訊社</a:t>
-            </a:r>
-          </a:p>
-        </p:txBody>
-      </p:sp>
-      <p:sp>
-        <p:nvSpPr>
-          <p:cNvPr id="9" name="投影片編號版面配置區 5">
-            <a:extLst>
-              <a:ext uri="{FF2B5EF4-FFF2-40B4-BE49-F238E27FC236}">
-                <a16:creationId xmlns:a16="http://schemas.microsoft.com/office/drawing/2014/main" id="{462D3499-D09D-4E37-BE04-5CFD293C1093}"/>
-              </a:ext>
-            </a:extLst>
-          </p:cNvPr>
-          <p:cNvSpPr txBox="1">
-            <a:spLocks/>
-          </p:cNvSpPr>
-          <p:nvPr/>
-        </p:nvSpPr>
-        <p:spPr>
-          <a:xfrm>
-            <a:off x="9448800" y="6492874"/>
-            <a:ext cx="2743200" cy="365125"/>
-          </a:xfrm>
-          <a:prstGeom prst="rect">
-            <a:avLst/>
-          </a:prstGeom>
-        </p:spPr>
-        <p:txBody>
-          <a:bodyPr vert="horz" lIns="91440" tIns="45720" rIns="91440" bIns="45720" rtlCol="0" anchor="ctr"/>
-          <a:lstStyle>
-            <a:defPPr>
-              <a:defRPr lang="zh-TW"/>
-            </a:defPPr>
-            <a:lvl1pPr marL="0" algn="r" defTabSz="914400" rtl="0" eaLnBrk="1" latinLnBrk="0" hangingPunct="1">
-              <a:defRPr sz="1200" kern="1200">
-                <a:solidFill>
-                  <a:schemeClr val="tx1">
-                    <a:tint val="75000"/>
-                  </a:schemeClr>
-                </a:solidFill>
-                <a:latin typeface="+mn-lt"/>
-                <a:ea typeface="+mn-ea"/>
-                <a:cs typeface="+mn-cs"/>
-              </a:defRPr>
-            </a:lvl1pPr>
-            <a:lvl2pPr marL="457200" algn="l" defTabSz="914400" rtl="0" eaLnBrk="1" latinLnBrk="0" hangingPunct="1">
-              <a:defRPr sz="1800" kern="1200">
-                <a:solidFill>
-                  <a:schemeClr val="tx1"/>
-                </a:solidFill>
-                <a:latin typeface="+mn-lt"/>
-                <a:ea typeface="+mn-ea"/>
-                <a:cs typeface="+mn-cs"/>
-              </a:defRPr>
-            </a:lvl2pPr>
-            <a:lvl3pPr marL="914400" algn="l" defTabSz="914400" rtl="0" eaLnBrk="1" latinLnBrk="0" hangingPunct="1">
-              <a:defRPr sz="1800" kern="1200">
-                <a:solidFill>
-                  <a:schemeClr val="tx1"/>
-                </a:solidFill>
-                <a:latin typeface="+mn-lt"/>
-                <a:ea typeface="+mn-ea"/>
-                <a:cs typeface="+mn-cs"/>
-              </a:defRPr>
-            </a:lvl3pPr>
-            <a:lvl4pPr marL="1371600" algn="l" defTabSz="914400" rtl="0" eaLnBrk="1" latinLnBrk="0" hangingPunct="1">
-              <a:defRPr sz="1800" kern="1200">
-                <a:solidFill>
-                  <a:schemeClr val="tx1"/>
-                </a:solidFill>
-                <a:latin typeface="+mn-lt"/>
-                <a:ea typeface="+mn-ea"/>
-                <a:cs typeface="+mn-cs"/>
-              </a:defRPr>
-            </a:lvl4pPr>
-            <a:lvl5pPr marL="1828800" algn="l" defTabSz="914400" rtl="0" eaLnBrk="1" latinLnBrk="0" hangingPunct="1">
-              <a:defRPr sz="1800" kern="1200">
-                <a:solidFill>
-                  <a:schemeClr val="tx1"/>
-                </a:solidFill>
-                <a:latin typeface="+mn-lt"/>
-                <a:ea typeface="+mn-ea"/>
-                <a:cs typeface="+mn-cs"/>
-              </a:defRPr>
-            </a:lvl5pPr>
-            <a:lvl6pPr marL="2286000" algn="l" defTabSz="914400" rtl="0" eaLnBrk="1" latinLnBrk="0" hangingPunct="1">
-              <a:defRPr sz="1800" kern="1200">
-                <a:solidFill>
-                  <a:schemeClr val="tx1"/>
-                </a:solidFill>
-                <a:latin typeface="+mn-lt"/>
-                <a:ea typeface="+mn-ea"/>
-                <a:cs typeface="+mn-cs"/>
-              </a:defRPr>
-            </a:lvl6pPr>
-            <a:lvl7pPr marL="2743200" algn="l" defTabSz="914400" rtl="0" eaLnBrk="1" latinLnBrk="0" hangingPunct="1">
-              <a:defRPr sz="1800" kern="1200">
-                <a:solidFill>
-                  <a:schemeClr val="tx1"/>
-                </a:solidFill>
-                <a:latin typeface="+mn-lt"/>
-                <a:ea typeface="+mn-ea"/>
-                <a:cs typeface="+mn-cs"/>
-              </a:defRPr>
-            </a:lvl7pPr>
-            <a:lvl8pPr marL="3200400" algn="l" defTabSz="914400" rtl="0" eaLnBrk="1" latinLnBrk="0" hangingPunct="1">
-              <a:defRPr sz="1800" kern="1200">
-                <a:solidFill>
-                  <a:schemeClr val="tx1"/>
-                </a:solidFill>
-                <a:latin typeface="+mn-lt"/>
-                <a:ea typeface="+mn-ea"/>
-                <a:cs typeface="+mn-cs"/>
-              </a:defRPr>
-            </a:lvl8pPr>
-            <a:lvl9pPr marL="3657600" algn="l" defTabSz="914400" rtl="0" eaLnBrk="1" latinLnBrk="0" hangingPunct="1">
-              <a:defRPr sz="1800" kern="1200">
-                <a:solidFill>
-                  <a:schemeClr val="tx1"/>
-                </a:solidFill>
-                <a:latin typeface="+mn-lt"/>
-                <a:ea typeface="+mn-ea"/>
-                <a:cs typeface="+mn-cs"/>
-              </a:defRPr>
-            </a:lvl9pPr>
-          </a:lstStyle>
-          <a:p>
-            <a:fld id="{D4328D90-2A6F-4F23-88A8-C5DCC2B5F307}" type="slidenum">
-              <a:rPr lang="zh-TW" altLang="en-US" smtClean="0"/>
-              <a:pPr/>
-              <a:t>‹#›</a:t>
-            </a:fld>
-            <a:endParaRPr lang="zh-TW" altLang="en-US"/>
-          </a:p>
-        </p:txBody>
-      </p:sp>
-    </p:spTree>
-    <p:extLst>
-      <p:ext uri="{BB962C8B-B14F-4D97-AF65-F5344CB8AC3E}">
-        <p14:creationId xmlns:p14="http://schemas.microsoft.com/office/powerpoint/2010/main" val="3806202373"/>
+        <p14:creationId xmlns:p14="http://schemas.microsoft.com/office/powerpoint/2010/main" val="19517535"/>
       </p:ext>
     </p:extLst>
   </p:cSld>
@@ -5646,25 +2244,17 @@
     </p:spTree>
     <p:extLst>
       <p:ext uri="{BB962C8B-B14F-4D97-AF65-F5344CB8AC3E}">
-        <p14:creationId xmlns:p14="http://schemas.microsoft.com/office/powerpoint/2010/main" val="3944432699"/>
+        <p14:creationId xmlns:p14="http://schemas.microsoft.com/office/powerpoint/2010/main" val="1737156354"/>
       </p:ext>
     </p:extLst>
   </p:cSld>
   <p:clrMap bg1="dk1" tx1="lt1" bg2="dk2" tx2="lt2" accent1="accent1" accent2="accent2" accent3="accent3" accent4="accent4" accent5="accent5" accent6="accent6" hlink="hlink" folHlink="folHlink"/>
   <p:sldLayoutIdLst>
-    <p:sldLayoutId id="2147483685" r:id="rId1"/>
-    <p:sldLayoutId id="2147483686" r:id="rId2"/>
-    <p:sldLayoutId id="2147483687" r:id="rId3"/>
-    <p:sldLayoutId id="2147483688" r:id="rId4"/>
-    <p:sldLayoutId id="2147483689" r:id="rId5"/>
-    <p:sldLayoutId id="2147483690" r:id="rId6"/>
-    <p:sldLayoutId id="2147483691" r:id="rId7"/>
-    <p:sldLayoutId id="2147483692" r:id="rId8"/>
-    <p:sldLayoutId id="2147483693" r:id="rId9"/>
-    <p:sldLayoutId id="2147483694" r:id="rId10"/>
-    <p:sldLayoutId id="2147483695" r:id="rId11"/>
-    <p:sldLayoutId id="2147483696" r:id="rId12"/>
-    <p:sldLayoutId id="2147483649" r:id="rId13"/>
+    <p:sldLayoutId id="2147483703" r:id="rId1"/>
+    <p:sldLayoutId id="2147483704" r:id="rId2"/>
+    <p:sldLayoutId id="2147483705" r:id="rId3"/>
+    <p:sldLayoutId id="2147483706" r:id="rId4"/>
+    <p:sldLayoutId id="2147483649" r:id="rId5"/>
   </p:sldLayoutIdLst>
   <p:transition spd="slow">
     <p:push dir="u"/>
@@ -15747,7 +12337,7 @@
   <a:extraClrSchemeLst/>
   <a:extLst>
     <a:ext uri="{05A4C25C-085E-4340-85A3-A5531E510DB2}">
-      <thm15:themeFamily xmlns:thm15="http://schemas.microsoft.com/office/thememl/2012/main" name="TYIC" id="{9EF84239-98DD-47C7-9670-9A8E11832DF8}" vid="{53C94661-BF81-402B-98E3-49232B063EDD}"/>
+      <thm15:themeFamily xmlns:thm15="http://schemas.microsoft.com/office/thememl/2012/main" name="TYIC" id="{F8B8016E-470C-4FE5-A78C-33B2A9D17434}" vid="{BC6C4CDA-A093-4978-B969-B6482D48D481}"/>
     </a:ext>
   </a:extLst>
 </a:theme>

--- a/ppt/02_程式語言簡介.pptx
+++ b/ppt/02_程式語言簡介.pptx
@@ -215,7 +215,7 @@
           <a:p>
             <a:fld id="{FF294DDF-BAE6-4F99-A8CC-1D49EAABBEEB}" type="datetimeFigureOut">
               <a:rPr lang="zh-TW" altLang="en-US" smtClean="0"/>
-              <a:t>2025/2/11</a:t>
+              <a:t>2025/2/21</a:t>
             </a:fld>
             <a:endParaRPr lang="zh-TW" altLang="en-US"/>
           </a:p>

--- a/ppt/02_程式語言簡介.pptx
+++ b/ppt/02_程式語言簡介.pptx
@@ -2,7 +2,7 @@
 <file path=ppt/presentation.xml><?xml version="1.0" encoding="utf-8"?>
 <p:presentation xmlns:a="http://schemas.openxmlformats.org/drawingml/2006/main" xmlns:r="http://schemas.openxmlformats.org/officeDocument/2006/relationships" xmlns:p="http://schemas.openxmlformats.org/presentationml/2006/main" showSpecialPlsOnTitleSld="0" saveSubsetFonts="1">
   <p:sldMasterIdLst>
-    <p:sldMasterId id="2147483702" r:id="rId1"/>
+    <p:sldMasterId id="2147483707" r:id="rId1"/>
   </p:sldMasterIdLst>
   <p:notesMasterIdLst>
     <p:notesMasterId r:id="rId6"/>
@@ -215,7 +215,7 @@
           <a:p>
             <a:fld id="{FF294DDF-BAE6-4F99-A8CC-1D49EAABBEEB}" type="datetimeFigureOut">
               <a:rPr lang="zh-TW" altLang="en-US" smtClean="0"/>
-              <a:t>2025/2/21</a:t>
+              <a:t>2025/2/28</a:t>
             </a:fld>
             <a:endParaRPr lang="zh-TW" altLang="en-US"/>
           </a:p>
@@ -861,14 +861,14 @@
     </p:spTree>
     <p:extLst>
       <p:ext uri="{BB962C8B-B14F-4D97-AF65-F5344CB8AC3E}">
-        <p14:creationId xmlns:p14="http://schemas.microsoft.com/office/powerpoint/2010/main" val="129798107"/>
+        <p14:creationId xmlns:p14="http://schemas.microsoft.com/office/powerpoint/2010/main" val="1772440837"/>
       </p:ext>
     </p:extLst>
   </p:cSld>
   <p:clrMapOvr>
     <a:masterClrMapping/>
   </p:clrMapOvr>
-  <p:transition spd="slow">
+  <p:transition>
     <p:push dir="u"/>
   </p:transition>
 </p:sldLayout>
@@ -1245,14 +1245,14 @@
     </p:spTree>
     <p:extLst>
       <p:ext uri="{BB962C8B-B14F-4D97-AF65-F5344CB8AC3E}">
-        <p14:creationId xmlns:p14="http://schemas.microsoft.com/office/powerpoint/2010/main" val="1901648936"/>
+        <p14:creationId xmlns:p14="http://schemas.microsoft.com/office/powerpoint/2010/main" val="3777984131"/>
       </p:ext>
     </p:extLst>
   </p:cSld>
   <p:clrMapOvr>
     <a:masterClrMapping/>
   </p:clrMapOvr>
-  <p:transition spd="slow">
+  <p:transition>
     <p:push dir="u"/>
   </p:transition>
 </p:sldLayout>
@@ -1572,14 +1572,14 @@
     </p:spTree>
     <p:extLst>
       <p:ext uri="{BB962C8B-B14F-4D97-AF65-F5344CB8AC3E}">
-        <p14:creationId xmlns:p14="http://schemas.microsoft.com/office/powerpoint/2010/main" val="790108855"/>
+        <p14:creationId xmlns:p14="http://schemas.microsoft.com/office/powerpoint/2010/main" val="3044403357"/>
       </p:ext>
     </p:extLst>
   </p:cSld>
   <p:clrMapOvr>
     <a:masterClrMapping/>
   </p:clrMapOvr>
-  <p:transition spd="slow">
+  <p:transition>
     <p:push dir="u"/>
   </p:transition>
 </p:sldLayout>
@@ -1871,14 +1871,14 @@
     </p:spTree>
     <p:extLst>
       <p:ext uri="{BB962C8B-B14F-4D97-AF65-F5344CB8AC3E}">
-        <p14:creationId xmlns:p14="http://schemas.microsoft.com/office/powerpoint/2010/main" val="154432256"/>
+        <p14:creationId xmlns:p14="http://schemas.microsoft.com/office/powerpoint/2010/main" val="2460148767"/>
       </p:ext>
     </p:extLst>
   </p:cSld>
   <p:clrMapOvr>
     <a:masterClrMapping/>
   </p:clrMapOvr>
-  <p:transition spd="slow">
+  <p:transition>
     <p:push dir="u"/>
   </p:transition>
 </p:sldLayout>
@@ -2018,7 +2018,7 @@
   <p:clrMapOvr>
     <a:masterClrMapping/>
   </p:clrMapOvr>
-  <p:transition spd="slow">
+  <p:transition>
     <p:push dir="u"/>
   </p:transition>
 </p:sldLayout>
@@ -2244,19 +2244,19 @@
     </p:spTree>
     <p:extLst>
       <p:ext uri="{BB962C8B-B14F-4D97-AF65-F5344CB8AC3E}">
-        <p14:creationId xmlns:p14="http://schemas.microsoft.com/office/powerpoint/2010/main" val="1737156354"/>
+        <p14:creationId xmlns:p14="http://schemas.microsoft.com/office/powerpoint/2010/main" val="2425314121"/>
       </p:ext>
     </p:extLst>
   </p:cSld>
   <p:clrMap bg1="dk1" tx1="lt1" bg2="dk2" tx2="lt2" accent1="accent1" accent2="accent2" accent3="accent3" accent4="accent4" accent5="accent5" accent6="accent6" hlink="hlink" folHlink="folHlink"/>
   <p:sldLayoutIdLst>
-    <p:sldLayoutId id="2147483703" r:id="rId1"/>
-    <p:sldLayoutId id="2147483704" r:id="rId2"/>
-    <p:sldLayoutId id="2147483705" r:id="rId3"/>
-    <p:sldLayoutId id="2147483706" r:id="rId4"/>
+    <p:sldLayoutId id="2147483708" r:id="rId1"/>
+    <p:sldLayoutId id="2147483709" r:id="rId2"/>
+    <p:sldLayoutId id="2147483710" r:id="rId3"/>
+    <p:sldLayoutId id="2147483711" r:id="rId4"/>
     <p:sldLayoutId id="2147483649" r:id="rId5"/>
   </p:sldLayoutIdLst>
-  <p:transition spd="slow">
+  <p:transition>
     <p:push dir="u"/>
   </p:transition>
   <p:hf hdr="0" dt="0"/>
@@ -2632,7 +2632,7 @@
   <p:clrMapOvr>
     <a:masterClrMapping/>
   </p:clrMapOvr>
-  <p:transition spd="slow">
+  <p:transition>
     <p:push dir="u"/>
   </p:transition>
 </p:sld>
@@ -5343,7 +5343,7 @@
   <p:clrMapOvr>
     <a:masterClrMapping/>
   </p:clrMapOvr>
-  <p:transition spd="slow">
+  <p:transition>
     <p:push dir="u"/>
   </p:transition>
   <p:timing>
@@ -11934,7 +11934,7 @@
   <p:clrMapOvr>
     <a:masterClrMapping/>
   </p:clrMapOvr>
-  <p:transition spd="slow">
+  <p:transition>
     <p:push dir="u"/>
   </p:transition>
   <p:timing>
@@ -12337,7 +12337,7 @@
   <a:extraClrSchemeLst/>
   <a:extLst>
     <a:ext uri="{05A4C25C-085E-4340-85A3-A5531E510DB2}">
-      <thm15:themeFamily xmlns:thm15="http://schemas.microsoft.com/office/thememl/2012/main" name="TYIC" id="{F8B8016E-470C-4FE5-A78C-33B2A9D17434}" vid="{BC6C4CDA-A093-4978-B969-B6482D48D481}"/>
+      <thm15:themeFamily xmlns:thm15="http://schemas.microsoft.com/office/thememl/2012/main" name="TYIC" id="{5F22F33A-EA50-4F22-9F2C-8A64A179567F}" vid="{3247D5A2-1B78-4AF4-9AA5-9AF4332DE771}"/>
     </a:ext>
   </a:extLst>
 </a:theme>
